--- a/Project Management.pptx
+++ b/Project Management.pptx
@@ -5,24 +5,22 @@
     <p:sldMasterId id="2147484175" r:id="rId1"/>
   </p:sldMasterIdLst>
   <p:notesMasterIdLst>
-    <p:notesMasterId r:id="rId17"/>
+    <p:notesMasterId r:id="rId15"/>
   </p:notesMasterIdLst>
   <p:sldIdLst>
     <p:sldId id="256" r:id="rId2"/>
     <p:sldId id="257" r:id="rId3"/>
-    <p:sldId id="268" r:id="rId4"/>
-    <p:sldId id="258" r:id="rId5"/>
-    <p:sldId id="261" r:id="rId6"/>
-    <p:sldId id="262" r:id="rId7"/>
-    <p:sldId id="259" r:id="rId8"/>
-    <p:sldId id="260" r:id="rId9"/>
-    <p:sldId id="263" r:id="rId10"/>
-    <p:sldId id="264" r:id="rId11"/>
-    <p:sldId id="265" r:id="rId12"/>
-    <p:sldId id="269" r:id="rId13"/>
-    <p:sldId id="270" r:id="rId14"/>
-    <p:sldId id="266" r:id="rId15"/>
-    <p:sldId id="267" r:id="rId16"/>
+    <p:sldId id="277" r:id="rId4"/>
+    <p:sldId id="268" r:id="rId5"/>
+    <p:sldId id="269" r:id="rId6"/>
+    <p:sldId id="270" r:id="rId7"/>
+    <p:sldId id="271" r:id="rId8"/>
+    <p:sldId id="272" r:id="rId9"/>
+    <p:sldId id="273" r:id="rId10"/>
+    <p:sldId id="274" r:id="rId11"/>
+    <p:sldId id="275" r:id="rId12"/>
+    <p:sldId id="276" r:id="rId13"/>
+    <p:sldId id="267" r:id="rId14"/>
   </p:sldIdLst>
   <p:sldSz cx="12192000" cy="6858000"/>
   <p:notesSz cx="6858000" cy="9144000"/>
@@ -157,7 +155,7 @@
         <a:lstStyle/>
         <a:p>
           <a:pPr>
-            <a:defRPr sz="1862" b="1" i="0" u="none" strike="noStrike" kern="1200" cap="all" spc="50" baseline="0">
+            <a:defRPr sz="1862" b="0" i="0" u="none" strike="noStrike" kern="1200" spc="0" baseline="0">
               <a:solidFill>
                 <a:schemeClr val="tx1">
                   <a:lumMod val="65000"/>
@@ -187,7 +185,7 @@
               <c:strCache>
                 <c:ptCount val="1"/>
                 <c:pt idx="0">
-                  <c:v>Objectifs</c:v>
+                  <c:v>Achievement</c:v>
                 </c:pt>
               </c:strCache>
             </c:strRef>
@@ -199,26 +197,13 @@
               <a:solidFill>
                 <a:schemeClr val="accent1"/>
               </a:solidFill>
-              <a:ln>
-                <a:noFill/>
+              <a:ln w="19050">
+                <a:solidFill>
+                  <a:schemeClr val="lt1"/>
+                </a:solidFill>
               </a:ln>
               <a:effectLst/>
-              <a:scene3d>
-                <a:camera prst="orthographicFront"/>
-                <a:lightRig rig="brightRoom" dir="t"/>
-              </a:scene3d>
-              <a:sp3d prstMaterial="flat">
-                <a:bevelT w="50800" h="101600" prst="angle"/>
-                <a:contourClr>
-                  <a:srgbClr val="000000"/>
-                </a:contourClr>
-              </a:sp3d>
             </c:spPr>
-            <c:extLst>
-              <c:ext xmlns:c16="http://schemas.microsoft.com/office/drawing/2014/chart" uri="{C3380CC4-5D6E-409C-BE32-E72D297353CC}">
-                <c16:uniqueId val="{00000001-9336-4BC4-BA4B-974DCD138910}"/>
-              </c:ext>
-            </c:extLst>
           </c:dPt>
           <c:dPt>
             <c:idx val="1"/>
@@ -227,54 +212,13 @@
               <a:solidFill>
                 <a:schemeClr val="accent2"/>
               </a:solidFill>
-              <a:ln>
-                <a:noFill/>
+              <a:ln w="19050">
+                <a:solidFill>
+                  <a:schemeClr val="lt1"/>
+                </a:solidFill>
               </a:ln>
               <a:effectLst/>
-              <a:scene3d>
-                <a:camera prst="orthographicFront"/>
-                <a:lightRig rig="brightRoom" dir="t"/>
-              </a:scene3d>
-              <a:sp3d prstMaterial="flat">
-                <a:bevelT w="50800" h="101600" prst="angle"/>
-                <a:contourClr>
-                  <a:srgbClr val="000000"/>
-                </a:contourClr>
-              </a:sp3d>
             </c:spPr>
-            <c:extLst>
-              <c:ext xmlns:c16="http://schemas.microsoft.com/office/drawing/2014/chart" uri="{C3380CC4-5D6E-409C-BE32-E72D297353CC}">
-                <c16:uniqueId val="{00000003-9336-4BC4-BA4B-974DCD138910}"/>
-              </c:ext>
-            </c:extLst>
-          </c:dPt>
-          <c:dPt>
-            <c:idx val="2"/>
-            <c:bubble3D val="0"/>
-            <c:spPr>
-              <a:solidFill>
-                <a:schemeClr val="accent3"/>
-              </a:solidFill>
-              <a:ln>
-                <a:noFill/>
-              </a:ln>
-              <a:effectLst/>
-              <a:scene3d>
-                <a:camera prst="orthographicFront"/>
-                <a:lightRig rig="brightRoom" dir="t"/>
-              </a:scene3d>
-              <a:sp3d prstMaterial="flat">
-                <a:bevelT w="50800" h="101600" prst="angle"/>
-                <a:contourClr>
-                  <a:srgbClr val="000000"/>
-                </a:contourClr>
-              </a:sp3d>
-            </c:spPr>
-            <c:extLst>
-              <c:ext xmlns:c16="http://schemas.microsoft.com/office/drawing/2014/chart" uri="{C3380CC4-5D6E-409C-BE32-E72D297353CC}">
-                <c16:uniqueId val="{00000005-9336-4BC4-BA4B-974DCD138910}"/>
-              </c:ext>
-            </c:extLst>
           </c:dPt>
           <c:dLbls>
             <c:spPr>
@@ -291,9 +235,12 @@
               <a:lstStyle/>
               <a:p>
                 <a:pPr>
-                  <a:defRPr sz="1197" b="1" i="0" u="none" strike="noStrike" kern="1200" baseline="0">
+                  <a:defRPr sz="1197" b="0" i="0" u="none" strike="noStrike" kern="1200" baseline="0">
                     <a:solidFill>
-                      <a:schemeClr val="lt1"/>
+                      <a:schemeClr val="tx1">
+                        <a:lumMod val="75000"/>
+                        <a:lumOff val="25000"/>
+                      </a:schemeClr>
                     </a:solidFill>
                     <a:latin typeface="+mn-lt"/>
                     <a:ea typeface="+mn-ea"/>
@@ -304,10 +251,10 @@
               </a:p>
             </c:txPr>
             <c:showLegendKey val="0"/>
-            <c:showVal val="0"/>
+            <c:showVal val="1"/>
             <c:showCatName val="0"/>
             <c:showSerName val="0"/>
-            <c:showPercent val="1"/>
+            <c:showPercent val="0"/>
             <c:showBubbleSize val="0"/>
             <c:showLeaderLines val="1"/>
             <c:leaderLines>
@@ -330,42 +277,36 @@
           </c:dLbls>
           <c:cat>
             <c:strRef>
-              <c:f>Feuil1!$A$2:$A$4</c:f>
+              <c:f>Feuil1!$A$2:$A$3</c:f>
               <c:strCache>
-                <c:ptCount val="3"/>
+                <c:ptCount val="2"/>
                 <c:pt idx="0">
-                  <c:v>Réussis</c:v>
+                  <c:v>Success</c:v>
                 </c:pt>
                 <c:pt idx="1">
-                  <c:v>A moitié</c:v>
-                </c:pt>
-                <c:pt idx="2">
-                  <c:v>Echecs</c:v>
+                  <c:v>Undone</c:v>
                 </c:pt>
               </c:strCache>
             </c:strRef>
           </c:cat>
           <c:val>
             <c:numRef>
-              <c:f>Feuil1!$B$2:$B$4</c:f>
+              <c:f>Feuil1!$B$2:$B$3</c:f>
               <c:numCache>
-                <c:formatCode>General</c:formatCode>
-                <c:ptCount val="3"/>
+                <c:formatCode>0%</c:formatCode>
+                <c:ptCount val="2"/>
                 <c:pt idx="0">
-                  <c:v>5</c:v>
+                  <c:v>0.75</c:v>
                 </c:pt>
                 <c:pt idx="1">
-                  <c:v>2</c:v>
-                </c:pt>
-                <c:pt idx="2">
-                  <c:v>7</c:v>
+                  <c:v>0.25</c:v>
                 </c:pt>
               </c:numCache>
             </c:numRef>
           </c:val>
           <c:extLst>
             <c:ext xmlns:c16="http://schemas.microsoft.com/office/drawing/2014/chart" uri="{C3380CC4-5D6E-409C-BE32-E72D297353CC}">
-              <c16:uniqueId val="{00000000-FF4A-4894-BAFF-55D4A378567A}"/>
+              <c16:uniqueId val="{00000000-08D5-4B27-BC00-DBCB98063B81}"/>
             </c:ext>
           </c:extLst>
         </c:ser>
@@ -374,12 +315,12 @@
           <c:showVal val="0"/>
           <c:showCatName val="0"/>
           <c:showSerName val="0"/>
-          <c:showPercent val="1"/>
+          <c:showPercent val="0"/>
           <c:showBubbleSize val="0"/>
           <c:showLeaderLines val="1"/>
         </c:dLbls>
         <c:firstSliceAng val="0"/>
-        <c:holeSize val="50"/>
+        <c:holeSize val="75"/>
       </c:doughnutChart>
       <c:spPr>
         <a:noFill/>
@@ -390,329 +331,7 @@
       </c:spPr>
     </c:plotArea>
     <c:legend>
-      <c:legendPos val="t"/>
-      <c:overlay val="0"/>
-      <c:spPr>
-        <a:noFill/>
-        <a:ln>
-          <a:noFill/>
-        </a:ln>
-        <a:effectLst/>
-      </c:spPr>
-      <c:txPr>
-        <a:bodyPr rot="0" spcFirstLastPara="1" vertOverflow="ellipsis" vert="horz" wrap="square" anchor="ctr" anchorCtr="1"/>
-        <a:lstStyle/>
-        <a:p>
-          <a:pPr>
-            <a:defRPr sz="1197" b="0" i="0" u="none" strike="noStrike" kern="1200" baseline="0">
-              <a:solidFill>
-                <a:schemeClr val="tx1">
-                  <a:lumMod val="65000"/>
-                  <a:lumOff val="35000"/>
-                </a:schemeClr>
-              </a:solidFill>
-              <a:latin typeface="+mn-lt"/>
-              <a:ea typeface="+mn-ea"/>
-              <a:cs typeface="+mn-cs"/>
-            </a:defRPr>
-          </a:pPr>
-          <a:endParaRPr lang="fr-FR"/>
-        </a:p>
-      </c:txPr>
-    </c:legend>
-    <c:plotVisOnly val="1"/>
-    <c:dispBlanksAs val="gap"/>
-    <c:extLst>
-      <c:ext xmlns:c16r3="http://schemas.microsoft.com/office/drawing/2017/03/chart" uri="{56B9EC1D-385E-4148-901F-78D8002777C0}">
-        <c16r3:dataDisplayOptions16>
-          <c16r3:dispNaAsBlank val="1"/>
-        </c16r3:dataDisplayOptions16>
-      </c:ext>
-    </c:extLst>
-    <c:showDLblsOverMax val="0"/>
-  </c:chart>
-  <c:spPr>
-    <a:noFill/>
-    <a:ln>
-      <a:noFill/>
-    </a:ln>
-    <a:effectLst/>
-  </c:spPr>
-  <c:txPr>
-    <a:bodyPr/>
-    <a:lstStyle/>
-    <a:p>
-      <a:pPr>
-        <a:defRPr/>
-      </a:pPr>
-      <a:endParaRPr lang="fr-FR"/>
-    </a:p>
-  </c:txPr>
-  <c:externalData r:id="rId3">
-    <c:autoUpdate val="0"/>
-  </c:externalData>
-</c:chartSpace>
-</file>
-
-<file path=ppt/charts/chart2.xml><?xml version="1.0" encoding="utf-8"?>
-<c:chartSpace xmlns:c="http://schemas.openxmlformats.org/drawingml/2006/chart" xmlns:a="http://schemas.openxmlformats.org/drawingml/2006/main" xmlns:r="http://schemas.openxmlformats.org/officeDocument/2006/relationships" xmlns:c16r2="http://schemas.microsoft.com/office/drawing/2015/06/chart">
-  <c:date1904 val="0"/>
-  <c:lang val="fr-FR"/>
-  <c:roundedCorners val="0"/>
-  <mc:AlternateContent xmlns:mc="http://schemas.openxmlformats.org/markup-compatibility/2006">
-    <mc:Choice xmlns:c14="http://schemas.microsoft.com/office/drawing/2007/8/2/chart" Requires="c14">
-      <c14:style val="102"/>
-    </mc:Choice>
-    <mc:Fallback>
-      <c:style val="2"/>
-    </mc:Fallback>
-  </mc:AlternateContent>
-  <c:chart>
-    <c:title>
-      <c:overlay val="0"/>
-      <c:spPr>
-        <a:noFill/>
-        <a:ln>
-          <a:noFill/>
-        </a:ln>
-        <a:effectLst/>
-      </c:spPr>
-      <c:txPr>
-        <a:bodyPr rot="0" spcFirstLastPara="1" vertOverflow="ellipsis" vert="horz" wrap="square" anchor="ctr" anchorCtr="1"/>
-        <a:lstStyle/>
-        <a:p>
-          <a:pPr>
-            <a:defRPr sz="1862" b="1" i="0" u="none" strike="noStrike" kern="1200" cap="all" spc="50" baseline="0">
-              <a:solidFill>
-                <a:schemeClr val="tx1">
-                  <a:lumMod val="65000"/>
-                  <a:lumOff val="35000"/>
-                </a:schemeClr>
-              </a:solidFill>
-              <a:latin typeface="+mn-lt"/>
-              <a:ea typeface="+mn-ea"/>
-              <a:cs typeface="+mn-cs"/>
-            </a:defRPr>
-          </a:pPr>
-          <a:endParaRPr lang="fr-FR"/>
-        </a:p>
-      </c:txPr>
-    </c:title>
-    <c:autoTitleDeleted val="0"/>
-    <c:plotArea>
-      <c:layout/>
-      <c:doughnutChart>
-        <c:varyColors val="1"/>
-        <c:ser>
-          <c:idx val="0"/>
-          <c:order val="0"/>
-          <c:tx>
-            <c:strRef>
-              <c:f>Feuil1!$B$1</c:f>
-              <c:strCache>
-                <c:ptCount val="1"/>
-                <c:pt idx="0">
-                  <c:v>Objectifs</c:v>
-                </c:pt>
-              </c:strCache>
-            </c:strRef>
-          </c:tx>
-          <c:dPt>
-            <c:idx val="0"/>
-            <c:bubble3D val="0"/>
-            <c:spPr>
-              <a:solidFill>
-                <a:schemeClr val="accent1"/>
-              </a:solidFill>
-              <a:ln>
-                <a:noFill/>
-              </a:ln>
-              <a:effectLst/>
-              <a:scene3d>
-                <a:camera prst="orthographicFront"/>
-                <a:lightRig rig="brightRoom" dir="t"/>
-              </a:scene3d>
-              <a:sp3d prstMaterial="flat">
-                <a:bevelT w="50800" h="101600" prst="angle"/>
-                <a:contourClr>
-                  <a:srgbClr val="000000"/>
-                </a:contourClr>
-              </a:sp3d>
-            </c:spPr>
-            <c:extLst>
-              <c:ext xmlns:c16="http://schemas.microsoft.com/office/drawing/2014/chart" uri="{C3380CC4-5D6E-409C-BE32-E72D297353CC}">
-                <c16:uniqueId val="{00000001-9336-4BC4-BA4B-974DCD138910}"/>
-              </c:ext>
-            </c:extLst>
-          </c:dPt>
-          <c:dPt>
-            <c:idx val="1"/>
-            <c:bubble3D val="0"/>
-            <c:spPr>
-              <a:solidFill>
-                <a:schemeClr val="accent2"/>
-              </a:solidFill>
-              <a:ln>
-                <a:noFill/>
-              </a:ln>
-              <a:effectLst/>
-              <a:scene3d>
-                <a:camera prst="orthographicFront"/>
-                <a:lightRig rig="brightRoom" dir="t"/>
-              </a:scene3d>
-              <a:sp3d prstMaterial="flat">
-                <a:bevelT w="50800" h="101600" prst="angle"/>
-                <a:contourClr>
-                  <a:srgbClr val="000000"/>
-                </a:contourClr>
-              </a:sp3d>
-            </c:spPr>
-            <c:extLst>
-              <c:ext xmlns:c16="http://schemas.microsoft.com/office/drawing/2014/chart" uri="{C3380CC4-5D6E-409C-BE32-E72D297353CC}">
-                <c16:uniqueId val="{00000003-9336-4BC4-BA4B-974DCD138910}"/>
-              </c:ext>
-            </c:extLst>
-          </c:dPt>
-          <c:dPt>
-            <c:idx val="2"/>
-            <c:bubble3D val="0"/>
-            <c:spPr>
-              <a:solidFill>
-                <a:schemeClr val="accent3"/>
-              </a:solidFill>
-              <a:ln>
-                <a:noFill/>
-              </a:ln>
-              <a:effectLst/>
-              <a:scene3d>
-                <a:camera prst="orthographicFront"/>
-                <a:lightRig rig="brightRoom" dir="t"/>
-              </a:scene3d>
-              <a:sp3d prstMaterial="flat">
-                <a:bevelT w="50800" h="101600" prst="angle"/>
-                <a:contourClr>
-                  <a:srgbClr val="000000"/>
-                </a:contourClr>
-              </a:sp3d>
-            </c:spPr>
-            <c:extLst>
-              <c:ext xmlns:c16="http://schemas.microsoft.com/office/drawing/2014/chart" uri="{C3380CC4-5D6E-409C-BE32-E72D297353CC}">
-                <c16:uniqueId val="{00000005-9336-4BC4-BA4B-974DCD138910}"/>
-              </c:ext>
-            </c:extLst>
-          </c:dPt>
-          <c:dLbls>
-            <c:spPr>
-              <a:noFill/>
-              <a:ln>
-                <a:noFill/>
-              </a:ln>
-              <a:effectLst/>
-            </c:spPr>
-            <c:txPr>
-              <a:bodyPr rot="0" spcFirstLastPara="1" vertOverflow="ellipsis" vert="horz" wrap="square" lIns="38100" tIns="19050" rIns="38100" bIns="19050" anchor="ctr" anchorCtr="1">
-                <a:spAutoFit/>
-              </a:bodyPr>
-              <a:lstStyle/>
-              <a:p>
-                <a:pPr>
-                  <a:defRPr sz="1197" b="1" i="0" u="none" strike="noStrike" kern="1200" baseline="0">
-                    <a:solidFill>
-                      <a:schemeClr val="lt1"/>
-                    </a:solidFill>
-                    <a:latin typeface="+mn-lt"/>
-                    <a:ea typeface="+mn-ea"/>
-                    <a:cs typeface="+mn-cs"/>
-                  </a:defRPr>
-                </a:pPr>
-                <a:endParaRPr lang="fr-FR"/>
-              </a:p>
-            </c:txPr>
-            <c:showLegendKey val="0"/>
-            <c:showVal val="0"/>
-            <c:showCatName val="0"/>
-            <c:showSerName val="0"/>
-            <c:showPercent val="1"/>
-            <c:showBubbleSize val="0"/>
-            <c:showLeaderLines val="1"/>
-            <c:leaderLines>
-              <c:spPr>
-                <a:ln w="9525" cap="flat" cmpd="sng" algn="ctr">
-                  <a:solidFill>
-                    <a:schemeClr val="tx1">
-                      <a:lumMod val="35000"/>
-                      <a:lumOff val="65000"/>
-                    </a:schemeClr>
-                  </a:solidFill>
-                  <a:round/>
-                </a:ln>
-                <a:effectLst/>
-              </c:spPr>
-            </c:leaderLines>
-            <c:extLst>
-              <c:ext xmlns:c15="http://schemas.microsoft.com/office/drawing/2012/chart" uri="{CE6537A1-D6FC-4f65-9D91-7224C49458BB}"/>
-            </c:extLst>
-          </c:dLbls>
-          <c:cat>
-            <c:strRef>
-              <c:f>Feuil1!$A$2:$A$4</c:f>
-              <c:strCache>
-                <c:ptCount val="3"/>
-                <c:pt idx="0">
-                  <c:v>Réussis</c:v>
-                </c:pt>
-                <c:pt idx="1">
-                  <c:v>A moitié</c:v>
-                </c:pt>
-                <c:pt idx="2">
-                  <c:v>Echecs</c:v>
-                </c:pt>
-              </c:strCache>
-            </c:strRef>
-          </c:cat>
-          <c:val>
-            <c:numRef>
-              <c:f>Feuil1!$B$2:$B$4</c:f>
-              <c:numCache>
-                <c:formatCode>General</c:formatCode>
-                <c:ptCount val="3"/>
-                <c:pt idx="0">
-                  <c:v>8</c:v>
-                </c:pt>
-                <c:pt idx="1">
-                  <c:v>2</c:v>
-                </c:pt>
-              </c:numCache>
-            </c:numRef>
-          </c:val>
-          <c:extLst>
-            <c:ext xmlns:c16="http://schemas.microsoft.com/office/drawing/2014/chart" uri="{C3380CC4-5D6E-409C-BE32-E72D297353CC}">
-              <c16:uniqueId val="{00000000-FF4A-4894-BAFF-55D4A378567A}"/>
-            </c:ext>
-          </c:extLst>
-        </c:ser>
-        <c:dLbls>
-          <c:showLegendKey val="0"/>
-          <c:showVal val="0"/>
-          <c:showCatName val="0"/>
-          <c:showSerName val="0"/>
-          <c:showPercent val="1"/>
-          <c:showBubbleSize val="0"/>
-          <c:showLeaderLines val="1"/>
-        </c:dLbls>
-        <c:firstSliceAng val="0"/>
-        <c:holeSize val="50"/>
-      </c:doughnutChart>
-      <c:spPr>
-        <a:noFill/>
-        <a:ln>
-          <a:noFill/>
-        </a:ln>
-        <a:effectLst/>
-      </c:spPr>
-    </c:plotArea>
-    <c:legend>
-      <c:legendPos val="t"/>
+      <c:legendPos val="b"/>
       <c:overlay val="0"/>
       <c:spPr>
         <a:noFill/>
@@ -816,48 +435,8 @@
 </cs:colorStyle>
 </file>
 
-<file path=ppt/charts/colors2.xml><?xml version="1.0" encoding="utf-8"?>
-<cs:colorStyle xmlns:cs="http://schemas.microsoft.com/office/drawing/2012/chartStyle" xmlns:a="http://schemas.openxmlformats.org/drawingml/2006/main" meth="cycle" id="10">
-  <a:schemeClr val="accent1"/>
-  <a:schemeClr val="accent2"/>
-  <a:schemeClr val="accent3"/>
-  <a:schemeClr val="accent4"/>
-  <a:schemeClr val="accent5"/>
-  <a:schemeClr val="accent6"/>
-  <cs:variation/>
-  <cs:variation>
-    <a:lumMod val="60000"/>
-  </cs:variation>
-  <cs:variation>
-    <a:lumMod val="80000"/>
-    <a:lumOff val="20000"/>
-  </cs:variation>
-  <cs:variation>
-    <a:lumMod val="80000"/>
-  </cs:variation>
-  <cs:variation>
-    <a:lumMod val="60000"/>
-    <a:lumOff val="40000"/>
-  </cs:variation>
-  <cs:variation>
-    <a:lumMod val="50000"/>
-  </cs:variation>
-  <cs:variation>
-    <a:lumMod val="70000"/>
-    <a:lumOff val="30000"/>
-  </cs:variation>
-  <cs:variation>
-    <a:lumMod val="70000"/>
-  </cs:variation>
-  <cs:variation>
-    <a:lumMod val="50000"/>
-    <a:lumOff val="50000"/>
-  </cs:variation>
-</cs:colorStyle>
-</file>
-
 <file path=ppt/charts/style1.xml><?xml version="1.0" encoding="utf-8"?>
-<cs:chartStyle xmlns:cs="http://schemas.microsoft.com/office/drawing/2012/chartStyle" xmlns:a="http://schemas.openxmlformats.org/drawingml/2006/main" id="258">
+<cs:chartStyle xmlns:cs="http://schemas.microsoft.com/office/drawing/2012/chartStyle" xmlns:a="http://schemas.openxmlformats.org/drawingml/2006/main" id="251">
   <cs:axisTitle>
     <cs:lnRef idx="0"/>
     <cs:fillRef idx="0"/>
@@ -868,7 +447,7 @@
         <a:lumOff val="35000"/>
       </a:schemeClr>
     </cs:fontRef>
-    <cs:defRPr sz="1197" kern="1200"/>
+    <cs:defRPr sz="1330" kern="1200"/>
   </cs:axisTitle>
   <cs:categoryAxis>
     <cs:lnRef idx="0"/>
@@ -880,6 +459,17 @@
         <a:lumOff val="35000"/>
       </a:schemeClr>
     </cs:fontRef>
+    <cs:spPr>
+      <a:ln w="9525" cap="flat" cmpd="sng" algn="ctr">
+        <a:solidFill>
+          <a:schemeClr val="tx1">
+            <a:lumMod val="15000"/>
+            <a:lumOff val="85000"/>
+          </a:schemeClr>
+        </a:solidFill>
+        <a:round/>
+      </a:ln>
+    </cs:spPr>
     <cs:defRPr sz="1197" kern="1200"/>
   </cs:categoryAxis>
   <cs:chartArea mods="allowNoFillOverride allowNoLineOverride">
@@ -910,9 +500,12 @@
     <cs:fillRef idx="0"/>
     <cs:effectRef idx="0"/>
     <cs:fontRef idx="minor">
-      <a:schemeClr val="lt1"/>
+      <a:schemeClr val="tx1">
+        <a:lumMod val="75000"/>
+        <a:lumOff val="25000"/>
+      </a:schemeClr>
     </cs:fontRef>
-    <cs:defRPr sz="1197" b="1" kern="1200"/>
+    <cs:defRPr sz="1197" kern="1200"/>
   </cs:dataLabel>
   <cs:dataLabelCallout>
     <cs:lnRef idx="0"/>
@@ -944,7 +537,7 @@
   </cs:dataLabelCallout>
   <cs:dataPoint>
     <cs:lnRef idx="0"/>
-    <cs:fillRef idx="0">
+    <cs:fillRef idx="1">
       <cs:styleClr val="auto"/>
     </cs:fillRef>
     <cs:effectRef idx="0"/>
@@ -952,24 +545,16 @@
       <a:schemeClr val="tx1"/>
     </cs:fontRef>
     <cs:spPr>
-      <a:solidFill>
-        <a:schemeClr val="phClr"/>
-      </a:solidFill>
-      <a:scene3d>
-        <a:camera prst="orthographicFront"/>
-        <a:lightRig rig="brightRoom" dir="t"/>
-      </a:scene3d>
-      <a:sp3d prstMaterial="flat">
-        <a:bevelT w="50800" h="101600" prst="angle"/>
-        <a:contourClr>
-          <a:srgbClr val="000000"/>
-        </a:contourClr>
-      </a:sp3d>
+      <a:ln w="19050">
+        <a:solidFill>
+          <a:schemeClr val="lt1"/>
+        </a:solidFill>
+      </a:ln>
     </cs:spPr>
   </cs:dataPoint>
   <cs:dataPoint3D>
     <cs:lnRef idx="0"/>
-    <cs:fillRef idx="0">
+    <cs:fillRef idx="1">
       <cs:styleClr val="auto"/>
     </cs:fillRef>
     <cs:effectRef idx="0"/>
@@ -977,10 +562,7 @@
       <a:schemeClr val="tx1"/>
     </cs:fontRef>
     <cs:spPr>
-      <a:solidFill>
-        <a:schemeClr val="phClr"/>
-      </a:solidFill>
-      <a:ln w="19050">
+      <a:ln w="25400">
         <a:solidFill>
           <a:schemeClr val="lt1"/>
         </a:solidFill>
@@ -1006,8 +588,10 @@
     </cs:spPr>
   </cs:dataPointLine>
   <cs:dataPointMarker>
-    <cs:lnRef idx="0"/>
-    <cs:fillRef idx="0">
+    <cs:lnRef idx="0">
+      <cs:styleClr val="auto"/>
+    </cs:lnRef>
+    <cs:fillRef idx="1">
       <cs:styleClr val="auto"/>
     </cs:fillRef>
     <cs:effectRef idx="0"/>
@@ -1015,17 +599,14 @@
       <a:schemeClr val="tx1"/>
     </cs:fontRef>
     <cs:spPr>
-      <a:solidFill>
-        <a:schemeClr val="phClr"/>
-      </a:solidFill>
       <a:ln w="9525">
         <a:solidFill>
-          <a:schemeClr val="lt1"/>
+          <a:schemeClr val="phClr"/>
         </a:solidFill>
       </a:ln>
     </cs:spPr>
   </cs:dataPointMarker>
-  <cs:dataPointMarkerLayout symbol="circle" size="6"/>
+  <cs:dataPointMarkerLayout symbol="circle" size="5"/>
   <cs:dataPointWireframe>
     <cs:lnRef idx="0">
       <cs:styleClr val="auto"/>
@@ -1290,7 +871,7 @@
         <a:lumOff val="35000"/>
       </a:schemeClr>
     </cs:fontRef>
-    <cs:defRPr sz="1862" b="1" i="0" kern="1200" cap="all" spc="50" baseline="0"/>
+    <cs:defRPr sz="1862" b="0" kern="1200" spc="0" baseline="0"/>
   </cs:title>
   <cs:trendline>
     <cs:lnRef idx="0">
@@ -1306,524 +887,7 @@
         <a:solidFill>
           <a:schemeClr val="phClr"/>
         </a:solidFill>
-        <a:prstDash val="sysDash"/>
-      </a:ln>
-    </cs:spPr>
-  </cs:trendline>
-  <cs:trendlineLabel>
-    <cs:lnRef idx="0"/>
-    <cs:fillRef idx="0"/>
-    <cs:effectRef idx="0"/>
-    <cs:fontRef idx="minor">
-      <a:schemeClr val="tx1">
-        <a:lumMod val="65000"/>
-        <a:lumOff val="35000"/>
-      </a:schemeClr>
-    </cs:fontRef>
-    <cs:defRPr sz="1197" kern="1200"/>
-  </cs:trendlineLabel>
-  <cs:upBar>
-    <cs:lnRef idx="0"/>
-    <cs:fillRef idx="0"/>
-    <cs:effectRef idx="0"/>
-    <cs:fontRef idx="minor">
-      <a:schemeClr val="tx1"/>
-    </cs:fontRef>
-    <cs:spPr>
-      <a:solidFill>
-        <a:schemeClr val="lt1"/>
-      </a:solidFill>
-      <a:ln w="9525" cap="flat" cmpd="sng" algn="ctr">
-        <a:solidFill>
-          <a:schemeClr val="tx1">
-            <a:lumMod val="65000"/>
-            <a:lumOff val="35000"/>
-          </a:schemeClr>
-        </a:solidFill>
-        <a:round/>
-      </a:ln>
-    </cs:spPr>
-  </cs:upBar>
-  <cs:valueAxis>
-    <cs:lnRef idx="0"/>
-    <cs:fillRef idx="0"/>
-    <cs:effectRef idx="0"/>
-    <cs:fontRef idx="minor">
-      <a:schemeClr val="tx1">
-        <a:lumMod val="65000"/>
-        <a:lumOff val="35000"/>
-      </a:schemeClr>
-    </cs:fontRef>
-    <cs:defRPr sz="1197" kern="1200"/>
-  </cs:valueAxis>
-  <cs:wall>
-    <cs:lnRef idx="0"/>
-    <cs:fillRef idx="0"/>
-    <cs:effectRef idx="0"/>
-    <cs:fontRef idx="minor">
-      <a:schemeClr val="tx1"/>
-    </cs:fontRef>
-    <cs:spPr>
-      <a:noFill/>
-      <a:ln>
-        <a:noFill/>
-      </a:ln>
-    </cs:spPr>
-  </cs:wall>
-</cs:chartStyle>
-</file>
-
-<file path=ppt/charts/style2.xml><?xml version="1.0" encoding="utf-8"?>
-<cs:chartStyle xmlns:cs="http://schemas.microsoft.com/office/drawing/2012/chartStyle" xmlns:a="http://schemas.openxmlformats.org/drawingml/2006/main" id="258">
-  <cs:axisTitle>
-    <cs:lnRef idx="0"/>
-    <cs:fillRef idx="0"/>
-    <cs:effectRef idx="0"/>
-    <cs:fontRef idx="minor">
-      <a:schemeClr val="tx1">
-        <a:lumMod val="65000"/>
-        <a:lumOff val="35000"/>
-      </a:schemeClr>
-    </cs:fontRef>
-    <cs:defRPr sz="1197" kern="1200"/>
-  </cs:axisTitle>
-  <cs:categoryAxis>
-    <cs:lnRef idx="0"/>
-    <cs:fillRef idx="0"/>
-    <cs:effectRef idx="0"/>
-    <cs:fontRef idx="minor">
-      <a:schemeClr val="tx1">
-        <a:lumMod val="65000"/>
-        <a:lumOff val="35000"/>
-      </a:schemeClr>
-    </cs:fontRef>
-    <cs:defRPr sz="1197" kern="1200"/>
-  </cs:categoryAxis>
-  <cs:chartArea mods="allowNoFillOverride allowNoLineOverride">
-    <cs:lnRef idx="0"/>
-    <cs:fillRef idx="0"/>
-    <cs:effectRef idx="0"/>
-    <cs:fontRef idx="minor">
-      <a:schemeClr val="tx1"/>
-    </cs:fontRef>
-    <cs:spPr>
-      <a:solidFill>
-        <a:schemeClr val="bg1"/>
-      </a:solidFill>
-      <a:ln w="9525" cap="flat" cmpd="sng" algn="ctr">
-        <a:solidFill>
-          <a:schemeClr val="tx1">
-            <a:lumMod val="15000"/>
-            <a:lumOff val="85000"/>
-          </a:schemeClr>
-        </a:solidFill>
-        <a:round/>
-      </a:ln>
-    </cs:spPr>
-    <cs:defRPr sz="1197" kern="1200"/>
-  </cs:chartArea>
-  <cs:dataLabel>
-    <cs:lnRef idx="0"/>
-    <cs:fillRef idx="0"/>
-    <cs:effectRef idx="0"/>
-    <cs:fontRef idx="minor">
-      <a:schemeClr val="lt1"/>
-    </cs:fontRef>
-    <cs:defRPr sz="1197" b="1" kern="1200"/>
-  </cs:dataLabel>
-  <cs:dataLabelCallout>
-    <cs:lnRef idx="0"/>
-    <cs:fillRef idx="0"/>
-    <cs:effectRef idx="0"/>
-    <cs:fontRef idx="minor">
-      <a:schemeClr val="dk1">
-        <a:lumMod val="65000"/>
-        <a:lumOff val="35000"/>
-      </a:schemeClr>
-    </cs:fontRef>
-    <cs:spPr>
-      <a:solidFill>
-        <a:schemeClr val="lt1"/>
-      </a:solidFill>
-      <a:ln>
-        <a:solidFill>
-          <a:schemeClr val="dk1">
-            <a:lumMod val="25000"/>
-            <a:lumOff val="75000"/>
-          </a:schemeClr>
-        </a:solidFill>
-      </a:ln>
-    </cs:spPr>
-    <cs:defRPr sz="1197" kern="1200"/>
-    <cs:bodyPr rot="0" spcFirstLastPara="1" vertOverflow="clip" horzOverflow="clip" vert="horz" wrap="square" lIns="36576" tIns="18288" rIns="36576" bIns="18288" anchor="ctr" anchorCtr="1">
-      <a:spAutoFit/>
-    </cs:bodyPr>
-  </cs:dataLabelCallout>
-  <cs:dataPoint>
-    <cs:lnRef idx="0"/>
-    <cs:fillRef idx="0">
-      <cs:styleClr val="auto"/>
-    </cs:fillRef>
-    <cs:effectRef idx="0"/>
-    <cs:fontRef idx="minor">
-      <a:schemeClr val="tx1"/>
-    </cs:fontRef>
-    <cs:spPr>
-      <a:solidFill>
-        <a:schemeClr val="phClr"/>
-      </a:solidFill>
-      <a:scene3d>
-        <a:camera prst="orthographicFront"/>
-        <a:lightRig rig="brightRoom" dir="t"/>
-      </a:scene3d>
-      <a:sp3d prstMaterial="flat">
-        <a:bevelT w="50800" h="101600" prst="angle"/>
-        <a:contourClr>
-          <a:srgbClr val="000000"/>
-        </a:contourClr>
-      </a:sp3d>
-    </cs:spPr>
-  </cs:dataPoint>
-  <cs:dataPoint3D>
-    <cs:lnRef idx="0"/>
-    <cs:fillRef idx="0">
-      <cs:styleClr val="auto"/>
-    </cs:fillRef>
-    <cs:effectRef idx="0"/>
-    <cs:fontRef idx="minor">
-      <a:schemeClr val="tx1"/>
-    </cs:fontRef>
-    <cs:spPr>
-      <a:solidFill>
-        <a:schemeClr val="phClr"/>
-      </a:solidFill>
-      <a:ln w="19050">
-        <a:solidFill>
-          <a:schemeClr val="lt1"/>
-        </a:solidFill>
-      </a:ln>
-    </cs:spPr>
-  </cs:dataPoint3D>
-  <cs:dataPointLine>
-    <cs:lnRef idx="0">
-      <cs:styleClr val="auto"/>
-    </cs:lnRef>
-    <cs:fillRef idx="0"/>
-    <cs:effectRef idx="0"/>
-    <cs:fontRef idx="minor">
-      <a:schemeClr val="tx1"/>
-    </cs:fontRef>
-    <cs:spPr>
-      <a:ln w="28575" cap="rnd">
-        <a:solidFill>
-          <a:schemeClr val="phClr"/>
-        </a:solidFill>
-        <a:round/>
-      </a:ln>
-    </cs:spPr>
-  </cs:dataPointLine>
-  <cs:dataPointMarker>
-    <cs:lnRef idx="0"/>
-    <cs:fillRef idx="0">
-      <cs:styleClr val="auto"/>
-    </cs:fillRef>
-    <cs:effectRef idx="0"/>
-    <cs:fontRef idx="minor">
-      <a:schemeClr val="tx1"/>
-    </cs:fontRef>
-    <cs:spPr>
-      <a:solidFill>
-        <a:schemeClr val="phClr"/>
-      </a:solidFill>
-      <a:ln w="9525">
-        <a:solidFill>
-          <a:schemeClr val="lt1"/>
-        </a:solidFill>
-      </a:ln>
-    </cs:spPr>
-  </cs:dataPointMarker>
-  <cs:dataPointMarkerLayout symbol="circle" size="6"/>
-  <cs:dataPointWireframe>
-    <cs:lnRef idx="0">
-      <cs:styleClr val="auto"/>
-    </cs:lnRef>
-    <cs:fillRef idx="0"/>
-    <cs:effectRef idx="0"/>
-    <cs:fontRef idx="minor">
-      <a:schemeClr val="tx1"/>
-    </cs:fontRef>
-    <cs:spPr>
-      <a:ln w="9525" cap="rnd">
-        <a:solidFill>
-          <a:schemeClr val="phClr"/>
-        </a:solidFill>
-        <a:round/>
-      </a:ln>
-    </cs:spPr>
-  </cs:dataPointWireframe>
-  <cs:dataTable>
-    <cs:lnRef idx="0"/>
-    <cs:fillRef idx="0"/>
-    <cs:effectRef idx="0"/>
-    <cs:fontRef idx="minor">
-      <a:schemeClr val="tx1">
-        <a:lumMod val="65000"/>
-        <a:lumOff val="35000"/>
-      </a:schemeClr>
-    </cs:fontRef>
-    <cs:spPr>
-      <a:noFill/>
-      <a:ln w="9525" cap="flat" cmpd="sng" algn="ctr">
-        <a:solidFill>
-          <a:schemeClr val="tx1">
-            <a:lumMod val="15000"/>
-            <a:lumOff val="85000"/>
-          </a:schemeClr>
-        </a:solidFill>
-        <a:round/>
-      </a:ln>
-    </cs:spPr>
-    <cs:defRPr sz="1197" kern="1200"/>
-  </cs:dataTable>
-  <cs:downBar>
-    <cs:lnRef idx="0"/>
-    <cs:fillRef idx="0"/>
-    <cs:effectRef idx="0"/>
-    <cs:fontRef idx="minor">
-      <a:schemeClr val="tx1"/>
-    </cs:fontRef>
-    <cs:spPr>
-      <a:solidFill>
-        <a:schemeClr val="dk1">
-          <a:lumMod val="75000"/>
-          <a:lumOff val="25000"/>
-        </a:schemeClr>
-      </a:solidFill>
-      <a:ln w="9525" cap="flat" cmpd="sng" algn="ctr">
-        <a:solidFill>
-          <a:schemeClr val="tx1">
-            <a:lumMod val="65000"/>
-            <a:lumOff val="35000"/>
-          </a:schemeClr>
-        </a:solidFill>
-        <a:round/>
-      </a:ln>
-    </cs:spPr>
-  </cs:downBar>
-  <cs:dropLine>
-    <cs:lnRef idx="0"/>
-    <cs:fillRef idx="0"/>
-    <cs:effectRef idx="0"/>
-    <cs:fontRef idx="minor">
-      <a:schemeClr val="tx1"/>
-    </cs:fontRef>
-    <cs:spPr>
-      <a:ln w="9525" cap="flat" cmpd="sng" algn="ctr">
-        <a:solidFill>
-          <a:schemeClr val="tx1">
-            <a:lumMod val="35000"/>
-            <a:lumOff val="65000"/>
-          </a:schemeClr>
-        </a:solidFill>
-        <a:round/>
-      </a:ln>
-    </cs:spPr>
-  </cs:dropLine>
-  <cs:errorBar>
-    <cs:lnRef idx="0"/>
-    <cs:fillRef idx="0"/>
-    <cs:effectRef idx="0"/>
-    <cs:fontRef idx="minor">
-      <a:schemeClr val="tx1"/>
-    </cs:fontRef>
-    <cs:spPr>
-      <a:ln w="9525" cap="flat" cmpd="sng" algn="ctr">
-        <a:solidFill>
-          <a:schemeClr val="tx1">
-            <a:lumMod val="65000"/>
-            <a:lumOff val="35000"/>
-          </a:schemeClr>
-        </a:solidFill>
-        <a:round/>
-      </a:ln>
-    </cs:spPr>
-  </cs:errorBar>
-  <cs:floor>
-    <cs:lnRef idx="0"/>
-    <cs:fillRef idx="0"/>
-    <cs:effectRef idx="0"/>
-    <cs:fontRef idx="minor">
-      <a:schemeClr val="tx1"/>
-    </cs:fontRef>
-    <cs:spPr>
-      <a:noFill/>
-      <a:ln>
-        <a:noFill/>
-      </a:ln>
-    </cs:spPr>
-  </cs:floor>
-  <cs:gridlineMajor>
-    <cs:lnRef idx="0"/>
-    <cs:fillRef idx="0"/>
-    <cs:effectRef idx="0"/>
-    <cs:fontRef idx="minor">
-      <a:schemeClr val="tx1"/>
-    </cs:fontRef>
-    <cs:spPr>
-      <a:ln w="9525" cap="flat" cmpd="sng" algn="ctr">
-        <a:solidFill>
-          <a:schemeClr val="tx1">
-            <a:lumMod val="15000"/>
-            <a:lumOff val="85000"/>
-          </a:schemeClr>
-        </a:solidFill>
-        <a:round/>
-      </a:ln>
-    </cs:spPr>
-  </cs:gridlineMajor>
-  <cs:gridlineMinor>
-    <cs:lnRef idx="0"/>
-    <cs:fillRef idx="0"/>
-    <cs:effectRef idx="0"/>
-    <cs:fontRef idx="minor">
-      <a:schemeClr val="tx1"/>
-    </cs:fontRef>
-    <cs:spPr>
-      <a:ln w="9525" cap="flat" cmpd="sng" algn="ctr">
-        <a:solidFill>
-          <a:schemeClr val="tx1">
-            <a:lumMod val="5000"/>
-            <a:lumOff val="95000"/>
-          </a:schemeClr>
-        </a:solidFill>
-        <a:round/>
-      </a:ln>
-    </cs:spPr>
-  </cs:gridlineMinor>
-  <cs:hiLoLine>
-    <cs:lnRef idx="0"/>
-    <cs:fillRef idx="0"/>
-    <cs:effectRef idx="0"/>
-    <cs:fontRef idx="minor">
-      <a:schemeClr val="tx1"/>
-    </cs:fontRef>
-    <cs:spPr>
-      <a:ln w="9525" cap="flat" cmpd="sng" algn="ctr">
-        <a:solidFill>
-          <a:schemeClr val="tx1">
-            <a:lumMod val="50000"/>
-            <a:lumOff val="50000"/>
-          </a:schemeClr>
-        </a:solidFill>
-        <a:round/>
-      </a:ln>
-    </cs:spPr>
-  </cs:hiLoLine>
-  <cs:leaderLine>
-    <cs:lnRef idx="0"/>
-    <cs:fillRef idx="0"/>
-    <cs:effectRef idx="0"/>
-    <cs:fontRef idx="minor">
-      <a:schemeClr val="tx1"/>
-    </cs:fontRef>
-    <cs:spPr>
-      <a:ln w="9525" cap="flat" cmpd="sng" algn="ctr">
-        <a:solidFill>
-          <a:schemeClr val="tx1">
-            <a:lumMod val="35000"/>
-            <a:lumOff val="65000"/>
-          </a:schemeClr>
-        </a:solidFill>
-        <a:round/>
-      </a:ln>
-    </cs:spPr>
-  </cs:leaderLine>
-  <cs:legend>
-    <cs:lnRef idx="0"/>
-    <cs:fillRef idx="0"/>
-    <cs:effectRef idx="0"/>
-    <cs:fontRef idx="minor">
-      <a:schemeClr val="tx1">
-        <a:lumMod val="65000"/>
-        <a:lumOff val="35000"/>
-      </a:schemeClr>
-    </cs:fontRef>
-    <cs:defRPr sz="1197" kern="1200"/>
-  </cs:legend>
-  <cs:plotArea mods="allowNoFillOverride allowNoLineOverride">
-    <cs:lnRef idx="0"/>
-    <cs:fillRef idx="0"/>
-    <cs:effectRef idx="0"/>
-    <cs:fontRef idx="minor">
-      <a:schemeClr val="tx1"/>
-    </cs:fontRef>
-  </cs:plotArea>
-  <cs:plotArea3D mods="allowNoFillOverride allowNoLineOverride">
-    <cs:lnRef idx="0"/>
-    <cs:fillRef idx="0"/>
-    <cs:effectRef idx="0"/>
-    <cs:fontRef idx="minor">
-      <a:schemeClr val="tx1"/>
-    </cs:fontRef>
-  </cs:plotArea3D>
-  <cs:seriesAxis>
-    <cs:lnRef idx="0"/>
-    <cs:fillRef idx="0"/>
-    <cs:effectRef idx="0"/>
-    <cs:fontRef idx="minor">
-      <a:schemeClr val="tx1">
-        <a:lumMod val="65000"/>
-        <a:lumOff val="35000"/>
-      </a:schemeClr>
-    </cs:fontRef>
-    <cs:defRPr sz="1197" kern="1200"/>
-  </cs:seriesAxis>
-  <cs:seriesLine>
-    <cs:lnRef idx="0"/>
-    <cs:fillRef idx="0"/>
-    <cs:effectRef idx="0"/>
-    <cs:fontRef idx="minor">
-      <a:schemeClr val="tx1"/>
-    </cs:fontRef>
-    <cs:spPr>
-      <a:ln w="9525" cap="flat" cmpd="sng" algn="ctr">
-        <a:solidFill>
-          <a:schemeClr val="tx1">
-            <a:lumMod val="35000"/>
-            <a:lumOff val="65000"/>
-          </a:schemeClr>
-        </a:solidFill>
-        <a:round/>
-      </a:ln>
-    </cs:spPr>
-  </cs:seriesLine>
-  <cs:title>
-    <cs:lnRef idx="0"/>
-    <cs:fillRef idx="0"/>
-    <cs:effectRef idx="0"/>
-    <cs:fontRef idx="minor">
-      <a:schemeClr val="tx1">
-        <a:lumMod val="65000"/>
-        <a:lumOff val="35000"/>
-      </a:schemeClr>
-    </cs:fontRef>
-    <cs:defRPr sz="1862" b="1" i="0" kern="1200" cap="all" spc="50" baseline="0"/>
-  </cs:title>
-  <cs:trendline>
-    <cs:lnRef idx="0">
-      <cs:styleClr val="auto"/>
-    </cs:lnRef>
-    <cs:fillRef idx="0"/>
-    <cs:effectRef idx="0"/>
-    <cs:fontRef idx="minor">
-      <a:schemeClr val="tx1"/>
-    </cs:fontRef>
-    <cs:spPr>
-      <a:ln w="19050" cap="rnd">
-        <a:solidFill>
-          <a:schemeClr val="phClr"/>
-        </a:solidFill>
-        <a:prstDash val="sysDash"/>
+        <a:prstDash val="sysDot"/>
       </a:ln>
     </cs:spPr>
   </cs:trendline>
@@ -8096,7 +7160,7 @@
           <p:cNvPr id="2" name="Titre 1">
             <a:extLst>
               <a:ext uri="{FF2B5EF4-FFF2-40B4-BE49-F238E27FC236}">
-                <a16:creationId xmlns:a16="http://schemas.microsoft.com/office/drawing/2014/main" id="{55ABA4E4-A23E-40CE-AB8E-679CF4039E89}"/>
+                <a16:creationId xmlns:a16="http://schemas.microsoft.com/office/drawing/2014/main" id="{4DD28A30-3E0D-4489-B8FB-CCA8D3C6ABD1}"/>
               </a:ext>
             </a:extLst>
           </p:cNvPr>
@@ -8113,18 +7177,30 @@
           <a:lstStyle/>
           <a:p>
             <a:r>
+              <a:rPr lang="en-US" dirty="0"/>
+              <a:t>Percentage</a:t>
+            </a:r>
+            <a:r>
               <a:rPr lang="fr-FR" dirty="0"/>
-              <a:t>Objectifs du contrat</a:t>
-            </a:r>
-          </a:p>
-        </p:txBody>
-      </p:sp>
-      <p:sp>
-        <p:nvSpPr>
-          <p:cNvPr id="3" name="Espace réservé du numéro de diapositive 2">
+              <a:t> </a:t>
+            </a:r>
+            <a:r>
+              <a:rPr lang="en-US" dirty="0"/>
+              <a:t>achieved</a:t>
+            </a:r>
+            <a:br>
+              <a:rPr lang="en-US" dirty="0"/>
+            </a:br>
+            <a:endParaRPr lang="fr-FR" dirty="0"/>
+          </a:p>
+        </p:txBody>
+      </p:sp>
+      <p:sp>
+        <p:nvSpPr>
+          <p:cNvPr id="4" name="Espace réservé du numéro de diapositive 3">
             <a:extLst>
               <a:ext uri="{FF2B5EF4-FFF2-40B4-BE49-F238E27FC236}">
-                <a16:creationId xmlns:a16="http://schemas.microsoft.com/office/drawing/2014/main" id="{51FE214F-F842-466E-8126-E3A53BB0FF39}"/>
+                <a16:creationId xmlns:a16="http://schemas.microsoft.com/office/drawing/2014/main" id="{33A594AA-5349-46B5-A38A-CF2397517546}"/>
               </a:ext>
             </a:extLst>
           </p:cNvPr>
@@ -8148,40 +7224,128 @@
           </a:p>
         </p:txBody>
       </p:sp>
+      <p:graphicFrame>
+        <p:nvGraphicFramePr>
+          <p:cNvPr id="7" name="Graphique 6">
+            <a:extLst>
+              <a:ext uri="{FF2B5EF4-FFF2-40B4-BE49-F238E27FC236}">
+                <a16:creationId xmlns:a16="http://schemas.microsoft.com/office/drawing/2014/main" id="{21B19A82-D2FF-4780-B776-0F831D638127}"/>
+              </a:ext>
+            </a:extLst>
+          </p:cNvPr>
+          <p:cNvGraphicFramePr/>
+          <p:nvPr>
+            <p:extLst>
+              <p:ext uri="{D42A27DB-BD31-4B8C-83A1-F6EECF244321}">
+                <p14:modId xmlns:p14="http://schemas.microsoft.com/office/powerpoint/2010/main" val="3234300816"/>
+              </p:ext>
+            </p:extLst>
+          </p:nvPr>
+        </p:nvGraphicFramePr>
+        <p:xfrm>
+          <a:off x="-168712" y="1611696"/>
+          <a:ext cx="6264712" cy="4636704"/>
+        </p:xfrm>
+        <a:graphic>
+          <a:graphicData uri="http://schemas.openxmlformats.org/drawingml/2006/chart">
+            <c:chart xmlns:c="http://schemas.openxmlformats.org/drawingml/2006/chart" xmlns:r="http://schemas.openxmlformats.org/officeDocument/2006/relationships" r:id="rId2"/>
+          </a:graphicData>
+        </a:graphic>
+      </p:graphicFrame>
+      <p:sp>
+        <p:nvSpPr>
+          <p:cNvPr id="8" name="ZoneTexte 7">
+            <a:extLst>
+              <a:ext uri="{FF2B5EF4-FFF2-40B4-BE49-F238E27FC236}">
+                <a16:creationId xmlns:a16="http://schemas.microsoft.com/office/drawing/2014/main" id="{EC0B0C6A-FBE9-41E9-A576-33E0F1D4DE6F}"/>
+              </a:ext>
+            </a:extLst>
+          </p:cNvPr>
+          <p:cNvSpPr txBox="1"/>
+          <p:nvPr/>
+        </p:nvSpPr>
+        <p:spPr>
+          <a:xfrm>
+            <a:off x="6509494" y="4742935"/>
+            <a:ext cx="2582823" cy="369332"/>
+          </a:xfrm>
+          <a:prstGeom prst="rect">
+            <a:avLst/>
+          </a:prstGeom>
+          <a:noFill/>
+        </p:spPr>
+        <p:txBody>
+          <a:bodyPr wrap="none" rtlCol="0">
+            <a:spAutoFit/>
+          </a:bodyPr>
+          <a:lstStyle/>
+          <a:p>
+            <a:r>
+              <a:rPr lang="fr-FR" dirty="0"/>
+              <a:t>Time </a:t>
+            </a:r>
+            <a:r>
+              <a:rPr lang="fr-FR" dirty="0" err="1"/>
+              <a:t>left</a:t>
+            </a:r>
+            <a:r>
+              <a:rPr lang="fr-FR" dirty="0"/>
+              <a:t> to end : ~25h</a:t>
+            </a:r>
+          </a:p>
+        </p:txBody>
+      </p:sp>
       <p:pic>
         <p:nvPicPr>
-          <p:cNvPr id="5" name="Image 4">
+          <p:cNvPr id="6148" name="Picture 4" descr="Image result for horloge flat">
             <a:extLst>
               <a:ext uri="{FF2B5EF4-FFF2-40B4-BE49-F238E27FC236}">
-                <a16:creationId xmlns:a16="http://schemas.microsoft.com/office/drawing/2014/main" id="{3022B827-4F38-4FAC-907A-5458B6EC1770}"/>
+                <a16:creationId xmlns:a16="http://schemas.microsoft.com/office/drawing/2014/main" id="{9D69E2BD-9EBF-45D1-B204-4F50E83C3CEB}"/>
               </a:ext>
             </a:extLst>
           </p:cNvPr>
           <p:cNvPicPr>
-            <a:picLocks noChangeAspect="1"/>
+            <a:picLocks noChangeAspect="1" noChangeArrowheads="1"/>
           </p:cNvPicPr>
           <p:nvPr/>
         </p:nvPicPr>
         <p:blipFill>
-          <a:blip r:embed="rId2"/>
+          <a:blip r:embed="rId3">
+            <a:extLst>
+              <a:ext uri="{28A0092B-C50C-407E-A947-70E740481C1C}">
+                <a14:useLocalDpi xmlns:a14="http://schemas.microsoft.com/office/drawing/2010/main" val="0"/>
+              </a:ext>
+            </a:extLst>
+          </a:blip>
+          <a:srcRect/>
           <a:stretch>
             <a:fillRect/>
           </a:stretch>
         </p:blipFill>
-        <p:spPr>
+        <p:spPr bwMode="auto">
           <a:xfrm>
-            <a:off x="1720800" y="1830352"/>
-            <a:ext cx="7061866" cy="3731688"/>
+            <a:off x="6584848" y="2180152"/>
+            <a:ext cx="2432116" cy="2432116"/>
           </a:xfrm>
           <a:prstGeom prst="rect">
             <a:avLst/>
           </a:prstGeom>
+          <a:noFill/>
+          <a:extLst>
+            <a:ext uri="{909E8E84-426E-40DD-AFC4-6F175D3DCCD1}">
+              <a14:hiddenFill xmlns:a14="http://schemas.microsoft.com/office/drawing/2010/main">
+                <a:solidFill>
+                  <a:srgbClr val="FFFFFF"/>
+                </a:solidFill>
+              </a14:hiddenFill>
+            </a:ext>
+          </a:extLst>
         </p:spPr>
       </p:pic>
     </p:spTree>
     <p:extLst>
       <p:ext uri="{BB962C8B-B14F-4D97-AF65-F5344CB8AC3E}">
-        <p14:creationId xmlns:p14="http://schemas.microsoft.com/office/powerpoint/2010/main" val="2565124829"/>
+        <p14:creationId xmlns:p14="http://schemas.microsoft.com/office/powerpoint/2010/main" val="2313603640"/>
       </p:ext>
     </p:extLst>
   </p:cSld>
@@ -8213,7 +7377,7 @@
           <p:cNvPr id="2" name="Titre 1">
             <a:extLst>
               <a:ext uri="{FF2B5EF4-FFF2-40B4-BE49-F238E27FC236}">
-                <a16:creationId xmlns:a16="http://schemas.microsoft.com/office/drawing/2014/main" id="{25F2600E-30C4-46D0-9C24-630B3C07B8D5}"/>
+                <a16:creationId xmlns:a16="http://schemas.microsoft.com/office/drawing/2014/main" id="{4DD28A30-3E0D-4489-B8FB-CCA8D3C6ABD1}"/>
               </a:ext>
             </a:extLst>
           </p:cNvPr>
@@ -8230,18 +7394,44 @@
           <a:lstStyle/>
           <a:p>
             <a:r>
-              <a:rPr lang="fr-FR" dirty="0"/>
-              <a:t>Pourcentage de finition du projet</a:t>
-            </a:r>
-          </a:p>
-        </p:txBody>
-      </p:sp>
-      <p:sp>
-        <p:nvSpPr>
-          <p:cNvPr id="3" name="Espace réservé du numéro de diapositive 2">
+              <a:rPr lang="en-US" dirty="0"/>
+              <a:t>Charter</a:t>
+            </a:r>
+            <a:endParaRPr lang="fr-FR" dirty="0"/>
+          </a:p>
+        </p:txBody>
+      </p:sp>
+      <p:sp>
+        <p:nvSpPr>
+          <p:cNvPr id="3" name="Espace réservé du contenu 2">
             <a:extLst>
               <a:ext uri="{FF2B5EF4-FFF2-40B4-BE49-F238E27FC236}">
-                <a16:creationId xmlns:a16="http://schemas.microsoft.com/office/drawing/2014/main" id="{CA9F88F7-C426-4060-BD27-B9CB19F7D272}"/>
+                <a16:creationId xmlns:a16="http://schemas.microsoft.com/office/drawing/2014/main" id="{8736C9F6-F8E3-4568-801E-034B8979630B}"/>
+              </a:ext>
+            </a:extLst>
+          </p:cNvPr>
+          <p:cNvSpPr>
+            <a:spLocks noGrp="1"/>
+          </p:cNvSpPr>
+          <p:nvPr>
+            <p:ph idx="1"/>
+          </p:nvPr>
+        </p:nvSpPr>
+        <p:spPr/>
+        <p:txBody>
+          <a:bodyPr/>
+          <a:lstStyle/>
+          <a:p>
+            <a:endParaRPr lang="fr-FR"/>
+          </a:p>
+        </p:txBody>
+      </p:sp>
+      <p:sp>
+        <p:nvSpPr>
+          <p:cNvPr id="4" name="Espace réservé du numéro de diapositive 3">
+            <a:extLst>
+              <a:ext uri="{FF2B5EF4-FFF2-40B4-BE49-F238E27FC236}">
+                <a16:creationId xmlns:a16="http://schemas.microsoft.com/office/drawing/2014/main" id="{33A594AA-5349-46B5-A38A-CF2397517546}"/>
               </a:ext>
             </a:extLst>
           </p:cNvPr>
@@ -8265,38 +7455,10 @@
           </a:p>
         </p:txBody>
       </p:sp>
-      <p:graphicFrame>
-        <p:nvGraphicFramePr>
-          <p:cNvPr id="6" name="Graphique 5">
-            <a:extLst>
-              <a:ext uri="{FF2B5EF4-FFF2-40B4-BE49-F238E27FC236}">
-                <a16:creationId xmlns:a16="http://schemas.microsoft.com/office/drawing/2014/main" id="{E1143DD3-2680-40E8-BDC9-20D00E88B724}"/>
-              </a:ext>
-            </a:extLst>
-          </p:cNvPr>
-          <p:cNvGraphicFramePr/>
-          <p:nvPr>
-            <p:extLst>
-              <p:ext uri="{D42A27DB-BD31-4B8C-83A1-F6EECF244321}">
-                <p14:modId xmlns:p14="http://schemas.microsoft.com/office/powerpoint/2010/main" val="605952674"/>
-              </p:ext>
-            </p:extLst>
-          </p:nvPr>
-        </p:nvGraphicFramePr>
-        <p:xfrm>
-          <a:off x="1781118" y="1555208"/>
-          <a:ext cx="6809545" cy="4752665"/>
-        </p:xfrm>
-        <a:graphic>
-          <a:graphicData uri="http://schemas.openxmlformats.org/drawingml/2006/chart">
-            <c:chart xmlns:c="http://schemas.openxmlformats.org/drawingml/2006/chart" xmlns:r="http://schemas.openxmlformats.org/officeDocument/2006/relationships" r:id="rId2"/>
-          </a:graphicData>
-        </a:graphic>
-      </p:graphicFrame>
     </p:spTree>
     <p:extLst>
       <p:ext uri="{BB962C8B-B14F-4D97-AF65-F5344CB8AC3E}">
-        <p14:creationId xmlns:p14="http://schemas.microsoft.com/office/powerpoint/2010/main" val="3399002860"/>
+        <p14:creationId xmlns:p14="http://schemas.microsoft.com/office/powerpoint/2010/main" val="2056800444"/>
       </p:ext>
     </p:extLst>
   </p:cSld>
@@ -8328,7 +7490,7 @@
           <p:cNvPr id="2" name="Titre 1">
             <a:extLst>
               <a:ext uri="{FF2B5EF4-FFF2-40B4-BE49-F238E27FC236}">
-                <a16:creationId xmlns:a16="http://schemas.microsoft.com/office/drawing/2014/main" id="{72DD3856-8D04-4DCC-B3E0-EB1DD236F06F}"/>
+                <a16:creationId xmlns:a16="http://schemas.microsoft.com/office/drawing/2014/main" id="{4DD28A30-3E0D-4489-B8FB-CCA8D3C6ABD1}"/>
               </a:ext>
             </a:extLst>
           </p:cNvPr>
@@ -8345,18 +7507,44 @@
           <a:lstStyle/>
           <a:p>
             <a:r>
-              <a:rPr lang="fr-FR" dirty="0"/>
-              <a:t>Depuis aujourd’hui</a:t>
-            </a:r>
-          </a:p>
-        </p:txBody>
-      </p:sp>
-      <p:sp>
-        <p:nvSpPr>
-          <p:cNvPr id="3" name="Espace réservé du numéro de diapositive 2">
+              <a:rPr lang="en-US" dirty="0"/>
+              <a:t>Conclusion</a:t>
+            </a:r>
+            <a:endParaRPr lang="fr-FR" dirty="0"/>
+          </a:p>
+        </p:txBody>
+      </p:sp>
+      <p:sp>
+        <p:nvSpPr>
+          <p:cNvPr id="3" name="Espace réservé du contenu 2">
             <a:extLst>
               <a:ext uri="{FF2B5EF4-FFF2-40B4-BE49-F238E27FC236}">
-                <a16:creationId xmlns:a16="http://schemas.microsoft.com/office/drawing/2014/main" id="{8645C189-0256-4A3B-B875-305E26CE6E12}"/>
+                <a16:creationId xmlns:a16="http://schemas.microsoft.com/office/drawing/2014/main" id="{8736C9F6-F8E3-4568-801E-034B8979630B}"/>
+              </a:ext>
+            </a:extLst>
+          </p:cNvPr>
+          <p:cNvSpPr>
+            <a:spLocks noGrp="1"/>
+          </p:cNvSpPr>
+          <p:nvPr>
+            <p:ph idx="1"/>
+          </p:nvPr>
+        </p:nvSpPr>
+        <p:spPr/>
+        <p:txBody>
+          <a:bodyPr/>
+          <a:lstStyle/>
+          <a:p>
+            <a:endParaRPr lang="fr-FR"/>
+          </a:p>
+        </p:txBody>
+      </p:sp>
+      <p:sp>
+        <p:nvSpPr>
+          <p:cNvPr id="4" name="Espace réservé du numéro de diapositive 3">
+            <a:extLst>
+              <a:ext uri="{FF2B5EF4-FFF2-40B4-BE49-F238E27FC236}">
+                <a16:creationId xmlns:a16="http://schemas.microsoft.com/office/drawing/2014/main" id="{33A594AA-5349-46B5-A38A-CF2397517546}"/>
               </a:ext>
             </a:extLst>
           </p:cNvPr>
@@ -8380,40 +7568,10 @@
           </a:p>
         </p:txBody>
       </p:sp>
-      <p:pic>
-        <p:nvPicPr>
-          <p:cNvPr id="4" name="Image 3">
-            <a:extLst>
-              <a:ext uri="{FF2B5EF4-FFF2-40B4-BE49-F238E27FC236}">
-                <a16:creationId xmlns:a16="http://schemas.microsoft.com/office/drawing/2014/main" id="{D76C418F-7481-4E51-B467-164DBF607E04}"/>
-              </a:ext>
-            </a:extLst>
-          </p:cNvPr>
-          <p:cNvPicPr>
-            <a:picLocks noChangeAspect="1"/>
-          </p:cNvPicPr>
-          <p:nvPr/>
-        </p:nvPicPr>
-        <p:blipFill>
-          <a:blip r:embed="rId2"/>
-          <a:stretch>
-            <a:fillRect/>
-          </a:stretch>
-        </p:blipFill>
-        <p:spPr>
-          <a:xfrm>
-            <a:off x="1936727" y="1930400"/>
-            <a:ext cx="7166695" cy="4015109"/>
-          </a:xfrm>
-          <a:prstGeom prst="rect">
-            <a:avLst/>
-          </a:prstGeom>
-        </p:spPr>
-      </p:pic>
     </p:spTree>
     <p:extLst>
       <p:ext uri="{BB962C8B-B14F-4D97-AF65-F5344CB8AC3E}">
-        <p14:creationId xmlns:p14="http://schemas.microsoft.com/office/powerpoint/2010/main" val="3652758387"/>
+        <p14:creationId xmlns:p14="http://schemas.microsoft.com/office/powerpoint/2010/main" val="2465826358"/>
       </p:ext>
     </p:extLst>
   </p:cSld>
@@ -8442,559 +7600,6 @@
       </p:grpSpPr>
       <p:sp>
         <p:nvSpPr>
-          <p:cNvPr id="2" name="Titre 1">
-            <a:extLst>
-              <a:ext uri="{FF2B5EF4-FFF2-40B4-BE49-F238E27FC236}">
-                <a16:creationId xmlns:a16="http://schemas.microsoft.com/office/drawing/2014/main" id="{25F2600E-30C4-46D0-9C24-630B3C07B8D5}"/>
-              </a:ext>
-            </a:extLst>
-          </p:cNvPr>
-          <p:cNvSpPr>
-            <a:spLocks noGrp="1"/>
-          </p:cNvSpPr>
-          <p:nvPr>
-            <p:ph type="title"/>
-          </p:nvPr>
-        </p:nvSpPr>
-        <p:spPr/>
-        <p:txBody>
-          <a:bodyPr/>
-          <a:lstStyle/>
-          <a:p>
-            <a:r>
-              <a:rPr lang="fr-FR" dirty="0"/>
-              <a:t>Pourcentage de finition du projet actuel</a:t>
-            </a:r>
-          </a:p>
-        </p:txBody>
-      </p:sp>
-      <p:sp>
-        <p:nvSpPr>
-          <p:cNvPr id="3" name="Espace réservé du numéro de diapositive 2">
-            <a:extLst>
-              <a:ext uri="{FF2B5EF4-FFF2-40B4-BE49-F238E27FC236}">
-                <a16:creationId xmlns:a16="http://schemas.microsoft.com/office/drawing/2014/main" id="{CA9F88F7-C426-4060-BD27-B9CB19F7D272}"/>
-              </a:ext>
-            </a:extLst>
-          </p:cNvPr>
-          <p:cNvSpPr>
-            <a:spLocks noGrp="1"/>
-          </p:cNvSpPr>
-          <p:nvPr>
-            <p:ph type="sldNum" sz="quarter" idx="12"/>
-          </p:nvPr>
-        </p:nvSpPr>
-        <p:spPr/>
-        <p:txBody>
-          <a:bodyPr/>
-          <a:lstStyle/>
-          <a:p>
-            <a:fld id="{20349530-0765-43BE-AE06-F37D29958822}" type="slidenum">
-              <a:rPr lang="fr-FR" smtClean="0"/>
-              <a:t>13</a:t>
-            </a:fld>
-            <a:endParaRPr lang="fr-FR"/>
-          </a:p>
-        </p:txBody>
-      </p:sp>
-      <p:graphicFrame>
-        <p:nvGraphicFramePr>
-          <p:cNvPr id="6" name="Graphique 5">
-            <a:extLst>
-              <a:ext uri="{FF2B5EF4-FFF2-40B4-BE49-F238E27FC236}">
-                <a16:creationId xmlns:a16="http://schemas.microsoft.com/office/drawing/2014/main" id="{E1143DD3-2680-40E8-BDC9-20D00E88B724}"/>
-              </a:ext>
-            </a:extLst>
-          </p:cNvPr>
-          <p:cNvGraphicFramePr/>
-          <p:nvPr>
-            <p:extLst>
-              <p:ext uri="{D42A27DB-BD31-4B8C-83A1-F6EECF244321}">
-                <p14:modId xmlns:p14="http://schemas.microsoft.com/office/powerpoint/2010/main" val="2437356080"/>
-              </p:ext>
-            </p:extLst>
-          </p:nvPr>
-        </p:nvGraphicFramePr>
-        <p:xfrm>
-          <a:off x="-555913" y="1635180"/>
-          <a:ext cx="6798189" cy="4771307"/>
-        </p:xfrm>
-        <a:graphic>
-          <a:graphicData uri="http://schemas.openxmlformats.org/drawingml/2006/chart">
-            <c:chart xmlns:c="http://schemas.openxmlformats.org/drawingml/2006/chart" xmlns:r="http://schemas.openxmlformats.org/officeDocument/2006/relationships" r:id="rId2"/>
-          </a:graphicData>
-        </a:graphic>
-      </p:graphicFrame>
-      <p:pic>
-        <p:nvPicPr>
-          <p:cNvPr id="8" name="Image 7">
-            <a:extLst>
-              <a:ext uri="{FF2B5EF4-FFF2-40B4-BE49-F238E27FC236}">
-                <a16:creationId xmlns:a16="http://schemas.microsoft.com/office/drawing/2014/main" id="{E3F4CB2A-DF71-49C5-AD6A-E3B6D3B317DE}"/>
-              </a:ext>
-            </a:extLst>
-          </p:cNvPr>
-          <p:cNvPicPr>
-            <a:picLocks noChangeAspect="1"/>
-          </p:cNvPicPr>
-          <p:nvPr/>
-        </p:nvPicPr>
-        <p:blipFill>
-          <a:blip r:embed="rId3">
-            <a:extLst>
-              <a:ext uri="{28A0092B-C50C-407E-A947-70E740481C1C}">
-                <a14:useLocalDpi xmlns:a14="http://schemas.microsoft.com/office/drawing/2010/main" val="0"/>
-              </a:ext>
-            </a:extLst>
-          </a:blip>
-          <a:stretch>
-            <a:fillRect/>
-          </a:stretch>
-        </p:blipFill>
-        <p:spPr>
-          <a:xfrm>
-            <a:off x="5884378" y="3123499"/>
-            <a:ext cx="1478408" cy="1973751"/>
-          </a:xfrm>
-          <a:prstGeom prst="rect">
-            <a:avLst/>
-          </a:prstGeom>
-        </p:spPr>
-      </p:pic>
-      <p:sp>
-        <p:nvSpPr>
-          <p:cNvPr id="9" name="ZoneTexte 8">
-            <a:extLst>
-              <a:ext uri="{FF2B5EF4-FFF2-40B4-BE49-F238E27FC236}">
-                <a16:creationId xmlns:a16="http://schemas.microsoft.com/office/drawing/2014/main" id="{1E462474-8E7F-45DF-B8E7-C2DF94CD1312}"/>
-              </a:ext>
-            </a:extLst>
-          </p:cNvPr>
-          <p:cNvSpPr txBox="1"/>
-          <p:nvPr/>
-        </p:nvSpPr>
-        <p:spPr>
-          <a:xfrm>
-            <a:off x="7431463" y="3694875"/>
-            <a:ext cx="2489784" cy="830997"/>
-          </a:xfrm>
-          <a:prstGeom prst="rect">
-            <a:avLst/>
-          </a:prstGeom>
-          <a:noFill/>
-        </p:spPr>
-        <p:txBody>
-          <a:bodyPr wrap="none" rtlCol="0">
-            <a:spAutoFit/>
-          </a:bodyPr>
-          <a:lstStyle/>
-          <a:p>
-            <a:r>
-              <a:rPr lang="fr-FR" sz="4800" dirty="0"/>
-              <a:t>+ 1920 €</a:t>
-            </a:r>
-          </a:p>
-        </p:txBody>
-      </p:sp>
-    </p:spTree>
-    <p:extLst>
-      <p:ext uri="{BB962C8B-B14F-4D97-AF65-F5344CB8AC3E}">
-        <p14:creationId xmlns:p14="http://schemas.microsoft.com/office/powerpoint/2010/main" val="517156774"/>
-      </p:ext>
-    </p:extLst>
-  </p:cSld>
-  <p:clrMapOvr>
-    <a:masterClrMapping/>
-  </p:clrMapOvr>
-</p:sld>
-</file>
-
-<file path=ppt/slides/slide14.xml><?xml version="1.0" encoding="utf-8"?>
-<p:sld xmlns:a="http://schemas.openxmlformats.org/drawingml/2006/main" xmlns:r="http://schemas.openxmlformats.org/officeDocument/2006/relationships" xmlns:p="http://schemas.openxmlformats.org/presentationml/2006/main">
-  <p:cSld>
-    <p:spTree>
-      <p:nvGrpSpPr>
-        <p:cNvPr id="1" name=""/>
-        <p:cNvGrpSpPr/>
-        <p:nvPr/>
-      </p:nvGrpSpPr>
-      <p:grpSpPr>
-        <a:xfrm>
-          <a:off x="0" y="0"/>
-          <a:ext cx="0" cy="0"/>
-          <a:chOff x="0" y="0"/>
-          <a:chExt cx="0" cy="0"/>
-        </a:xfrm>
-      </p:grpSpPr>
-      <p:sp>
-        <p:nvSpPr>
-          <p:cNvPr id="2" name="Titre 1">
-            <a:extLst>
-              <a:ext uri="{FF2B5EF4-FFF2-40B4-BE49-F238E27FC236}">
-                <a16:creationId xmlns:a16="http://schemas.microsoft.com/office/drawing/2014/main" id="{DAA5C8D0-FF85-48E5-81D2-CDAAB4B994D9}"/>
-              </a:ext>
-            </a:extLst>
-          </p:cNvPr>
-          <p:cNvSpPr>
-            <a:spLocks noGrp="1"/>
-          </p:cNvSpPr>
-          <p:nvPr>
-            <p:ph type="title"/>
-          </p:nvPr>
-        </p:nvSpPr>
-        <p:spPr/>
-        <p:txBody>
-          <a:bodyPr/>
-          <a:lstStyle/>
-          <a:p>
-            <a:r>
-              <a:rPr lang="fr-FR" dirty="0"/>
-              <a:t>Bilan Personnel</a:t>
-            </a:r>
-          </a:p>
-        </p:txBody>
-      </p:sp>
-      <p:sp>
-        <p:nvSpPr>
-          <p:cNvPr id="4" name="Espace réservé du contenu 3">
-            <a:extLst>
-              <a:ext uri="{FF2B5EF4-FFF2-40B4-BE49-F238E27FC236}">
-                <a16:creationId xmlns:a16="http://schemas.microsoft.com/office/drawing/2014/main" id="{CDD1A4C0-9ED1-400C-83A2-E1A6B64D4515}"/>
-              </a:ext>
-            </a:extLst>
-          </p:cNvPr>
-          <p:cNvSpPr>
-            <a:spLocks noGrp="1"/>
-          </p:cNvSpPr>
-          <p:nvPr>
-            <p:ph idx="1"/>
-          </p:nvPr>
-        </p:nvSpPr>
-        <p:spPr>
-          <a:xfrm>
-            <a:off x="1725377" y="1270000"/>
-            <a:ext cx="8596668" cy="3880773"/>
-          </a:xfrm>
-        </p:spPr>
-        <p:txBody>
-          <a:bodyPr anchor="ctr"/>
-          <a:lstStyle/>
-          <a:p>
-            <a:r>
-              <a:rPr lang="fr-FR" dirty="0"/>
-              <a:t>Jean</a:t>
-            </a:r>
-          </a:p>
-          <a:p>
-            <a:r>
-              <a:rPr lang="fr-FR" dirty="0"/>
-              <a:t>Antoine</a:t>
-            </a:r>
-          </a:p>
-          <a:p>
-            <a:r>
-              <a:rPr lang="fr-FR" dirty="0"/>
-              <a:t>Florian</a:t>
-            </a:r>
-          </a:p>
-          <a:p>
-            <a:r>
-              <a:rPr lang="fr-FR" dirty="0"/>
-              <a:t>Maxime</a:t>
-            </a:r>
-          </a:p>
-        </p:txBody>
-      </p:sp>
-      <p:sp>
-        <p:nvSpPr>
-          <p:cNvPr id="3" name="Espace réservé du numéro de diapositive 2">
-            <a:extLst>
-              <a:ext uri="{FF2B5EF4-FFF2-40B4-BE49-F238E27FC236}">
-                <a16:creationId xmlns:a16="http://schemas.microsoft.com/office/drawing/2014/main" id="{661F1311-C8A5-42D1-8FA8-A645D2D5AC3E}"/>
-              </a:ext>
-            </a:extLst>
-          </p:cNvPr>
-          <p:cNvSpPr>
-            <a:spLocks noGrp="1"/>
-          </p:cNvSpPr>
-          <p:nvPr>
-            <p:ph type="sldNum" sz="quarter" idx="12"/>
-          </p:nvPr>
-        </p:nvSpPr>
-        <p:spPr/>
-        <p:txBody>
-          <a:bodyPr/>
-          <a:lstStyle/>
-          <a:p>
-            <a:fld id="{20349530-0765-43BE-AE06-F37D29958822}" type="slidenum">
-              <a:rPr lang="fr-FR" smtClean="0"/>
-              <a:t>14</a:t>
-            </a:fld>
-            <a:endParaRPr lang="fr-FR"/>
-          </a:p>
-        </p:txBody>
-      </p:sp>
-    </p:spTree>
-    <p:extLst>
-      <p:ext uri="{BB962C8B-B14F-4D97-AF65-F5344CB8AC3E}">
-        <p14:creationId xmlns:p14="http://schemas.microsoft.com/office/powerpoint/2010/main" val="1947963490"/>
-      </p:ext>
-    </p:extLst>
-  </p:cSld>
-  <p:clrMapOvr>
-    <a:masterClrMapping/>
-  </p:clrMapOvr>
-  <p:timing>
-    <p:tnLst>
-      <p:par>
-        <p:cTn id="1" dur="indefinite" restart="never" nodeType="tmRoot">
-          <p:childTnLst>
-            <p:seq concurrent="1" nextAc="seek">
-              <p:cTn id="2" dur="indefinite" nodeType="mainSeq">
-                <p:childTnLst>
-                  <p:par>
-                    <p:cTn id="3" fill="hold">
-                      <p:stCondLst>
-                        <p:cond delay="indefinite"/>
-                      </p:stCondLst>
-                      <p:childTnLst>
-                        <p:par>
-                          <p:cTn id="4" fill="hold">
-                            <p:stCondLst>
-                              <p:cond delay="0"/>
-                            </p:stCondLst>
-                            <p:childTnLst>
-                              <p:par>
-                                <p:cTn id="5" presetID="1" presetClass="entr" presetSubtype="0" fill="hold" grpId="0" nodeType="clickEffect">
-                                  <p:stCondLst>
-                                    <p:cond delay="0"/>
-                                  </p:stCondLst>
-                                  <p:childTnLst>
-                                    <p:set>
-                                      <p:cBhvr>
-                                        <p:cTn id="6" dur="1" fill="hold">
-                                          <p:stCondLst>
-                                            <p:cond delay="0"/>
-                                          </p:stCondLst>
-                                        </p:cTn>
-                                        <p:tgtEl>
-                                          <p:spTgt spid="4">
-                                            <p:txEl>
-                                              <p:pRg st="0" end="0"/>
-                                            </p:txEl>
-                                          </p:spTgt>
-                                        </p:tgtEl>
-                                        <p:attrNameLst>
-                                          <p:attrName>style.visibility</p:attrName>
-                                        </p:attrNameLst>
-                                      </p:cBhvr>
-                                      <p:to>
-                                        <p:strVal val="visible"/>
-                                      </p:to>
-                                    </p:set>
-                                  </p:childTnLst>
-                                </p:cTn>
-                              </p:par>
-                            </p:childTnLst>
-                          </p:cTn>
-                        </p:par>
-                      </p:childTnLst>
-                    </p:cTn>
-                  </p:par>
-                  <p:par>
-                    <p:cTn id="7" fill="hold">
-                      <p:stCondLst>
-                        <p:cond delay="indefinite"/>
-                      </p:stCondLst>
-                      <p:childTnLst>
-                        <p:par>
-                          <p:cTn id="8" fill="hold">
-                            <p:stCondLst>
-                              <p:cond delay="0"/>
-                            </p:stCondLst>
-                            <p:childTnLst>
-                              <p:par>
-                                <p:cTn id="9" presetID="1" presetClass="entr" presetSubtype="0" fill="hold" grpId="0" nodeType="clickEffect">
-                                  <p:stCondLst>
-                                    <p:cond delay="0"/>
-                                  </p:stCondLst>
-                                  <p:childTnLst>
-                                    <p:set>
-                                      <p:cBhvr>
-                                        <p:cTn id="10" dur="1" fill="hold">
-                                          <p:stCondLst>
-                                            <p:cond delay="0"/>
-                                          </p:stCondLst>
-                                        </p:cTn>
-                                        <p:tgtEl>
-                                          <p:spTgt spid="4">
-                                            <p:txEl>
-                                              <p:pRg st="1" end="1"/>
-                                            </p:txEl>
-                                          </p:spTgt>
-                                        </p:tgtEl>
-                                        <p:attrNameLst>
-                                          <p:attrName>style.visibility</p:attrName>
-                                        </p:attrNameLst>
-                                      </p:cBhvr>
-                                      <p:to>
-                                        <p:strVal val="visible"/>
-                                      </p:to>
-                                    </p:set>
-                                  </p:childTnLst>
-                                </p:cTn>
-                              </p:par>
-                            </p:childTnLst>
-                          </p:cTn>
-                        </p:par>
-                      </p:childTnLst>
-                    </p:cTn>
-                  </p:par>
-                  <p:par>
-                    <p:cTn id="11" fill="hold">
-                      <p:stCondLst>
-                        <p:cond delay="indefinite"/>
-                      </p:stCondLst>
-                      <p:childTnLst>
-                        <p:par>
-                          <p:cTn id="12" fill="hold">
-                            <p:stCondLst>
-                              <p:cond delay="0"/>
-                            </p:stCondLst>
-                            <p:childTnLst>
-                              <p:par>
-                                <p:cTn id="13" presetID="1" presetClass="entr" presetSubtype="0" fill="hold" grpId="0" nodeType="clickEffect">
-                                  <p:stCondLst>
-                                    <p:cond delay="0"/>
-                                  </p:stCondLst>
-                                  <p:childTnLst>
-                                    <p:set>
-                                      <p:cBhvr>
-                                        <p:cTn id="14" dur="1" fill="hold">
-                                          <p:stCondLst>
-                                            <p:cond delay="0"/>
-                                          </p:stCondLst>
-                                        </p:cTn>
-                                        <p:tgtEl>
-                                          <p:spTgt spid="4">
-                                            <p:txEl>
-                                              <p:pRg st="2" end="2"/>
-                                            </p:txEl>
-                                          </p:spTgt>
-                                        </p:tgtEl>
-                                        <p:attrNameLst>
-                                          <p:attrName>style.visibility</p:attrName>
-                                        </p:attrNameLst>
-                                      </p:cBhvr>
-                                      <p:to>
-                                        <p:strVal val="visible"/>
-                                      </p:to>
-                                    </p:set>
-                                  </p:childTnLst>
-                                </p:cTn>
-                              </p:par>
-                            </p:childTnLst>
-                          </p:cTn>
-                        </p:par>
-                      </p:childTnLst>
-                    </p:cTn>
-                  </p:par>
-                  <p:par>
-                    <p:cTn id="15" fill="hold">
-                      <p:stCondLst>
-                        <p:cond delay="indefinite"/>
-                      </p:stCondLst>
-                      <p:childTnLst>
-                        <p:par>
-                          <p:cTn id="16" fill="hold">
-                            <p:stCondLst>
-                              <p:cond delay="0"/>
-                            </p:stCondLst>
-                            <p:childTnLst>
-                              <p:par>
-                                <p:cTn id="17" presetID="1" presetClass="entr" presetSubtype="0" fill="hold" grpId="0" nodeType="clickEffect">
-                                  <p:stCondLst>
-                                    <p:cond delay="0"/>
-                                  </p:stCondLst>
-                                  <p:childTnLst>
-                                    <p:set>
-                                      <p:cBhvr>
-                                        <p:cTn id="18" dur="1" fill="hold">
-                                          <p:stCondLst>
-                                            <p:cond delay="0"/>
-                                          </p:stCondLst>
-                                        </p:cTn>
-                                        <p:tgtEl>
-                                          <p:spTgt spid="4">
-                                            <p:txEl>
-                                              <p:pRg st="3" end="3"/>
-                                            </p:txEl>
-                                          </p:spTgt>
-                                        </p:tgtEl>
-                                        <p:attrNameLst>
-                                          <p:attrName>style.visibility</p:attrName>
-                                        </p:attrNameLst>
-                                      </p:cBhvr>
-                                      <p:to>
-                                        <p:strVal val="visible"/>
-                                      </p:to>
-                                    </p:set>
-                                  </p:childTnLst>
-                                </p:cTn>
-                              </p:par>
-                            </p:childTnLst>
-                          </p:cTn>
-                        </p:par>
-                      </p:childTnLst>
-                    </p:cTn>
-                  </p:par>
-                </p:childTnLst>
-              </p:cTn>
-              <p:prevCondLst>
-                <p:cond evt="onPrev" delay="0">
-                  <p:tgtEl>
-                    <p:sldTgt/>
-                  </p:tgtEl>
-                </p:cond>
-              </p:prevCondLst>
-              <p:nextCondLst>
-                <p:cond evt="onNext" delay="0">
-                  <p:tgtEl>
-                    <p:sldTgt/>
-                  </p:tgtEl>
-                </p:cond>
-              </p:nextCondLst>
-            </p:seq>
-          </p:childTnLst>
-        </p:cTn>
-      </p:par>
-    </p:tnLst>
-    <p:bldLst>
-      <p:bldP spid="4" grpId="0" build="p"/>
-    </p:bldLst>
-  </p:timing>
-</p:sld>
-</file>
-
-<file path=ppt/slides/slide15.xml><?xml version="1.0" encoding="utf-8"?>
-<p:sld xmlns:a="http://schemas.openxmlformats.org/drawingml/2006/main" xmlns:r="http://schemas.openxmlformats.org/officeDocument/2006/relationships" xmlns:p="http://schemas.openxmlformats.org/presentationml/2006/main">
-  <p:cSld>
-    <p:spTree>
-      <p:nvGrpSpPr>
-        <p:cNvPr id="1" name=""/>
-        <p:cNvGrpSpPr/>
-        <p:nvPr/>
-      </p:nvGrpSpPr>
-      <p:grpSpPr>
-        <a:xfrm>
-          <a:off x="0" y="0"/>
-          <a:ext cx="0" cy="0"/>
-          <a:chOff x="0" y="0"/>
-          <a:chExt cx="0" cy="0"/>
-        </a:xfrm>
-      </p:grpSpPr>
-      <p:sp>
-        <p:nvSpPr>
           <p:cNvPr id="5" name="Titre 4">
             <a:extLst>
               <a:ext uri="{FF2B5EF4-FFF2-40B4-BE49-F238E27FC236}">
@@ -9011,7 +7616,7 @@
         </p:nvSpPr>
         <p:spPr>
           <a:xfrm>
-            <a:off x="301840" y="1710268"/>
+            <a:off x="-1443070" y="1492154"/>
             <a:ext cx="9215021" cy="1646302"/>
           </a:xfrm>
         </p:spPr>
@@ -9020,8 +7625,8 @@
           <a:lstStyle/>
           <a:p>
             <a:r>
-              <a:rPr lang="fr-FR" dirty="0"/>
-              <a:t>Merci de nous avoir écouté</a:t>
+              <a:rPr lang="en-US" dirty="0"/>
+              <a:t>Thanks you</a:t>
             </a:r>
           </a:p>
         </p:txBody>
@@ -9042,12 +7647,20 @@
             <p:ph type="subTitle" idx="1"/>
           </p:nvPr>
         </p:nvSpPr>
-        <p:spPr/>
+        <p:spPr>
+          <a:xfrm>
+            <a:off x="-137175" y="3383952"/>
+            <a:ext cx="7766936" cy="1096899"/>
+          </a:xfrm>
+        </p:spPr>
         <p:txBody>
           <a:bodyPr/>
           <a:lstStyle/>
           <a:p>
-            <a:endParaRPr lang="fr-FR" dirty="0"/>
+            <a:r>
+              <a:rPr lang="fr-FR" dirty="0"/>
+              <a:t>DO YOU HAVE QUESTIONS ?</a:t>
+            </a:r>
           </a:p>
         </p:txBody>
       </p:sp>
@@ -9074,7 +7687,7 @@
           <a:p>
             <a:fld id="{20349530-0765-43BE-AE06-F37D29958822}" type="slidenum">
               <a:rPr lang="fr-FR" smtClean="0"/>
-              <a:t>15</a:t>
+              <a:t>13</a:t>
             </a:fld>
             <a:endParaRPr lang="fr-FR"/>
           </a:p>
@@ -9162,15 +7775,20 @@
         </p:spPr>
         <p:txBody>
           <a:bodyPr anchor="ctr">
-            <a:normAutofit lnSpcReduction="10000"/>
+            <a:normAutofit fontScale="92500" lnSpcReduction="10000"/>
           </a:bodyPr>
           <a:lstStyle/>
           <a:p>
             <a:r>
-              <a:rPr lang="fr-FR" dirty="0" err="1"/>
+              <a:rPr lang="en-US" dirty="0"/>
               <a:t>Context</a:t>
             </a:r>
-            <a:endParaRPr lang="fr-FR" dirty="0"/>
+          </a:p>
+          <a:p>
+            <a:r>
+              <a:rPr lang="en-US" dirty="0"/>
+              <a:t>Communication</a:t>
+            </a:r>
           </a:p>
           <a:p>
             <a:r>
@@ -9180,62 +7798,60 @@
           </a:p>
           <a:p>
             <a:r>
-              <a:rPr lang="fr-FR" dirty="0" err="1"/>
-              <a:t>Tasks</a:t>
+              <a:rPr lang="en-US" dirty="0"/>
+              <a:t>Tasks management </a:t>
+            </a:r>
+          </a:p>
+          <a:p>
+            <a:r>
+              <a:rPr lang="en-US" dirty="0"/>
+              <a:t>Risks</a:t>
+            </a:r>
+          </a:p>
+          <a:p>
+            <a:pPr lvl="1"/>
+            <a:r>
+              <a:rPr lang="en-US" dirty="0"/>
+              <a:t>Human</a:t>
+            </a:r>
+          </a:p>
+          <a:p>
+            <a:pPr lvl="1"/>
+            <a:r>
+              <a:rPr lang="en-US" dirty="0"/>
+              <a:t>Equipment</a:t>
+            </a:r>
+          </a:p>
+          <a:p>
+            <a:pPr lvl="1"/>
+            <a:r>
+              <a:rPr lang="en-US" dirty="0"/>
+              <a:t>Knowledge</a:t>
+            </a:r>
+          </a:p>
+          <a:p>
+            <a:r>
+              <a:rPr lang="en-US" dirty="0"/>
+              <a:t>Percentage</a:t>
             </a:r>
             <a:r>
               <a:rPr lang="fr-FR" dirty="0"/>
-              <a:t> management </a:t>
-            </a:r>
-          </a:p>
-          <a:p>
-            <a:r>
-              <a:rPr lang="fr-FR" dirty="0"/>
-              <a:t>Risks</a:t>
-            </a:r>
-          </a:p>
-          <a:p>
-            <a:pPr lvl="1"/>
-            <a:r>
-              <a:rPr lang="fr-FR" dirty="0"/>
-              <a:t>Human</a:t>
-            </a:r>
-          </a:p>
-          <a:p>
-            <a:pPr lvl="1"/>
-            <a:r>
-              <a:rPr lang="fr-FR" dirty="0"/>
-              <a:t>Equipement</a:t>
-            </a:r>
-          </a:p>
-          <a:p>
-            <a:pPr lvl="1"/>
-            <a:r>
-              <a:rPr lang="fr-FR" dirty="0" err="1"/>
-              <a:t>Knowledge</a:t>
-            </a:r>
-            <a:endParaRPr lang="en-US" dirty="0"/>
-          </a:p>
-          <a:p>
-            <a:r>
-              <a:rPr lang="fr-FR" dirty="0"/>
-              <a:t>Percentage </a:t>
-            </a:r>
-            <a:r>
-              <a:rPr lang="fr-FR" dirty="0" err="1"/>
+              <a:t> </a:t>
+            </a:r>
+            <a:r>
+              <a:rPr lang="en-US" dirty="0"/>
               <a:t>achieved</a:t>
             </a:r>
-            <a:endParaRPr lang="fr-FR" dirty="0"/>
-          </a:p>
-          <a:p>
-            <a:r>
-              <a:rPr lang="fr-FR" dirty="0"/>
+          </a:p>
+          <a:p>
+            <a:r>
+              <a:rPr lang="en-US" dirty="0"/>
               <a:t>Charter</a:t>
             </a:r>
           </a:p>
           <a:p>
             <a:r>
-              <a:rPr lang="fr-FR" dirty="0"/>
+              <a:rPr lang="en-US" dirty="0"/>
               <a:t>Conclusion</a:t>
             </a:r>
           </a:p>
@@ -9302,10 +7918,10 @@
       </p:grpSpPr>
       <p:sp>
         <p:nvSpPr>
-          <p:cNvPr id="5" name="Titre 4">
+          <p:cNvPr id="2" name="Titre 1">
             <a:extLst>
               <a:ext uri="{FF2B5EF4-FFF2-40B4-BE49-F238E27FC236}">
-                <a16:creationId xmlns:a16="http://schemas.microsoft.com/office/drawing/2014/main" id="{620016A7-7F30-492C-9718-4B5B5924CDA2}"/>
+                <a16:creationId xmlns:a16="http://schemas.microsoft.com/office/drawing/2014/main" id="{F121EAEF-3D39-436C-B748-4B9CD05CCEFA}"/>
               </a:ext>
             </a:extLst>
           </p:cNvPr>
@@ -9323,7 +7939,7 @@
           <a:p>
             <a:r>
               <a:rPr lang="fr-FR" dirty="0"/>
-              <a:t>Contexte</a:t>
+              <a:t>Communication</a:t>
             </a:r>
           </a:p>
         </p:txBody>
@@ -9333,7 +7949,7 @@
           <p:cNvPr id="4" name="Espace réservé du numéro de diapositive 3">
             <a:extLst>
               <a:ext uri="{FF2B5EF4-FFF2-40B4-BE49-F238E27FC236}">
-                <a16:creationId xmlns:a16="http://schemas.microsoft.com/office/drawing/2014/main" id="{0C796EB6-8596-462C-8541-F2029755DF0E}"/>
+                <a16:creationId xmlns:a16="http://schemas.microsoft.com/office/drawing/2014/main" id="{63E11C14-AE88-48A8-B6B2-B600BD9E76DF}"/>
               </a:ext>
             </a:extLst>
           </p:cNvPr>
@@ -9359,15 +7975,15 @@
       </p:sp>
       <p:pic>
         <p:nvPicPr>
-          <p:cNvPr id="7" name="Image 6">
+          <p:cNvPr id="4098" name="Picture 2" descr="Image result for discord">
             <a:extLst>
               <a:ext uri="{FF2B5EF4-FFF2-40B4-BE49-F238E27FC236}">
-                <a16:creationId xmlns:a16="http://schemas.microsoft.com/office/drawing/2014/main" id="{CAB17FDF-385F-4495-8B39-8FDA5DC4761F}"/>
+                <a16:creationId xmlns:a16="http://schemas.microsoft.com/office/drawing/2014/main" id="{BF13B9C7-7F05-4041-ADDE-ED4EB7E530D2}"/>
               </a:ext>
             </a:extLst>
           </p:cNvPr>
           <p:cNvPicPr>
-            <a:picLocks noChangeAspect="1"/>
+            <a:picLocks noChangeAspect="1" noChangeArrowheads="1"/>
           </p:cNvPicPr>
           <p:nvPr/>
         </p:nvPicPr>
@@ -9379,24 +7995,176 @@
               </a:ext>
             </a:extLst>
           </a:blip>
+          <a:srcRect/>
           <a:stretch>
             <a:fillRect/>
           </a:stretch>
         </p:blipFill>
-        <p:spPr>
+        <p:spPr bwMode="auto">
           <a:xfrm>
-            <a:off x="1851536" y="1651820"/>
-            <a:ext cx="7044459" cy="3959840"/>
+            <a:off x="6905024" y="2029715"/>
+            <a:ext cx="1407319" cy="1573247"/>
           </a:xfrm>
           <a:prstGeom prst="rect">
             <a:avLst/>
           </a:prstGeom>
+          <a:noFill/>
+          <a:extLst>
+            <a:ext uri="{909E8E84-426E-40DD-AFC4-6F175D3DCCD1}">
+              <a14:hiddenFill xmlns:a14="http://schemas.microsoft.com/office/drawing/2010/main">
+                <a:solidFill>
+                  <a:srgbClr val="FFFFFF"/>
+                </a:solidFill>
+              </a14:hiddenFill>
+            </a:ext>
+          </a:extLst>
+        </p:spPr>
+      </p:pic>
+      <p:pic>
+        <p:nvPicPr>
+          <p:cNvPr id="4102" name="Picture 6" descr="Image result for github">
+            <a:extLst>
+              <a:ext uri="{FF2B5EF4-FFF2-40B4-BE49-F238E27FC236}">
+                <a16:creationId xmlns:a16="http://schemas.microsoft.com/office/drawing/2014/main" id="{A9572CA4-C25D-42E9-A346-29C2B92805D0}"/>
+              </a:ext>
+            </a:extLst>
+          </p:cNvPr>
+          <p:cNvPicPr>
+            <a:picLocks noChangeAspect="1" noChangeArrowheads="1"/>
+          </p:cNvPicPr>
+          <p:nvPr/>
+        </p:nvPicPr>
+        <p:blipFill>
+          <a:blip r:embed="rId3">
+            <a:extLst>
+              <a:ext uri="{28A0092B-C50C-407E-A947-70E740481C1C}">
+                <a14:useLocalDpi xmlns:a14="http://schemas.microsoft.com/office/drawing/2010/main" val="0"/>
+              </a:ext>
+            </a:extLst>
+          </a:blip>
+          <a:srcRect/>
+          <a:stretch>
+            <a:fillRect/>
+          </a:stretch>
+        </p:blipFill>
+        <p:spPr bwMode="auto">
+          <a:xfrm>
+            <a:off x="5637639" y="4281668"/>
+            <a:ext cx="3093676" cy="1291865"/>
+          </a:xfrm>
+          <a:prstGeom prst="rect">
+            <a:avLst/>
+          </a:prstGeom>
+          <a:noFill/>
+          <a:extLst>
+            <a:ext uri="{909E8E84-426E-40DD-AFC4-6F175D3DCCD1}">
+              <a14:hiddenFill xmlns:a14="http://schemas.microsoft.com/office/drawing/2010/main">
+                <a:solidFill>
+                  <a:srgbClr val="FFFFFF"/>
+                </a:solidFill>
+              </a14:hiddenFill>
+            </a:ext>
+          </a:extLst>
+        </p:spPr>
+      </p:pic>
+      <p:pic>
+        <p:nvPicPr>
+          <p:cNvPr id="4104" name="Picture 8" descr="Image result for sms">
+            <a:extLst>
+              <a:ext uri="{FF2B5EF4-FFF2-40B4-BE49-F238E27FC236}">
+                <a16:creationId xmlns:a16="http://schemas.microsoft.com/office/drawing/2014/main" id="{ABF83330-6F12-48A0-B776-78F61E47855B}"/>
+              </a:ext>
+            </a:extLst>
+          </p:cNvPr>
+          <p:cNvPicPr>
+            <a:picLocks noChangeAspect="1" noChangeArrowheads="1"/>
+          </p:cNvPicPr>
+          <p:nvPr/>
+        </p:nvPicPr>
+        <p:blipFill>
+          <a:blip r:embed="rId4">
+            <a:extLst>
+              <a:ext uri="{28A0092B-C50C-407E-A947-70E740481C1C}">
+                <a14:useLocalDpi xmlns:a14="http://schemas.microsoft.com/office/drawing/2010/main" val="0"/>
+              </a:ext>
+            </a:extLst>
+          </a:blip>
+          <a:srcRect/>
+          <a:stretch>
+            <a:fillRect/>
+          </a:stretch>
+        </p:blipFill>
+        <p:spPr bwMode="auto">
+          <a:xfrm>
+            <a:off x="2525868" y="1738763"/>
+            <a:ext cx="1491359" cy="1864199"/>
+          </a:xfrm>
+          <a:prstGeom prst="rect">
+            <a:avLst/>
+          </a:prstGeom>
+          <a:noFill/>
+          <a:extLst>
+            <a:ext uri="{909E8E84-426E-40DD-AFC4-6F175D3DCCD1}">
+              <a14:hiddenFill xmlns:a14="http://schemas.microsoft.com/office/drawing/2010/main">
+                <a:solidFill>
+                  <a:srgbClr val="FFFFFF"/>
+                </a:solidFill>
+              </a14:hiddenFill>
+            </a:ext>
+          </a:extLst>
+        </p:spPr>
+      </p:pic>
+      <p:pic>
+        <p:nvPicPr>
+          <p:cNvPr id="4106" name="Picture 10" descr="Image result for speek">
+            <a:extLst>
+              <a:ext uri="{FF2B5EF4-FFF2-40B4-BE49-F238E27FC236}">
+                <a16:creationId xmlns:a16="http://schemas.microsoft.com/office/drawing/2014/main" id="{5964E516-ADC3-4802-A81C-34A0E099409A}"/>
+              </a:ext>
+            </a:extLst>
+          </p:cNvPr>
+          <p:cNvPicPr>
+            <a:picLocks noChangeAspect="1" noChangeArrowheads="1"/>
+          </p:cNvPicPr>
+          <p:nvPr/>
+        </p:nvPicPr>
+        <p:blipFill>
+          <a:blip r:embed="rId5">
+            <a:extLst>
+              <a:ext uri="{28A0092B-C50C-407E-A947-70E740481C1C}">
+                <a14:useLocalDpi xmlns:a14="http://schemas.microsoft.com/office/drawing/2010/main" val="0"/>
+              </a:ext>
+            </a:extLst>
+          </a:blip>
+          <a:srcRect/>
+          <a:stretch>
+            <a:fillRect/>
+          </a:stretch>
+        </p:blipFill>
+        <p:spPr bwMode="auto">
+          <a:xfrm>
+            <a:off x="2382138" y="3602962"/>
+            <a:ext cx="2438400" cy="2438400"/>
+          </a:xfrm>
+          <a:prstGeom prst="rect">
+            <a:avLst/>
+          </a:prstGeom>
+          <a:noFill/>
+          <a:extLst>
+            <a:ext uri="{909E8E84-426E-40DD-AFC4-6F175D3DCCD1}">
+              <a14:hiddenFill xmlns:a14="http://schemas.microsoft.com/office/drawing/2010/main">
+                <a:solidFill>
+                  <a:srgbClr val="FFFFFF"/>
+                </a:solidFill>
+              </a14:hiddenFill>
+            </a:ext>
+          </a:extLst>
         </p:spPr>
       </p:pic>
     </p:spTree>
     <p:extLst>
       <p:ext uri="{BB962C8B-B14F-4D97-AF65-F5344CB8AC3E}">
-        <p14:creationId xmlns:p14="http://schemas.microsoft.com/office/powerpoint/2010/main" val="824081260"/>
+        <p14:creationId xmlns:p14="http://schemas.microsoft.com/office/powerpoint/2010/main" val="1085475483"/>
       </p:ext>
     </p:extLst>
   </p:cSld>
@@ -9425,10 +8193,10 @@
       </p:grpSpPr>
       <p:sp>
         <p:nvSpPr>
-          <p:cNvPr id="5" name="Titre 4">
+          <p:cNvPr id="2" name="Titre 1">
             <a:extLst>
               <a:ext uri="{FF2B5EF4-FFF2-40B4-BE49-F238E27FC236}">
-                <a16:creationId xmlns:a16="http://schemas.microsoft.com/office/drawing/2014/main" id="{70523AAA-D45C-4079-BFFB-5DEE22D67BD4}"/>
+                <a16:creationId xmlns:a16="http://schemas.microsoft.com/office/drawing/2014/main" id="{4DD28A30-3E0D-4489-B8FB-CCA8D3C6ABD1}"/>
               </a:ext>
             </a:extLst>
           </p:cNvPr>
@@ -9445,9 +8213,13 @@
           <a:lstStyle/>
           <a:p>
             <a:r>
+              <a:rPr lang="fr-FR" dirty="0" err="1"/>
+              <a:t>Context</a:t>
+            </a:r>
+            <a:br>
               <a:rPr lang="fr-FR" dirty="0"/>
-              <a:t>Planning prévisionnel</a:t>
-            </a:r>
+            </a:br>
+            <a:endParaRPr lang="fr-FR" dirty="0"/>
           </a:p>
         </p:txBody>
       </p:sp>
@@ -9456,7 +8228,7 @@
           <p:cNvPr id="4" name="Espace réservé du numéro de diapositive 3">
             <a:extLst>
               <a:ext uri="{FF2B5EF4-FFF2-40B4-BE49-F238E27FC236}">
-                <a16:creationId xmlns:a16="http://schemas.microsoft.com/office/drawing/2014/main" id="{067E8B9E-0EFD-454E-A87A-92E92B005F80}"/>
+                <a16:creationId xmlns:a16="http://schemas.microsoft.com/office/drawing/2014/main" id="{33A594AA-5349-46B5-A38A-CF2397517546}"/>
               </a:ext>
             </a:extLst>
           </p:cNvPr>
@@ -9482,10 +8254,83 @@
       </p:sp>
       <p:pic>
         <p:nvPicPr>
-          <p:cNvPr id="6" name="Image 5">
+          <p:cNvPr id="5" name="Picture 2" descr="Résultat de recherche d'images pour &quot;BDE CESI EXIA&quot;">
+            <a:hlinkClick r:id="rId2"/>
             <a:extLst>
               <a:ext uri="{FF2B5EF4-FFF2-40B4-BE49-F238E27FC236}">
-                <a16:creationId xmlns:a16="http://schemas.microsoft.com/office/drawing/2014/main" id="{4CAD9AF9-8CFD-4613-8599-80CEA322B997}"/>
+                <a16:creationId xmlns:a16="http://schemas.microsoft.com/office/drawing/2014/main" id="{E1237AD6-CF79-4395-A64D-109193255E97}"/>
+              </a:ext>
+            </a:extLst>
+          </p:cNvPr>
+          <p:cNvPicPr/>
+          <p:nvPr/>
+        </p:nvPicPr>
+        <p:blipFill>
+          <a:blip r:embed="rId3" cstate="print">
+            <a:extLst>
+              <a:ext uri="{28A0092B-C50C-407E-A947-70E740481C1C}">
+                <a14:useLocalDpi xmlns:a14="http://schemas.microsoft.com/office/drawing/2010/main" val="0"/>
+              </a:ext>
+            </a:extLst>
+          </a:blip>
+          <a:srcRect/>
+          <a:stretch>
+            <a:fillRect/>
+          </a:stretch>
+        </p:blipFill>
+        <p:spPr bwMode="auto">
+          <a:xfrm>
+            <a:off x="1589417" y="3269478"/>
+            <a:ext cx="5739765" cy="3228975"/>
+          </a:xfrm>
+          <a:prstGeom prst="rect">
+            <a:avLst/>
+          </a:prstGeom>
+          <a:noFill/>
+          <a:extLst/>
+        </p:spPr>
+      </p:pic>
+      <p:sp>
+        <p:nvSpPr>
+          <p:cNvPr id="6" name="ZoneTexte 5">
+            <a:extLst>
+              <a:ext uri="{FF2B5EF4-FFF2-40B4-BE49-F238E27FC236}">
+                <a16:creationId xmlns:a16="http://schemas.microsoft.com/office/drawing/2014/main" id="{7F5947FB-EDD6-4152-AD63-5B69CF0D5DDA}"/>
+              </a:ext>
+            </a:extLst>
+          </p:cNvPr>
+          <p:cNvSpPr txBox="1"/>
+          <p:nvPr/>
+        </p:nvSpPr>
+        <p:spPr>
+          <a:xfrm>
+            <a:off x="1743695" y="1636677"/>
+            <a:ext cx="2241319" cy="369332"/>
+          </a:xfrm>
+          <a:prstGeom prst="rect">
+            <a:avLst/>
+          </a:prstGeom>
+          <a:noFill/>
+        </p:spPr>
+        <p:txBody>
+          <a:bodyPr wrap="none" rtlCol="0">
+            <a:spAutoFit/>
+          </a:bodyPr>
+          <a:lstStyle/>
+          <a:p>
+            <a:r>
+              <a:rPr lang="en-US" dirty="0"/>
+              <a:t>Our navigation bar :</a:t>
+            </a:r>
+          </a:p>
+        </p:txBody>
+      </p:sp>
+      <p:pic>
+        <p:nvPicPr>
+          <p:cNvPr id="9" name="Image 8">
+            <a:extLst>
+              <a:ext uri="{FF2B5EF4-FFF2-40B4-BE49-F238E27FC236}">
+                <a16:creationId xmlns:a16="http://schemas.microsoft.com/office/drawing/2014/main" id="{09401A67-1BDE-4B12-952C-EDF259F8D33A}"/>
               </a:ext>
             </a:extLst>
           </p:cNvPr>
@@ -9494,25 +8339,72 @@
           </p:cNvPicPr>
           <p:nvPr/>
         </p:nvPicPr>
-        <p:blipFill rotWithShape="1">
-          <a:blip r:embed="rId2"/>
-          <a:srcRect t="7563"/>
-          <a:stretch/>
+        <p:blipFill>
+          <a:blip r:embed="rId4">
+            <a:extLst>
+              <a:ext uri="{28A0092B-C50C-407E-A947-70E740481C1C}">
+                <a14:useLocalDpi xmlns:a14="http://schemas.microsoft.com/office/drawing/2010/main" val="0"/>
+              </a:ext>
+            </a:extLst>
+          </a:blip>
+          <a:stretch>
+            <a:fillRect/>
+          </a:stretch>
         </p:blipFill>
         <p:spPr>
           <a:xfrm>
-            <a:off x="1768038" y="1681824"/>
-            <a:ext cx="7399432" cy="3857557"/>
+            <a:off x="4279506" y="1681117"/>
+            <a:ext cx="4752019" cy="1096205"/>
           </a:xfrm>
           <a:prstGeom prst="rect">
             <a:avLst/>
           </a:prstGeom>
         </p:spPr>
       </p:pic>
+      <p:sp>
+        <p:nvSpPr>
+          <p:cNvPr id="10" name="ZoneTexte 9">
+            <a:extLst>
+              <a:ext uri="{FF2B5EF4-FFF2-40B4-BE49-F238E27FC236}">
+                <a16:creationId xmlns:a16="http://schemas.microsoft.com/office/drawing/2014/main" id="{FC917E9B-FD77-499A-BD41-E736F1343F20}"/>
+              </a:ext>
+            </a:extLst>
+          </p:cNvPr>
+          <p:cNvSpPr txBox="1"/>
+          <p:nvPr/>
+        </p:nvSpPr>
+        <p:spPr>
+          <a:xfrm>
+            <a:off x="7526060" y="5221323"/>
+            <a:ext cx="2572179" cy="369332"/>
+          </a:xfrm>
+          <a:prstGeom prst="rect">
+            <a:avLst/>
+          </a:prstGeom>
+          <a:noFill/>
+        </p:spPr>
+        <p:txBody>
+          <a:bodyPr wrap="none" rtlCol="0">
+            <a:spAutoFit/>
+          </a:bodyPr>
+          <a:lstStyle/>
+          <a:p>
+            <a:r>
+              <a:rPr lang="en-US" dirty="0"/>
+              <a:t>: BDE Website </a:t>
+            </a:r>
+            <a:r>
+              <a:rPr lang="en-US" dirty="0" err="1"/>
+              <a:t>exemple</a:t>
+            </a:r>
+            <a:endParaRPr lang="en-US" dirty="0"/>
+          </a:p>
+        </p:txBody>
+      </p:sp>
     </p:spTree>
     <p:extLst>
       <p:ext uri="{BB962C8B-B14F-4D97-AF65-F5344CB8AC3E}">
-        <p14:creationId xmlns:p14="http://schemas.microsoft.com/office/powerpoint/2010/main" val="3181312268"/>
+        <p14:creationId xmlns:p14="http://schemas.microsoft.com/office/powerpoint/2010/main" val="2232710690"/>
       </p:ext>
     </p:extLst>
   </p:cSld>
@@ -9544,7 +8436,7 @@
           <p:cNvPr id="2" name="Titre 1">
             <a:extLst>
               <a:ext uri="{FF2B5EF4-FFF2-40B4-BE49-F238E27FC236}">
-                <a16:creationId xmlns:a16="http://schemas.microsoft.com/office/drawing/2014/main" id="{67DA8F9C-D6E4-4ED7-9F0A-C79B06C0F14E}"/>
+                <a16:creationId xmlns:a16="http://schemas.microsoft.com/office/drawing/2014/main" id="{4DD28A30-3E0D-4489-B8FB-CCA8D3C6ABD1}"/>
               </a:ext>
             </a:extLst>
           </p:cNvPr>
@@ -9561,95 +8453,19 @@
           <a:lstStyle/>
           <a:p>
             <a:r>
-              <a:rPr lang="fr-FR" dirty="0"/>
-              <a:t>Répartition des rôles</a:t>
-            </a:r>
-          </a:p>
-        </p:txBody>
-      </p:sp>
-      <p:sp>
-        <p:nvSpPr>
-          <p:cNvPr id="4" name="Espace réservé du contenu 3">
+              <a:rPr lang="en-US" dirty="0"/>
+              <a:t>Planning</a:t>
+            </a:r>
+            <a:endParaRPr lang="fr-FR" dirty="0"/>
+          </a:p>
+        </p:txBody>
+      </p:sp>
+      <p:sp>
+        <p:nvSpPr>
+          <p:cNvPr id="4" name="Espace réservé du numéro de diapositive 3">
             <a:extLst>
               <a:ext uri="{FF2B5EF4-FFF2-40B4-BE49-F238E27FC236}">
-                <a16:creationId xmlns:a16="http://schemas.microsoft.com/office/drawing/2014/main" id="{2828AA24-5754-4067-BB3B-CC4C59612DA7}"/>
-              </a:ext>
-            </a:extLst>
-          </p:cNvPr>
-          <p:cNvSpPr>
-            <a:spLocks noGrp="1"/>
-          </p:cNvSpPr>
-          <p:nvPr>
-            <p:ph idx="1"/>
-          </p:nvPr>
-        </p:nvSpPr>
-        <p:spPr>
-          <a:xfrm>
-            <a:off x="1014959" y="1657208"/>
-            <a:ext cx="8596668" cy="3880773"/>
-          </a:xfrm>
-        </p:spPr>
-        <p:txBody>
-          <a:bodyPr anchor="ctr"/>
-          <a:lstStyle/>
-          <a:p>
-            <a:r>
-              <a:rPr lang="fr-FR" dirty="0"/>
-              <a:t>Antoine : Configuration des </a:t>
-            </a:r>
-            <a:r>
-              <a:rPr lang="fr-FR" dirty="0" err="1"/>
-              <a:t>Switchs</a:t>
-            </a:r>
-            <a:endParaRPr lang="fr-FR" dirty="0"/>
-          </a:p>
-          <a:p>
-            <a:r>
-              <a:rPr lang="fr-FR" dirty="0"/>
-              <a:t>Florian : Devis + aide dans la configuration des </a:t>
-            </a:r>
-            <a:r>
-              <a:rPr lang="fr-FR" dirty="0" err="1"/>
-              <a:t>Switchs</a:t>
-            </a:r>
-            <a:r>
-              <a:rPr lang="fr-FR" dirty="0"/>
-              <a:t> et serveurs</a:t>
-            </a:r>
-          </a:p>
-          <a:p>
-            <a:r>
-              <a:rPr lang="fr-FR" dirty="0"/>
-              <a:t>Jean : Emplacement Wifi, étude sur le wifi, aide configuration </a:t>
-            </a:r>
-            <a:r>
-              <a:rPr lang="fr-FR" dirty="0" err="1"/>
-              <a:t>Switchs</a:t>
-            </a:r>
-            <a:r>
-              <a:rPr lang="fr-FR" dirty="0"/>
-              <a:t> et </a:t>
-            </a:r>
-            <a:r>
-              <a:rPr lang="fr-FR" dirty="0" err="1"/>
-              <a:t>FireWall</a:t>
-            </a:r>
-            <a:endParaRPr lang="fr-FR" dirty="0"/>
-          </a:p>
-          <a:p>
-            <a:r>
-              <a:rPr lang="fr-FR" dirty="0"/>
-              <a:t>Maxime : établissement des documents, topologie </a:t>
-            </a:r>
-          </a:p>
-        </p:txBody>
-      </p:sp>
-      <p:sp>
-        <p:nvSpPr>
-          <p:cNvPr id="3" name="Espace réservé du numéro de diapositive 2">
-            <a:extLst>
-              <a:ext uri="{FF2B5EF4-FFF2-40B4-BE49-F238E27FC236}">
-                <a16:creationId xmlns:a16="http://schemas.microsoft.com/office/drawing/2014/main" id="{E42BF839-008F-441D-A03A-3B72B2ED3F6E}"/>
+                <a16:creationId xmlns:a16="http://schemas.microsoft.com/office/drawing/2014/main" id="{33A594AA-5349-46B5-A38A-CF2397517546}"/>
               </a:ext>
             </a:extLst>
           </p:cNvPr>
@@ -9673,275 +8489,40 @@
           </a:p>
         </p:txBody>
       </p:sp>
-      <p:sp>
-        <p:nvSpPr>
-          <p:cNvPr id="5" name="Sous-titre 2">
+      <p:pic>
+        <p:nvPicPr>
+          <p:cNvPr id="5" name="Image 4">
             <a:extLst>
               <a:ext uri="{FF2B5EF4-FFF2-40B4-BE49-F238E27FC236}">
-                <a16:creationId xmlns:a16="http://schemas.microsoft.com/office/drawing/2014/main" id="{9DDBD2C4-6669-4C80-925C-A6B07C864564}"/>
+                <a16:creationId xmlns:a16="http://schemas.microsoft.com/office/drawing/2014/main" id="{F94DDB5C-4967-4F36-89FF-98F1436D289F}"/>
               </a:ext>
             </a:extLst>
           </p:cNvPr>
-          <p:cNvSpPr txBox="1">
-            <a:spLocks/>
-          </p:cNvSpPr>
+          <p:cNvPicPr>
+            <a:picLocks noChangeAspect="1"/>
+          </p:cNvPicPr>
           <p:nvPr/>
-        </p:nvSpPr>
+        </p:nvPicPr>
+        <p:blipFill>
+          <a:blip r:embed="rId2"/>
+          <a:stretch>
+            <a:fillRect/>
+          </a:stretch>
+        </p:blipFill>
         <p:spPr>
           <a:xfrm>
-            <a:off x="1165396" y="1381950"/>
-            <a:ext cx="7766936" cy="1096899"/>
+            <a:off x="677334" y="1930400"/>
+            <a:ext cx="10086680" cy="3729208"/>
           </a:xfrm>
           <a:prstGeom prst="rect">
             <a:avLst/>
           </a:prstGeom>
         </p:spPr>
-        <p:txBody>
-          <a:bodyPr vert="horz" lIns="91440" tIns="45720" rIns="91440" bIns="45720" rtlCol="0">
-            <a:normAutofit/>
-          </a:bodyPr>
-          <a:lstStyle>
-            <a:lvl1pPr marL="342900" indent="-342900" algn="l" defTabSz="457200" rtl="0" eaLnBrk="1" latinLnBrk="0" hangingPunct="1">
-              <a:spcBef>
-                <a:spcPts val="1000"/>
-              </a:spcBef>
-              <a:spcAft>
-                <a:spcPts val="0"/>
-              </a:spcAft>
-              <a:buClr>
-                <a:schemeClr val="accent1"/>
-              </a:buClr>
-              <a:buSzPct val="80000"/>
-              <a:buFont typeface="Wingdings 3" charset="2"/>
-              <a:buChar char=""/>
-              <a:defRPr sz="1800" kern="1200">
-                <a:solidFill>
-                  <a:schemeClr val="tx1">
-                    <a:lumMod val="75000"/>
-                    <a:lumOff val="25000"/>
-                  </a:schemeClr>
-                </a:solidFill>
-                <a:latin typeface="+mn-lt"/>
-                <a:ea typeface="+mn-ea"/>
-                <a:cs typeface="+mn-cs"/>
-              </a:defRPr>
-            </a:lvl1pPr>
-            <a:lvl2pPr marL="742950" indent="-285750" algn="l" defTabSz="457200" rtl="0" eaLnBrk="1" latinLnBrk="0" hangingPunct="1">
-              <a:spcBef>
-                <a:spcPts val="1000"/>
-              </a:spcBef>
-              <a:spcAft>
-                <a:spcPts val="0"/>
-              </a:spcAft>
-              <a:buClr>
-                <a:schemeClr val="accent1"/>
-              </a:buClr>
-              <a:buSzPct val="80000"/>
-              <a:buFont typeface="Wingdings 3" charset="2"/>
-              <a:buChar char=""/>
-              <a:defRPr sz="1600" kern="1200">
-                <a:solidFill>
-                  <a:schemeClr val="tx1">
-                    <a:lumMod val="75000"/>
-                    <a:lumOff val="25000"/>
-                  </a:schemeClr>
-                </a:solidFill>
-                <a:latin typeface="+mn-lt"/>
-                <a:ea typeface="+mn-ea"/>
-                <a:cs typeface="+mn-cs"/>
-              </a:defRPr>
-            </a:lvl2pPr>
-            <a:lvl3pPr marL="1143000" indent="-228600" algn="l" defTabSz="457200" rtl="0" eaLnBrk="1" latinLnBrk="0" hangingPunct="1">
-              <a:spcBef>
-                <a:spcPts val="1000"/>
-              </a:spcBef>
-              <a:spcAft>
-                <a:spcPts val="0"/>
-              </a:spcAft>
-              <a:buClr>
-                <a:schemeClr val="accent1"/>
-              </a:buClr>
-              <a:buSzPct val="80000"/>
-              <a:buFont typeface="Wingdings 3" charset="2"/>
-              <a:buChar char=""/>
-              <a:defRPr sz="1400" kern="1200">
-                <a:solidFill>
-                  <a:schemeClr val="tx1">
-                    <a:lumMod val="75000"/>
-                    <a:lumOff val="25000"/>
-                  </a:schemeClr>
-                </a:solidFill>
-                <a:latin typeface="+mn-lt"/>
-                <a:ea typeface="+mn-ea"/>
-                <a:cs typeface="+mn-cs"/>
-              </a:defRPr>
-            </a:lvl3pPr>
-            <a:lvl4pPr marL="1600200" indent="-228600" algn="l" defTabSz="457200" rtl="0" eaLnBrk="1" latinLnBrk="0" hangingPunct="1">
-              <a:spcBef>
-                <a:spcPts val="1000"/>
-              </a:spcBef>
-              <a:spcAft>
-                <a:spcPts val="0"/>
-              </a:spcAft>
-              <a:buClr>
-                <a:schemeClr val="accent1"/>
-              </a:buClr>
-              <a:buSzPct val="80000"/>
-              <a:buFont typeface="Wingdings 3" charset="2"/>
-              <a:buChar char=""/>
-              <a:defRPr sz="1200" kern="1200">
-                <a:solidFill>
-                  <a:schemeClr val="tx1">
-                    <a:lumMod val="75000"/>
-                    <a:lumOff val="25000"/>
-                  </a:schemeClr>
-                </a:solidFill>
-                <a:latin typeface="+mn-lt"/>
-                <a:ea typeface="+mn-ea"/>
-                <a:cs typeface="+mn-cs"/>
-              </a:defRPr>
-            </a:lvl4pPr>
-            <a:lvl5pPr marL="2057400" indent="-228600" algn="l" defTabSz="457200" rtl="0" eaLnBrk="1" latinLnBrk="0" hangingPunct="1">
-              <a:spcBef>
-                <a:spcPts val="1000"/>
-              </a:spcBef>
-              <a:spcAft>
-                <a:spcPts val="0"/>
-              </a:spcAft>
-              <a:buClr>
-                <a:schemeClr val="accent1"/>
-              </a:buClr>
-              <a:buSzPct val="80000"/>
-              <a:buFont typeface="Wingdings 3" charset="2"/>
-              <a:buChar char=""/>
-              <a:defRPr sz="1200" kern="1200">
-                <a:solidFill>
-                  <a:schemeClr val="tx1">
-                    <a:lumMod val="75000"/>
-                    <a:lumOff val="25000"/>
-                  </a:schemeClr>
-                </a:solidFill>
-                <a:latin typeface="+mn-lt"/>
-                <a:ea typeface="+mn-ea"/>
-                <a:cs typeface="+mn-cs"/>
-              </a:defRPr>
-            </a:lvl5pPr>
-            <a:lvl6pPr marL="2514600" indent="-228600" algn="l" defTabSz="457200" rtl="0" eaLnBrk="1" latinLnBrk="0" hangingPunct="1">
-              <a:spcBef>
-                <a:spcPts val="1000"/>
-              </a:spcBef>
-              <a:spcAft>
-                <a:spcPts val="0"/>
-              </a:spcAft>
-              <a:buClr>
-                <a:schemeClr val="accent1"/>
-              </a:buClr>
-              <a:buSzPct val="80000"/>
-              <a:buFont typeface="Wingdings 3" charset="2"/>
-              <a:buChar char=""/>
-              <a:defRPr sz="1200" kern="1200">
-                <a:solidFill>
-                  <a:schemeClr val="tx1">
-                    <a:lumMod val="75000"/>
-                    <a:lumOff val="25000"/>
-                  </a:schemeClr>
-                </a:solidFill>
-                <a:latin typeface="+mn-lt"/>
-                <a:ea typeface="+mn-ea"/>
-                <a:cs typeface="+mn-cs"/>
-              </a:defRPr>
-            </a:lvl6pPr>
-            <a:lvl7pPr marL="2971800" indent="-228600" algn="l" defTabSz="457200" rtl="0" eaLnBrk="1" latinLnBrk="0" hangingPunct="1">
-              <a:spcBef>
-                <a:spcPts val="1000"/>
-              </a:spcBef>
-              <a:spcAft>
-                <a:spcPts val="0"/>
-              </a:spcAft>
-              <a:buClr>
-                <a:schemeClr val="accent1"/>
-              </a:buClr>
-              <a:buSzPct val="80000"/>
-              <a:buFont typeface="Wingdings 3" charset="2"/>
-              <a:buChar char=""/>
-              <a:defRPr sz="1200" kern="1200">
-                <a:solidFill>
-                  <a:schemeClr val="tx1">
-                    <a:lumMod val="75000"/>
-                    <a:lumOff val="25000"/>
-                  </a:schemeClr>
-                </a:solidFill>
-                <a:latin typeface="+mn-lt"/>
-                <a:ea typeface="+mn-ea"/>
-                <a:cs typeface="+mn-cs"/>
-              </a:defRPr>
-            </a:lvl7pPr>
-            <a:lvl8pPr marL="3429000" indent="-228600" algn="l" defTabSz="457200" rtl="0" eaLnBrk="1" latinLnBrk="0" hangingPunct="1">
-              <a:spcBef>
-                <a:spcPts val="1000"/>
-              </a:spcBef>
-              <a:spcAft>
-                <a:spcPts val="0"/>
-              </a:spcAft>
-              <a:buClr>
-                <a:schemeClr val="accent1"/>
-              </a:buClr>
-              <a:buSzPct val="80000"/>
-              <a:buFont typeface="Wingdings 3" charset="2"/>
-              <a:buChar char=""/>
-              <a:defRPr sz="1200" kern="1200">
-                <a:solidFill>
-                  <a:schemeClr val="tx1">
-                    <a:lumMod val="75000"/>
-                    <a:lumOff val="25000"/>
-                  </a:schemeClr>
-                </a:solidFill>
-                <a:latin typeface="+mn-lt"/>
-                <a:ea typeface="+mn-ea"/>
-                <a:cs typeface="+mn-cs"/>
-              </a:defRPr>
-            </a:lvl8pPr>
-            <a:lvl9pPr marL="3886200" indent="-228600" algn="l" defTabSz="457200" rtl="0" eaLnBrk="1" latinLnBrk="0" hangingPunct="1">
-              <a:spcBef>
-                <a:spcPts val="1000"/>
-              </a:spcBef>
-              <a:spcAft>
-                <a:spcPts val="0"/>
-              </a:spcAft>
-              <a:buClr>
-                <a:schemeClr val="accent1"/>
-              </a:buClr>
-              <a:buSzPct val="80000"/>
-              <a:buFont typeface="Wingdings 3" charset="2"/>
-              <a:buChar char=""/>
-              <a:defRPr sz="1200" kern="1200">
-                <a:solidFill>
-                  <a:schemeClr val="tx1">
-                    <a:lumMod val="75000"/>
-                    <a:lumOff val="25000"/>
-                  </a:schemeClr>
-                </a:solidFill>
-                <a:latin typeface="+mn-lt"/>
-                <a:ea typeface="+mn-ea"/>
-                <a:cs typeface="+mn-cs"/>
-              </a:defRPr>
-            </a:lvl9pPr>
-          </a:lstStyle>
-          <a:p>
-            <a:pPr marL="0" indent="0">
-              <a:buNone/>
-            </a:pPr>
-            <a:r>
-              <a:rPr lang="fr-FR" dirty="0"/>
-              <a:t>Prévision début de projet</a:t>
-            </a:r>
-          </a:p>
-        </p:txBody>
-      </p:sp>
+      </p:pic>
     </p:spTree>
     <p:extLst>
       <p:ext uri="{BB962C8B-B14F-4D97-AF65-F5344CB8AC3E}">
-        <p14:creationId xmlns:p14="http://schemas.microsoft.com/office/powerpoint/2010/main" val="1335383422"/>
+        <p14:creationId xmlns:p14="http://schemas.microsoft.com/office/powerpoint/2010/main" val="2995903601"/>
       </p:ext>
     </p:extLst>
   </p:cSld>
@@ -9973,7 +8554,7 @@
           <p:cNvPr id="2" name="Titre 1">
             <a:extLst>
               <a:ext uri="{FF2B5EF4-FFF2-40B4-BE49-F238E27FC236}">
-                <a16:creationId xmlns:a16="http://schemas.microsoft.com/office/drawing/2014/main" id="{67DA8F9C-D6E4-4ED7-9F0A-C79B06C0F14E}"/>
+                <a16:creationId xmlns:a16="http://schemas.microsoft.com/office/drawing/2014/main" id="{4DD28A30-3E0D-4489-B8FB-CCA8D3C6ABD1}"/>
               </a:ext>
             </a:extLst>
           </p:cNvPr>
@@ -9990,159 +8571,26 @@
           <a:lstStyle/>
           <a:p>
             <a:r>
+              <a:rPr lang="fr-FR" dirty="0" err="1"/>
+              <a:t>Tasks</a:t>
+            </a:r>
+            <a:r>
               <a:rPr lang="fr-FR" dirty="0"/>
-              <a:t>Répartition des rôles</a:t>
-            </a:r>
-          </a:p>
-        </p:txBody>
-      </p:sp>
-      <p:sp>
-        <p:nvSpPr>
-          <p:cNvPr id="4" name="Espace réservé du contenu 3">
+              <a:t> management </a:t>
+            </a:r>
+            <a:br>
+              <a:rPr lang="fr-FR" dirty="0"/>
+            </a:br>
+            <a:endParaRPr lang="fr-FR" dirty="0"/>
+          </a:p>
+        </p:txBody>
+      </p:sp>
+      <p:sp>
+        <p:nvSpPr>
+          <p:cNvPr id="4" name="Espace réservé du numéro de diapositive 3">
             <a:extLst>
               <a:ext uri="{FF2B5EF4-FFF2-40B4-BE49-F238E27FC236}">
-                <a16:creationId xmlns:a16="http://schemas.microsoft.com/office/drawing/2014/main" id="{2828AA24-5754-4067-BB3B-CC4C59612DA7}"/>
-              </a:ext>
-            </a:extLst>
-          </p:cNvPr>
-          <p:cNvSpPr>
-            <a:spLocks noGrp="1"/>
-          </p:cNvSpPr>
-          <p:nvPr>
-            <p:ph idx="1"/>
-          </p:nvPr>
-        </p:nvSpPr>
-        <p:spPr>
-          <a:xfrm>
-            <a:off x="1014959" y="1657208"/>
-            <a:ext cx="8596668" cy="3880773"/>
-          </a:xfrm>
-        </p:spPr>
-        <p:txBody>
-          <a:bodyPr anchor="ctr"/>
-          <a:lstStyle/>
-          <a:p>
-            <a:r>
-              <a:rPr lang="fr-FR" dirty="0"/>
-              <a:t>Antoine : Aide à la configurations des </a:t>
-            </a:r>
-            <a:r>
-              <a:rPr lang="fr-FR" dirty="0" err="1"/>
-              <a:t>Switchs</a:t>
-            </a:r>
-            <a:endParaRPr lang="fr-FR" dirty="0"/>
-          </a:p>
-          <a:p>
-            <a:r>
-              <a:rPr lang="fr-FR" dirty="0"/>
-              <a:t>Florian : Devis + aide dans la configuration des </a:t>
-            </a:r>
-            <a:r>
-              <a:rPr lang="fr-FR" dirty="0" err="1"/>
-              <a:t>Switchs</a:t>
-            </a:r>
-            <a:r>
-              <a:rPr lang="fr-FR" dirty="0"/>
-              <a:t> et serveurs, </a:t>
-            </a:r>
-            <a:r>
-              <a:rPr lang="fr-FR" dirty="0" err="1">
-                <a:solidFill>
-                  <a:srgbClr val="00B050"/>
-                </a:solidFill>
-              </a:rPr>
-              <a:t>ACLs</a:t>
-            </a:r>
-            <a:r>
-              <a:rPr lang="fr-FR" dirty="0">
-                <a:solidFill>
-                  <a:srgbClr val="00B050"/>
-                </a:solidFill>
-              </a:rPr>
-              <a:t>, Wifi</a:t>
-            </a:r>
-          </a:p>
-          <a:p>
-            <a:r>
-              <a:rPr lang="fr-FR" dirty="0"/>
-              <a:t>Jean : Emplacement Wifi, étude sur le wifi, aide configuration </a:t>
-            </a:r>
-            <a:r>
-              <a:rPr lang="fr-FR" dirty="0" err="1"/>
-              <a:t>Switchs</a:t>
-            </a:r>
-            <a:r>
-              <a:rPr lang="fr-FR" dirty="0"/>
-              <a:t> et </a:t>
-            </a:r>
-            <a:r>
-              <a:rPr lang="fr-FR" dirty="0" err="1"/>
-              <a:t>FireWall</a:t>
-            </a:r>
-            <a:r>
-              <a:rPr lang="fr-FR" dirty="0"/>
-              <a:t>, </a:t>
-            </a:r>
-            <a:r>
-              <a:rPr lang="fr-FR" dirty="0" err="1">
-                <a:solidFill>
-                  <a:srgbClr val="00B050"/>
-                </a:solidFill>
-              </a:rPr>
-              <a:t>ACLs</a:t>
-            </a:r>
-            <a:endParaRPr lang="fr-FR" dirty="0"/>
-          </a:p>
-          <a:p>
-            <a:r>
-              <a:rPr lang="fr-FR" dirty="0"/>
-              <a:t>Maxime : établissement des documents, </a:t>
-            </a:r>
-            <a:r>
-              <a:rPr lang="fr-FR" dirty="0">
-                <a:solidFill>
-                  <a:srgbClr val="00B050"/>
-                </a:solidFill>
-              </a:rPr>
-              <a:t>des présentations</a:t>
-            </a:r>
-            <a:r>
-              <a:rPr lang="fr-FR" dirty="0"/>
-              <a:t>, topologie, </a:t>
-            </a:r>
-            <a:r>
-              <a:rPr lang="fr-FR" dirty="0">
-                <a:solidFill>
-                  <a:srgbClr val="00B050"/>
-                </a:solidFill>
-              </a:rPr>
-              <a:t>configuration des </a:t>
-            </a:r>
-            <a:r>
-              <a:rPr lang="fr-FR" dirty="0" err="1">
-                <a:solidFill>
-                  <a:srgbClr val="00B050"/>
-                </a:solidFill>
-              </a:rPr>
-              <a:t>Switchs</a:t>
-            </a:r>
-            <a:r>
-              <a:rPr lang="fr-FR" dirty="0">
-                <a:solidFill>
-                  <a:srgbClr val="00B050"/>
-                </a:solidFill>
-              </a:rPr>
-              <a:t>, aide sur la partie wifi</a:t>
-            </a:r>
-          </a:p>
-        </p:txBody>
-      </p:sp>
-      <p:sp>
-        <p:nvSpPr>
-          <p:cNvPr id="3" name="Espace réservé du numéro de diapositive 2">
-            <a:extLst>
-              <a:ext uri="{FF2B5EF4-FFF2-40B4-BE49-F238E27FC236}">
-                <a16:creationId xmlns:a16="http://schemas.microsoft.com/office/drawing/2014/main" id="{E42BF839-008F-441D-A03A-3B72B2ED3F6E}"/>
+                <a16:creationId xmlns:a16="http://schemas.microsoft.com/office/drawing/2014/main" id="{33A594AA-5349-46B5-A38A-CF2397517546}"/>
               </a:ext>
             </a:extLst>
           </p:cNvPr>
@@ -10166,275 +8614,117 @@
           </a:p>
         </p:txBody>
       </p:sp>
-      <p:sp>
-        <p:nvSpPr>
-          <p:cNvPr id="5" name="Sous-titre 2">
+      <p:pic>
+        <p:nvPicPr>
+          <p:cNvPr id="5" name="Image 4">
             <a:extLst>
               <a:ext uri="{FF2B5EF4-FFF2-40B4-BE49-F238E27FC236}">
-                <a16:creationId xmlns:a16="http://schemas.microsoft.com/office/drawing/2014/main" id="{9DDBD2C4-6669-4C80-925C-A6B07C864564}"/>
+                <a16:creationId xmlns:a16="http://schemas.microsoft.com/office/drawing/2014/main" id="{DF64EF41-6535-4D0C-8E81-CD906265B432}"/>
               </a:ext>
             </a:extLst>
           </p:cNvPr>
-          <p:cNvSpPr txBox="1">
-            <a:spLocks/>
-          </p:cNvSpPr>
+          <p:cNvPicPr>
+            <a:picLocks noChangeAspect="1"/>
+          </p:cNvPicPr>
           <p:nvPr/>
-        </p:nvSpPr>
+        </p:nvPicPr>
+        <p:blipFill>
+          <a:blip r:embed="rId2"/>
+          <a:stretch>
+            <a:fillRect/>
+          </a:stretch>
+        </p:blipFill>
         <p:spPr>
           <a:xfrm>
-            <a:off x="1165396" y="1381950"/>
-            <a:ext cx="7766936" cy="1096899"/>
+            <a:off x="5248715" y="833645"/>
+            <a:ext cx="5802344" cy="3152235"/>
           </a:xfrm>
           <a:prstGeom prst="rect">
             <a:avLst/>
           </a:prstGeom>
         </p:spPr>
-        <p:txBody>
-          <a:bodyPr vert="horz" lIns="91440" tIns="45720" rIns="91440" bIns="45720" rtlCol="0">
-            <a:normAutofit/>
-          </a:bodyPr>
-          <a:lstStyle>
-            <a:lvl1pPr marL="342900" indent="-342900" algn="l" defTabSz="457200" rtl="0" eaLnBrk="1" latinLnBrk="0" hangingPunct="1">
-              <a:spcBef>
-                <a:spcPts val="1000"/>
-              </a:spcBef>
-              <a:spcAft>
-                <a:spcPts val="0"/>
-              </a:spcAft>
-              <a:buClr>
-                <a:schemeClr val="accent1"/>
-              </a:buClr>
-              <a:buSzPct val="80000"/>
-              <a:buFont typeface="Wingdings 3" charset="2"/>
-              <a:buChar char=""/>
-              <a:defRPr sz="1800" kern="1200">
+      </p:pic>
+      <p:pic>
+        <p:nvPicPr>
+          <p:cNvPr id="6" name="Image 5">
+            <a:extLst>
+              <a:ext uri="{FF2B5EF4-FFF2-40B4-BE49-F238E27FC236}">
+                <a16:creationId xmlns:a16="http://schemas.microsoft.com/office/drawing/2014/main" id="{DE196ED1-43F8-4E02-B35D-535BFD60E939}"/>
+              </a:ext>
+            </a:extLst>
+          </p:cNvPr>
+          <p:cNvPicPr>
+            <a:picLocks noChangeAspect="1"/>
+          </p:cNvPicPr>
+          <p:nvPr/>
+        </p:nvPicPr>
+        <p:blipFill>
+          <a:blip r:embed="rId3"/>
+          <a:stretch>
+            <a:fillRect/>
+          </a:stretch>
+        </p:blipFill>
+        <p:spPr>
+          <a:xfrm>
+            <a:off x="407014" y="4239727"/>
+            <a:ext cx="8086538" cy="2166760"/>
+          </a:xfrm>
+          <a:prstGeom prst="rect">
+            <a:avLst/>
+          </a:prstGeom>
+        </p:spPr>
+      </p:pic>
+      <p:pic>
+        <p:nvPicPr>
+          <p:cNvPr id="1026" name="Picture 2" descr="Image result for tasks">
+            <a:extLst>
+              <a:ext uri="{FF2B5EF4-FFF2-40B4-BE49-F238E27FC236}">
+                <a16:creationId xmlns:a16="http://schemas.microsoft.com/office/drawing/2014/main" id="{9DB8EFD7-77DC-4621-A59E-A0AF0541BD77}"/>
+              </a:ext>
+            </a:extLst>
+          </p:cNvPr>
+          <p:cNvPicPr>
+            <a:picLocks noChangeAspect="1" noChangeArrowheads="1"/>
+          </p:cNvPicPr>
+          <p:nvPr/>
+        </p:nvPicPr>
+        <p:blipFill>
+          <a:blip r:embed="rId4">
+            <a:extLst>
+              <a:ext uri="{28A0092B-C50C-407E-A947-70E740481C1C}">
+                <a14:useLocalDpi xmlns:a14="http://schemas.microsoft.com/office/drawing/2010/main" val="0"/>
+              </a:ext>
+            </a:extLst>
+          </a:blip>
+          <a:srcRect/>
+          <a:stretch>
+            <a:fillRect/>
+          </a:stretch>
+        </p:blipFill>
+        <p:spPr bwMode="auto">
+          <a:xfrm>
+            <a:off x="1240667" y="1737825"/>
+            <a:ext cx="2944834" cy="1995125"/>
+          </a:xfrm>
+          <a:prstGeom prst="rect">
+            <a:avLst/>
+          </a:prstGeom>
+          <a:noFill/>
+          <a:extLst>
+            <a:ext uri="{909E8E84-426E-40DD-AFC4-6F175D3DCCD1}">
+              <a14:hiddenFill xmlns:a14="http://schemas.microsoft.com/office/drawing/2010/main">
                 <a:solidFill>
-                  <a:schemeClr val="tx1">
-                    <a:lumMod val="75000"/>
-                    <a:lumOff val="25000"/>
-                  </a:schemeClr>
+                  <a:srgbClr val="FFFFFF"/>
                 </a:solidFill>
-                <a:latin typeface="+mn-lt"/>
-                <a:ea typeface="+mn-ea"/>
-                <a:cs typeface="+mn-cs"/>
-              </a:defRPr>
-            </a:lvl1pPr>
-            <a:lvl2pPr marL="742950" indent="-285750" algn="l" defTabSz="457200" rtl="0" eaLnBrk="1" latinLnBrk="0" hangingPunct="1">
-              <a:spcBef>
-                <a:spcPts val="1000"/>
-              </a:spcBef>
-              <a:spcAft>
-                <a:spcPts val="0"/>
-              </a:spcAft>
-              <a:buClr>
-                <a:schemeClr val="accent1"/>
-              </a:buClr>
-              <a:buSzPct val="80000"/>
-              <a:buFont typeface="Wingdings 3" charset="2"/>
-              <a:buChar char=""/>
-              <a:defRPr sz="1600" kern="1200">
-                <a:solidFill>
-                  <a:schemeClr val="tx1">
-                    <a:lumMod val="75000"/>
-                    <a:lumOff val="25000"/>
-                  </a:schemeClr>
-                </a:solidFill>
-                <a:latin typeface="+mn-lt"/>
-                <a:ea typeface="+mn-ea"/>
-                <a:cs typeface="+mn-cs"/>
-              </a:defRPr>
-            </a:lvl2pPr>
-            <a:lvl3pPr marL="1143000" indent="-228600" algn="l" defTabSz="457200" rtl="0" eaLnBrk="1" latinLnBrk="0" hangingPunct="1">
-              <a:spcBef>
-                <a:spcPts val="1000"/>
-              </a:spcBef>
-              <a:spcAft>
-                <a:spcPts val="0"/>
-              </a:spcAft>
-              <a:buClr>
-                <a:schemeClr val="accent1"/>
-              </a:buClr>
-              <a:buSzPct val="80000"/>
-              <a:buFont typeface="Wingdings 3" charset="2"/>
-              <a:buChar char=""/>
-              <a:defRPr sz="1400" kern="1200">
-                <a:solidFill>
-                  <a:schemeClr val="tx1">
-                    <a:lumMod val="75000"/>
-                    <a:lumOff val="25000"/>
-                  </a:schemeClr>
-                </a:solidFill>
-                <a:latin typeface="+mn-lt"/>
-                <a:ea typeface="+mn-ea"/>
-                <a:cs typeface="+mn-cs"/>
-              </a:defRPr>
-            </a:lvl3pPr>
-            <a:lvl4pPr marL="1600200" indent="-228600" algn="l" defTabSz="457200" rtl="0" eaLnBrk="1" latinLnBrk="0" hangingPunct="1">
-              <a:spcBef>
-                <a:spcPts val="1000"/>
-              </a:spcBef>
-              <a:spcAft>
-                <a:spcPts val="0"/>
-              </a:spcAft>
-              <a:buClr>
-                <a:schemeClr val="accent1"/>
-              </a:buClr>
-              <a:buSzPct val="80000"/>
-              <a:buFont typeface="Wingdings 3" charset="2"/>
-              <a:buChar char=""/>
-              <a:defRPr sz="1200" kern="1200">
-                <a:solidFill>
-                  <a:schemeClr val="tx1">
-                    <a:lumMod val="75000"/>
-                    <a:lumOff val="25000"/>
-                  </a:schemeClr>
-                </a:solidFill>
-                <a:latin typeface="+mn-lt"/>
-                <a:ea typeface="+mn-ea"/>
-                <a:cs typeface="+mn-cs"/>
-              </a:defRPr>
-            </a:lvl4pPr>
-            <a:lvl5pPr marL="2057400" indent="-228600" algn="l" defTabSz="457200" rtl="0" eaLnBrk="1" latinLnBrk="0" hangingPunct="1">
-              <a:spcBef>
-                <a:spcPts val="1000"/>
-              </a:spcBef>
-              <a:spcAft>
-                <a:spcPts val="0"/>
-              </a:spcAft>
-              <a:buClr>
-                <a:schemeClr val="accent1"/>
-              </a:buClr>
-              <a:buSzPct val="80000"/>
-              <a:buFont typeface="Wingdings 3" charset="2"/>
-              <a:buChar char=""/>
-              <a:defRPr sz="1200" kern="1200">
-                <a:solidFill>
-                  <a:schemeClr val="tx1">
-                    <a:lumMod val="75000"/>
-                    <a:lumOff val="25000"/>
-                  </a:schemeClr>
-                </a:solidFill>
-                <a:latin typeface="+mn-lt"/>
-                <a:ea typeface="+mn-ea"/>
-                <a:cs typeface="+mn-cs"/>
-              </a:defRPr>
-            </a:lvl5pPr>
-            <a:lvl6pPr marL="2514600" indent="-228600" algn="l" defTabSz="457200" rtl="0" eaLnBrk="1" latinLnBrk="0" hangingPunct="1">
-              <a:spcBef>
-                <a:spcPts val="1000"/>
-              </a:spcBef>
-              <a:spcAft>
-                <a:spcPts val="0"/>
-              </a:spcAft>
-              <a:buClr>
-                <a:schemeClr val="accent1"/>
-              </a:buClr>
-              <a:buSzPct val="80000"/>
-              <a:buFont typeface="Wingdings 3" charset="2"/>
-              <a:buChar char=""/>
-              <a:defRPr sz="1200" kern="1200">
-                <a:solidFill>
-                  <a:schemeClr val="tx1">
-                    <a:lumMod val="75000"/>
-                    <a:lumOff val="25000"/>
-                  </a:schemeClr>
-                </a:solidFill>
-                <a:latin typeface="+mn-lt"/>
-                <a:ea typeface="+mn-ea"/>
-                <a:cs typeface="+mn-cs"/>
-              </a:defRPr>
-            </a:lvl6pPr>
-            <a:lvl7pPr marL="2971800" indent="-228600" algn="l" defTabSz="457200" rtl="0" eaLnBrk="1" latinLnBrk="0" hangingPunct="1">
-              <a:spcBef>
-                <a:spcPts val="1000"/>
-              </a:spcBef>
-              <a:spcAft>
-                <a:spcPts val="0"/>
-              </a:spcAft>
-              <a:buClr>
-                <a:schemeClr val="accent1"/>
-              </a:buClr>
-              <a:buSzPct val="80000"/>
-              <a:buFont typeface="Wingdings 3" charset="2"/>
-              <a:buChar char=""/>
-              <a:defRPr sz="1200" kern="1200">
-                <a:solidFill>
-                  <a:schemeClr val="tx1">
-                    <a:lumMod val="75000"/>
-                    <a:lumOff val="25000"/>
-                  </a:schemeClr>
-                </a:solidFill>
-                <a:latin typeface="+mn-lt"/>
-                <a:ea typeface="+mn-ea"/>
-                <a:cs typeface="+mn-cs"/>
-              </a:defRPr>
-            </a:lvl7pPr>
-            <a:lvl8pPr marL="3429000" indent="-228600" algn="l" defTabSz="457200" rtl="0" eaLnBrk="1" latinLnBrk="0" hangingPunct="1">
-              <a:spcBef>
-                <a:spcPts val="1000"/>
-              </a:spcBef>
-              <a:spcAft>
-                <a:spcPts val="0"/>
-              </a:spcAft>
-              <a:buClr>
-                <a:schemeClr val="accent1"/>
-              </a:buClr>
-              <a:buSzPct val="80000"/>
-              <a:buFont typeface="Wingdings 3" charset="2"/>
-              <a:buChar char=""/>
-              <a:defRPr sz="1200" kern="1200">
-                <a:solidFill>
-                  <a:schemeClr val="tx1">
-                    <a:lumMod val="75000"/>
-                    <a:lumOff val="25000"/>
-                  </a:schemeClr>
-                </a:solidFill>
-                <a:latin typeface="+mn-lt"/>
-                <a:ea typeface="+mn-ea"/>
-                <a:cs typeface="+mn-cs"/>
-              </a:defRPr>
-            </a:lvl8pPr>
-            <a:lvl9pPr marL="3886200" indent="-228600" algn="l" defTabSz="457200" rtl="0" eaLnBrk="1" latinLnBrk="0" hangingPunct="1">
-              <a:spcBef>
-                <a:spcPts val="1000"/>
-              </a:spcBef>
-              <a:spcAft>
-                <a:spcPts val="0"/>
-              </a:spcAft>
-              <a:buClr>
-                <a:schemeClr val="accent1"/>
-              </a:buClr>
-              <a:buSzPct val="80000"/>
-              <a:buFont typeface="Wingdings 3" charset="2"/>
-              <a:buChar char=""/>
-              <a:defRPr sz="1200" kern="1200">
-                <a:solidFill>
-                  <a:schemeClr val="tx1">
-                    <a:lumMod val="75000"/>
-                    <a:lumOff val="25000"/>
-                  </a:schemeClr>
-                </a:solidFill>
-                <a:latin typeface="+mn-lt"/>
-                <a:ea typeface="+mn-ea"/>
-                <a:cs typeface="+mn-cs"/>
-              </a:defRPr>
-            </a:lvl9pPr>
-          </a:lstStyle>
-          <a:p>
-            <a:pPr marL="0" indent="0">
-              <a:buNone/>
-            </a:pPr>
-            <a:r>
-              <a:rPr lang="fr-FR" dirty="0"/>
-              <a:t>Etat actuel</a:t>
-            </a:r>
-          </a:p>
-        </p:txBody>
-      </p:sp>
+              </a14:hiddenFill>
+            </a:ext>
+          </a:extLst>
+        </p:spPr>
+      </p:pic>
     </p:spTree>
     <p:extLst>
       <p:ext uri="{BB962C8B-B14F-4D97-AF65-F5344CB8AC3E}">
-        <p14:creationId xmlns:p14="http://schemas.microsoft.com/office/powerpoint/2010/main" val="361225016"/>
+        <p14:creationId xmlns:p14="http://schemas.microsoft.com/office/powerpoint/2010/main" val="2035648011"/>
       </p:ext>
     </p:extLst>
   </p:cSld>
@@ -10463,10 +8753,10 @@
       </p:grpSpPr>
       <p:sp>
         <p:nvSpPr>
-          <p:cNvPr id="5" name="Titre 4">
+          <p:cNvPr id="2" name="Titre 1">
             <a:extLst>
               <a:ext uri="{FF2B5EF4-FFF2-40B4-BE49-F238E27FC236}">
-                <a16:creationId xmlns:a16="http://schemas.microsoft.com/office/drawing/2014/main" id="{70523AAA-D45C-4079-BFFB-5DEE22D67BD4}"/>
+                <a16:creationId xmlns:a16="http://schemas.microsoft.com/office/drawing/2014/main" id="{4DD28A30-3E0D-4489-B8FB-CCA8D3C6ABD1}"/>
               </a:ext>
             </a:extLst>
           </p:cNvPr>
@@ -10484,7 +8774,7 @@
           <a:p>
             <a:r>
               <a:rPr lang="fr-FR" dirty="0"/>
-              <a:t>Avancement</a:t>
+              <a:t>Risks - Human</a:t>
             </a:r>
           </a:p>
         </p:txBody>
@@ -10494,7 +8784,7 @@
           <p:cNvPr id="4" name="Espace réservé du numéro de diapositive 3">
             <a:extLst>
               <a:ext uri="{FF2B5EF4-FFF2-40B4-BE49-F238E27FC236}">
-                <a16:creationId xmlns:a16="http://schemas.microsoft.com/office/drawing/2014/main" id="{067E8B9E-0EFD-454E-A87A-92E92B005F80}"/>
+                <a16:creationId xmlns:a16="http://schemas.microsoft.com/office/drawing/2014/main" id="{33A594AA-5349-46B5-A38A-CF2397517546}"/>
               </a:ext>
             </a:extLst>
           </p:cNvPr>
@@ -10520,72 +8810,55 @@
       </p:sp>
       <p:pic>
         <p:nvPicPr>
-          <p:cNvPr id="2" name="Image 1">
+          <p:cNvPr id="2050" name="Picture 2" descr="Image result for risks">
             <a:extLst>
               <a:ext uri="{FF2B5EF4-FFF2-40B4-BE49-F238E27FC236}">
-                <a16:creationId xmlns:a16="http://schemas.microsoft.com/office/drawing/2014/main" id="{491AF546-814B-4DC2-BE06-2346B44BDC21}"/>
+                <a16:creationId xmlns:a16="http://schemas.microsoft.com/office/drawing/2014/main" id="{D884F1C6-29F9-4260-A6A0-934ACD06A7D6}"/>
               </a:ext>
             </a:extLst>
           </p:cNvPr>
           <p:cNvPicPr>
-            <a:picLocks noChangeAspect="1"/>
+            <a:picLocks noChangeAspect="1" noChangeArrowheads="1"/>
           </p:cNvPicPr>
           <p:nvPr/>
         </p:nvPicPr>
-        <p:blipFill rotWithShape="1">
-          <a:blip r:embed="rId2"/>
-          <a:srcRect t="8081"/>
-          <a:stretch/>
-        </p:blipFill>
-        <p:spPr>
-          <a:xfrm>
-            <a:off x="1743693" y="1811045"/>
-            <a:ext cx="7188639" cy="3730639"/>
-          </a:xfrm>
-          <a:prstGeom prst="rect">
-            <a:avLst/>
-          </a:prstGeom>
-        </p:spPr>
-      </p:pic>
-      <p:sp>
-        <p:nvSpPr>
-          <p:cNvPr id="3" name="ZoneTexte 2">
+        <p:blipFill>
+          <a:blip r:embed="rId2">
             <a:extLst>
-              <a:ext uri="{FF2B5EF4-FFF2-40B4-BE49-F238E27FC236}">
-                <a16:creationId xmlns:a16="http://schemas.microsoft.com/office/drawing/2014/main" id="{CF347ED8-FB80-4775-B1BC-6FB4CADDC01E}"/>
+              <a:ext uri="{28A0092B-C50C-407E-A947-70E740481C1C}">
+                <a14:useLocalDpi xmlns:a14="http://schemas.microsoft.com/office/drawing/2010/main" val="0"/>
               </a:ext>
             </a:extLst>
-          </p:cNvPr>
-          <p:cNvSpPr txBox="1"/>
-          <p:nvPr/>
-        </p:nvSpPr>
-        <p:spPr>
+          </a:blip>
+          <a:srcRect/>
+          <a:stretch>
+            <a:fillRect/>
+          </a:stretch>
+        </p:blipFill>
+        <p:spPr bwMode="auto">
           <a:xfrm>
-            <a:off x="4096735" y="6263320"/>
-            <a:ext cx="1999265" cy="369332"/>
+            <a:off x="2550751" y="1930400"/>
+            <a:ext cx="6039912" cy="4081405"/>
           </a:xfrm>
           <a:prstGeom prst="rect">
             <a:avLst/>
           </a:prstGeom>
           <a:noFill/>
+          <a:extLst>
+            <a:ext uri="{909E8E84-426E-40DD-AFC4-6F175D3DCCD1}">
+              <a14:hiddenFill xmlns:a14="http://schemas.microsoft.com/office/drawing/2010/main">
+                <a:solidFill>
+                  <a:srgbClr val="FFFFFF"/>
+                </a:solidFill>
+              </a14:hiddenFill>
+            </a:ext>
+          </a:extLst>
         </p:spPr>
-        <p:txBody>
-          <a:bodyPr wrap="none" rtlCol="0">
-            <a:spAutoFit/>
-          </a:bodyPr>
-          <a:lstStyle/>
-          <a:p>
-            <a:r>
-              <a:rPr lang="fr-FR" dirty="0"/>
-              <a:t>Réussite / Echecs</a:t>
-            </a:r>
-          </a:p>
-        </p:txBody>
-      </p:sp>
+      </p:pic>
     </p:spTree>
     <p:extLst>
       <p:ext uri="{BB962C8B-B14F-4D97-AF65-F5344CB8AC3E}">
-        <p14:creationId xmlns:p14="http://schemas.microsoft.com/office/powerpoint/2010/main" val="4191507258"/>
+        <p14:creationId xmlns:p14="http://schemas.microsoft.com/office/powerpoint/2010/main" val="4078922342"/>
       </p:ext>
     </p:extLst>
   </p:cSld>
@@ -10614,10 +8887,10 @@
       </p:grpSpPr>
       <p:sp>
         <p:nvSpPr>
-          <p:cNvPr id="5" name="Titre 4">
+          <p:cNvPr id="2" name="Titre 1">
             <a:extLst>
               <a:ext uri="{FF2B5EF4-FFF2-40B4-BE49-F238E27FC236}">
-                <a16:creationId xmlns:a16="http://schemas.microsoft.com/office/drawing/2014/main" id="{70523AAA-D45C-4079-BFFB-5DEE22D67BD4}"/>
+                <a16:creationId xmlns:a16="http://schemas.microsoft.com/office/drawing/2014/main" id="{4DD28A30-3E0D-4489-B8FB-CCA8D3C6ABD1}"/>
               </a:ext>
             </a:extLst>
           </p:cNvPr>
@@ -10634,8 +8907,8 @@
           <a:lstStyle/>
           <a:p>
             <a:r>
-              <a:rPr lang="fr-FR" dirty="0"/>
-              <a:t>Avancement</a:t>
+              <a:rPr lang="en-US"/>
+              <a:t>Risks - Equipment</a:t>
             </a:r>
           </a:p>
         </p:txBody>
@@ -10645,7 +8918,7 @@
           <p:cNvPr id="4" name="Espace réservé du numéro de diapositive 3">
             <a:extLst>
               <a:ext uri="{FF2B5EF4-FFF2-40B4-BE49-F238E27FC236}">
-                <a16:creationId xmlns:a16="http://schemas.microsoft.com/office/drawing/2014/main" id="{067E8B9E-0EFD-454E-A87A-92E92B005F80}"/>
+                <a16:creationId xmlns:a16="http://schemas.microsoft.com/office/drawing/2014/main" id="{33A594AA-5349-46B5-A38A-CF2397517546}"/>
               </a:ext>
             </a:extLst>
           </p:cNvPr>
@@ -10669,74 +8942,151 @@
           </a:p>
         </p:txBody>
       </p:sp>
-      <p:sp>
-        <p:nvSpPr>
-          <p:cNvPr id="3" name="ZoneTexte 2">
+      <p:pic>
+        <p:nvPicPr>
+          <p:cNvPr id="3074" name="Picture 2" descr="Image result for risks equipment">
             <a:extLst>
               <a:ext uri="{FF2B5EF4-FFF2-40B4-BE49-F238E27FC236}">
-                <a16:creationId xmlns:a16="http://schemas.microsoft.com/office/drawing/2014/main" id="{CF347ED8-FB80-4775-B1BC-6FB4CADDC01E}"/>
+                <a16:creationId xmlns:a16="http://schemas.microsoft.com/office/drawing/2014/main" id="{B12A5DD0-8FF2-4274-B968-F61031813775}"/>
               </a:ext>
             </a:extLst>
           </p:cNvPr>
-          <p:cNvSpPr txBox="1"/>
+          <p:cNvPicPr>
+            <a:picLocks noChangeAspect="1" noChangeArrowheads="1"/>
+          </p:cNvPicPr>
           <p:nvPr/>
-        </p:nvSpPr>
-        <p:spPr>
+        </p:nvPicPr>
+        <p:blipFill>
+          <a:blip r:embed="rId2">
+            <a:extLst>
+              <a:ext uri="{28A0092B-C50C-407E-A947-70E740481C1C}">
+                <a14:useLocalDpi xmlns:a14="http://schemas.microsoft.com/office/drawing/2010/main" val="0"/>
+              </a:ext>
+            </a:extLst>
+          </a:blip>
+          <a:srcRect/>
+          <a:stretch>
+            <a:fillRect/>
+          </a:stretch>
+        </p:blipFill>
+        <p:spPr bwMode="auto">
           <a:xfrm>
-            <a:off x="4096735" y="6263320"/>
-            <a:ext cx="2927533" cy="369332"/>
+            <a:off x="998945" y="1487780"/>
+            <a:ext cx="3838105" cy="2326935"/>
           </a:xfrm>
           <a:prstGeom prst="rect">
             <a:avLst/>
           </a:prstGeom>
           <a:noFill/>
+          <a:extLst>
+            <a:ext uri="{909E8E84-426E-40DD-AFC4-6F175D3DCCD1}">
+              <a14:hiddenFill xmlns:a14="http://schemas.microsoft.com/office/drawing/2010/main">
+                <a:solidFill>
+                  <a:srgbClr val="FFFFFF"/>
+                </a:solidFill>
+              </a14:hiddenFill>
+            </a:ext>
+          </a:extLst>
         </p:spPr>
-        <p:txBody>
-          <a:bodyPr wrap="none" rtlCol="0">
-            <a:spAutoFit/>
-          </a:bodyPr>
-          <a:lstStyle/>
-          <a:p>
-            <a:r>
-              <a:rPr lang="fr-FR" dirty="0"/>
-              <a:t>Temps réel et avancement</a:t>
-            </a:r>
-          </a:p>
-        </p:txBody>
-      </p:sp>
+      </p:pic>
       <p:pic>
         <p:nvPicPr>
-          <p:cNvPr id="6" name="Image 5">
+          <p:cNvPr id="3076" name="Picture 4" descr="Image result for bracket ide">
             <a:extLst>
               <a:ext uri="{FF2B5EF4-FFF2-40B4-BE49-F238E27FC236}">
-                <a16:creationId xmlns:a16="http://schemas.microsoft.com/office/drawing/2014/main" id="{2F56D671-AE20-459C-A98A-FD437D861DE5}"/>
+                <a16:creationId xmlns:a16="http://schemas.microsoft.com/office/drawing/2014/main" id="{6BCEA48B-8800-44D3-A9F7-BFD0CCB334E5}"/>
               </a:ext>
             </a:extLst>
           </p:cNvPr>
           <p:cNvPicPr>
-            <a:picLocks noChangeAspect="1"/>
+            <a:picLocks noChangeAspect="1" noChangeArrowheads="1"/>
           </p:cNvPicPr>
           <p:nvPr/>
         </p:nvPicPr>
-        <p:blipFill rotWithShape="1">
-          <a:blip r:embed="rId2"/>
-          <a:srcRect t="122"/>
-          <a:stretch/>
+        <p:blipFill>
+          <a:blip r:embed="rId3">
+            <a:extLst>
+              <a:ext uri="{28A0092B-C50C-407E-A947-70E740481C1C}">
+                <a14:useLocalDpi xmlns:a14="http://schemas.microsoft.com/office/drawing/2010/main" val="0"/>
+              </a:ext>
+            </a:extLst>
+          </a:blip>
+          <a:srcRect/>
+          <a:stretch>
+            <a:fillRect/>
+          </a:stretch>
         </p:blipFill>
-        <p:spPr>
+        <p:spPr bwMode="auto">
           <a:xfrm>
-            <a:off x="1555614" y="1411550"/>
-            <a:ext cx="8069911" cy="4537192"/>
+            <a:off x="6633479" y="1421186"/>
+            <a:ext cx="2449483" cy="2449483"/>
           </a:xfrm>
           <a:prstGeom prst="rect">
             <a:avLst/>
           </a:prstGeom>
+          <a:noFill/>
+          <a:extLst>
+            <a:ext uri="{909E8E84-426E-40DD-AFC4-6F175D3DCCD1}">
+              <a14:hiddenFill xmlns:a14="http://schemas.microsoft.com/office/drawing/2010/main">
+                <a:solidFill>
+                  <a:srgbClr val="FFFFFF"/>
+                </a:solidFill>
+              </a14:hiddenFill>
+            </a:ext>
+          </a:extLst>
+        </p:spPr>
+      </p:pic>
+      <p:pic>
+        <p:nvPicPr>
+          <p:cNvPr id="3078" name="Picture 6" descr="Image result for bootstrap">
+            <a:extLst>
+              <a:ext uri="{FF2B5EF4-FFF2-40B4-BE49-F238E27FC236}">
+                <a16:creationId xmlns:a16="http://schemas.microsoft.com/office/drawing/2014/main" id="{AFD7C112-C196-4114-A234-E4617E210F49}"/>
+              </a:ext>
+            </a:extLst>
+          </p:cNvPr>
+          <p:cNvPicPr>
+            <a:picLocks noChangeAspect="1" noChangeArrowheads="1"/>
+          </p:cNvPicPr>
+          <p:nvPr/>
+        </p:nvPicPr>
+        <p:blipFill>
+          <a:blip r:embed="rId4">
+            <a:extLst>
+              <a:ext uri="{28A0092B-C50C-407E-A947-70E740481C1C}">
+                <a14:useLocalDpi xmlns:a14="http://schemas.microsoft.com/office/drawing/2010/main" val="0"/>
+              </a:ext>
+            </a:extLst>
+          </a:blip>
+          <a:srcRect/>
+          <a:stretch>
+            <a:fillRect/>
+          </a:stretch>
+        </p:blipFill>
+        <p:spPr bwMode="auto">
+          <a:xfrm>
+            <a:off x="4067993" y="4095851"/>
+            <a:ext cx="3193479" cy="2681926"/>
+          </a:xfrm>
+          <a:prstGeom prst="rect">
+            <a:avLst/>
+          </a:prstGeom>
+          <a:noFill/>
+          <a:extLst>
+            <a:ext uri="{909E8E84-426E-40DD-AFC4-6F175D3DCCD1}">
+              <a14:hiddenFill xmlns:a14="http://schemas.microsoft.com/office/drawing/2010/main">
+                <a:solidFill>
+                  <a:srgbClr val="FFFFFF"/>
+                </a:solidFill>
+              </a14:hiddenFill>
+            </a:ext>
+          </a:extLst>
         </p:spPr>
       </p:pic>
     </p:spTree>
     <p:extLst>
       <p:ext uri="{BB962C8B-B14F-4D97-AF65-F5344CB8AC3E}">
-        <p14:creationId xmlns:p14="http://schemas.microsoft.com/office/powerpoint/2010/main" val="752183584"/>
+        <p14:creationId xmlns:p14="http://schemas.microsoft.com/office/powerpoint/2010/main" val="1875207368"/>
       </p:ext>
     </p:extLst>
   </p:cSld>
@@ -10768,7 +9118,7 @@
           <p:cNvPr id="2" name="Titre 1">
             <a:extLst>
               <a:ext uri="{FF2B5EF4-FFF2-40B4-BE49-F238E27FC236}">
-                <a16:creationId xmlns:a16="http://schemas.microsoft.com/office/drawing/2014/main" id="{55ABA4E4-A23E-40CE-AB8E-679CF4039E89}"/>
+                <a16:creationId xmlns:a16="http://schemas.microsoft.com/office/drawing/2014/main" id="{4DD28A30-3E0D-4489-B8FB-CCA8D3C6ABD1}"/>
               </a:ext>
             </a:extLst>
           </p:cNvPr>
@@ -10786,17 +9136,22 @@
           <a:p>
             <a:r>
               <a:rPr lang="fr-FR" dirty="0"/>
-              <a:t>Objectifs du contrat</a:t>
-            </a:r>
-          </a:p>
-        </p:txBody>
-      </p:sp>
-      <p:sp>
-        <p:nvSpPr>
-          <p:cNvPr id="3" name="Espace réservé du numéro de diapositive 2">
+              <a:t>Risks - </a:t>
+            </a:r>
+            <a:r>
+              <a:rPr lang="fr-FR" dirty="0" err="1"/>
+              <a:t>Knowledge</a:t>
+            </a:r>
+            <a:endParaRPr lang="fr-FR" dirty="0"/>
+          </a:p>
+        </p:txBody>
+      </p:sp>
+      <p:sp>
+        <p:nvSpPr>
+          <p:cNvPr id="4" name="Espace réservé du numéro de diapositive 3">
             <a:extLst>
               <a:ext uri="{FF2B5EF4-FFF2-40B4-BE49-F238E27FC236}">
-                <a16:creationId xmlns:a16="http://schemas.microsoft.com/office/drawing/2014/main" id="{51FE214F-F842-466E-8126-E3A53BB0FF39}"/>
+                <a16:creationId xmlns:a16="http://schemas.microsoft.com/office/drawing/2014/main" id="{33A594AA-5349-46B5-A38A-CF2397517546}"/>
               </a:ext>
             </a:extLst>
           </p:cNvPr>
@@ -10822,10 +9177,10 @@
       </p:sp>
       <p:pic>
         <p:nvPicPr>
-          <p:cNvPr id="4" name="Image 3">
+          <p:cNvPr id="6" name="Image 5">
             <a:extLst>
               <a:ext uri="{FF2B5EF4-FFF2-40B4-BE49-F238E27FC236}">
-                <a16:creationId xmlns:a16="http://schemas.microsoft.com/office/drawing/2014/main" id="{DD4E3523-E511-4807-97A6-5F2DD135251D}"/>
+                <a16:creationId xmlns:a16="http://schemas.microsoft.com/office/drawing/2014/main" id="{9376B3C4-5AD1-4333-B874-2D0FF1F2CFBC}"/>
               </a:ext>
             </a:extLst>
           </p:cNvPr>
@@ -10835,25 +9190,125 @@
           <p:nvPr/>
         </p:nvPicPr>
         <p:blipFill>
-          <a:blip r:embed="rId2"/>
+          <a:blip r:embed="rId2">
+            <a:extLst>
+              <a:ext uri="{28A0092B-C50C-407E-A947-70E740481C1C}">
+                <a14:useLocalDpi xmlns:a14="http://schemas.microsoft.com/office/drawing/2010/main" val="0"/>
+              </a:ext>
+            </a:extLst>
+          </a:blip>
           <a:stretch>
             <a:fillRect/>
           </a:stretch>
         </p:blipFill>
         <p:spPr>
           <a:xfrm>
-            <a:off x="1968910" y="1632069"/>
-            <a:ext cx="5893056" cy="4353317"/>
+            <a:off x="-58908" y="3285713"/>
+            <a:ext cx="5953812" cy="3572287"/>
           </a:xfrm>
           <a:prstGeom prst="rect">
             <a:avLst/>
           </a:prstGeom>
         </p:spPr>
       </p:pic>
+      <p:pic>
+        <p:nvPicPr>
+          <p:cNvPr id="5122" name="Picture 2" descr="Image result for stackoverflow">
+            <a:extLst>
+              <a:ext uri="{FF2B5EF4-FFF2-40B4-BE49-F238E27FC236}">
+                <a16:creationId xmlns:a16="http://schemas.microsoft.com/office/drawing/2014/main" id="{6BFA0951-D561-4DBE-BE37-FFD753F70957}"/>
+              </a:ext>
+            </a:extLst>
+          </p:cNvPr>
+          <p:cNvPicPr>
+            <a:picLocks noChangeAspect="1" noChangeArrowheads="1"/>
+          </p:cNvPicPr>
+          <p:nvPr/>
+        </p:nvPicPr>
+        <p:blipFill>
+          <a:blip r:embed="rId3">
+            <a:extLst>
+              <a:ext uri="{28A0092B-C50C-407E-A947-70E740481C1C}">
+                <a14:useLocalDpi xmlns:a14="http://schemas.microsoft.com/office/drawing/2010/main" val="0"/>
+              </a:ext>
+            </a:extLst>
+          </a:blip>
+          <a:srcRect/>
+          <a:stretch>
+            <a:fillRect/>
+          </a:stretch>
+        </p:blipFill>
+        <p:spPr bwMode="auto">
+          <a:xfrm>
+            <a:off x="202726" y="907609"/>
+            <a:ext cx="6333455" cy="2052181"/>
+          </a:xfrm>
+          <a:prstGeom prst="rect">
+            <a:avLst/>
+          </a:prstGeom>
+          <a:noFill/>
+          <a:extLst>
+            <a:ext uri="{909E8E84-426E-40DD-AFC4-6F175D3DCCD1}">
+              <a14:hiddenFill xmlns:a14="http://schemas.microsoft.com/office/drawing/2010/main">
+                <a:solidFill>
+                  <a:srgbClr val="FFFFFF"/>
+                </a:solidFill>
+              </a14:hiddenFill>
+            </a:ext>
+          </a:extLst>
+        </p:spPr>
+      </p:pic>
+      <p:pic>
+        <p:nvPicPr>
+          <p:cNvPr id="5124" name="Picture 4" descr="Image result for Google">
+            <a:extLst>
+              <a:ext uri="{FF2B5EF4-FFF2-40B4-BE49-F238E27FC236}">
+                <a16:creationId xmlns:a16="http://schemas.microsoft.com/office/drawing/2014/main" id="{C8670E86-2FDC-4251-BF01-74F8EAAEBC02}"/>
+              </a:ext>
+            </a:extLst>
+          </p:cNvPr>
+          <p:cNvPicPr>
+            <a:picLocks noChangeAspect="1" noChangeArrowheads="1"/>
+          </p:cNvPicPr>
+          <p:nvPr/>
+        </p:nvPicPr>
+        <p:blipFill>
+          <a:blip r:embed="rId4">
+            <a:extLst>
+              <a:ext uri="{28A0092B-C50C-407E-A947-70E740481C1C}">
+                <a14:useLocalDpi xmlns:a14="http://schemas.microsoft.com/office/drawing/2010/main" val="0"/>
+              </a:ext>
+            </a:extLst>
+          </a:blip>
+          <a:srcRect/>
+          <a:stretch>
+            <a:fillRect/>
+          </a:stretch>
+        </p:blipFill>
+        <p:spPr bwMode="auto">
+          <a:xfrm>
+            <a:off x="6536181" y="2300139"/>
+            <a:ext cx="2980668" cy="2980668"/>
+          </a:xfrm>
+          <a:prstGeom prst="rect">
+            <a:avLst/>
+          </a:prstGeom>
+          <a:noFill/>
+          <a:extLst>
+            <a:ext uri="{909E8E84-426E-40DD-AFC4-6F175D3DCCD1}">
+              <a14:hiddenFill xmlns:a14="http://schemas.microsoft.com/office/drawing/2010/main">
+                <a:solidFill>
+                  <a:srgbClr val="FFFFFF"/>
+                </a:solidFill>
+              </a14:hiddenFill>
+            </a:ext>
+          </a:extLst>
+        </p:spPr>
+      </p:pic>
     </p:spTree>
     <p:extLst>
       <p:ext uri="{BB962C8B-B14F-4D97-AF65-F5344CB8AC3E}">
-        <p14:creationId xmlns:p14="http://schemas.microsoft.com/office/powerpoint/2010/main" val="416999845"/>
+        <p14:creationId xmlns:p14="http://schemas.microsoft.com/office/powerpoint/2010/main" val="3731471392"/>
       </p:ext>
     </p:extLst>
   </p:cSld>

--- a/Project Management.pptx
+++ b/Project Management.pptx
@@ -204,6 +204,11 @@
               </a:ln>
               <a:effectLst/>
             </c:spPr>
+            <c:extLst>
+              <c:ext xmlns:c16="http://schemas.microsoft.com/office/drawing/2014/chart" uri="{C3380CC4-5D6E-409C-BE32-E72D297353CC}">
+                <c16:uniqueId val="{00000001-09FD-42D1-9260-1AD44DD3185D}"/>
+              </c:ext>
+            </c:extLst>
           </c:dPt>
           <c:dPt>
             <c:idx val="1"/>
@@ -219,6 +224,11 @@
               </a:ln>
               <a:effectLst/>
             </c:spPr>
+            <c:extLst>
+              <c:ext xmlns:c16="http://schemas.microsoft.com/office/drawing/2014/chart" uri="{C3380CC4-5D6E-409C-BE32-E72D297353CC}">
+                <c16:uniqueId val="{00000003-09FD-42D1-9260-1AD44DD3185D}"/>
+              </c:ext>
+            </c:extLst>
           </c:dPt>
           <c:dLbls>
             <c:spPr>
@@ -7403,31 +7413,6 @@
       </p:sp>
       <p:sp>
         <p:nvSpPr>
-          <p:cNvPr id="3" name="Espace réservé du contenu 2">
-            <a:extLst>
-              <a:ext uri="{FF2B5EF4-FFF2-40B4-BE49-F238E27FC236}">
-                <a16:creationId xmlns:a16="http://schemas.microsoft.com/office/drawing/2014/main" id="{8736C9F6-F8E3-4568-801E-034B8979630B}"/>
-              </a:ext>
-            </a:extLst>
-          </p:cNvPr>
-          <p:cNvSpPr>
-            <a:spLocks noGrp="1"/>
-          </p:cNvSpPr>
-          <p:nvPr>
-            <p:ph idx="1"/>
-          </p:nvPr>
-        </p:nvSpPr>
-        <p:spPr/>
-        <p:txBody>
-          <a:bodyPr/>
-          <a:lstStyle/>
-          <a:p>
-            <a:endParaRPr lang="fr-FR"/>
-          </a:p>
-        </p:txBody>
-      </p:sp>
-      <p:sp>
-        <p:nvSpPr>
           <p:cNvPr id="4" name="Espace réservé du numéro de diapositive 3">
             <a:extLst>
               <a:ext uri="{FF2B5EF4-FFF2-40B4-BE49-F238E27FC236}">
@@ -7455,6 +7440,66 @@
           </a:p>
         </p:txBody>
       </p:sp>
+      <p:pic>
+        <p:nvPicPr>
+          <p:cNvPr id="5" name="Image 4">
+            <a:extLst>
+              <a:ext uri="{FF2B5EF4-FFF2-40B4-BE49-F238E27FC236}">
+                <a16:creationId xmlns:a16="http://schemas.microsoft.com/office/drawing/2014/main" id="{D5C75DD9-765A-4B85-860B-8E69F5818EF1}"/>
+              </a:ext>
+            </a:extLst>
+          </p:cNvPr>
+          <p:cNvPicPr>
+            <a:picLocks noChangeAspect="1"/>
+          </p:cNvPicPr>
+          <p:nvPr/>
+        </p:nvPicPr>
+        <p:blipFill>
+          <a:blip r:embed="rId2"/>
+          <a:stretch>
+            <a:fillRect/>
+          </a:stretch>
+        </p:blipFill>
+        <p:spPr>
+          <a:xfrm>
+            <a:off x="470405" y="1577770"/>
+            <a:ext cx="4895186" cy="4463592"/>
+          </a:xfrm>
+          <a:prstGeom prst="rect">
+            <a:avLst/>
+          </a:prstGeom>
+        </p:spPr>
+      </p:pic>
+      <p:pic>
+        <p:nvPicPr>
+          <p:cNvPr id="6" name="Image 5">
+            <a:extLst>
+              <a:ext uri="{FF2B5EF4-FFF2-40B4-BE49-F238E27FC236}">
+                <a16:creationId xmlns:a16="http://schemas.microsoft.com/office/drawing/2014/main" id="{56480CE9-2FC9-4EBE-8835-53F87E55410A}"/>
+              </a:ext>
+            </a:extLst>
+          </p:cNvPr>
+          <p:cNvPicPr>
+            <a:picLocks noChangeAspect="1"/>
+          </p:cNvPicPr>
+          <p:nvPr/>
+        </p:nvPicPr>
+        <p:blipFill>
+          <a:blip r:embed="rId3"/>
+          <a:stretch>
+            <a:fillRect/>
+          </a:stretch>
+        </p:blipFill>
+        <p:spPr>
+          <a:xfrm>
+            <a:off x="6188645" y="1577770"/>
+            <a:ext cx="4804036" cy="4463592"/>
+          </a:xfrm>
+          <a:prstGeom prst="rect">
+            <a:avLst/>
+          </a:prstGeom>
+        </p:spPr>
+      </p:pic>
     </p:spTree>
     <p:extLst>
       <p:ext uri="{BB962C8B-B14F-4D97-AF65-F5344CB8AC3E}">
@@ -7516,31 +7561,6 @@
       </p:sp>
       <p:sp>
         <p:nvSpPr>
-          <p:cNvPr id="3" name="Espace réservé du contenu 2">
-            <a:extLst>
-              <a:ext uri="{FF2B5EF4-FFF2-40B4-BE49-F238E27FC236}">
-                <a16:creationId xmlns:a16="http://schemas.microsoft.com/office/drawing/2014/main" id="{8736C9F6-F8E3-4568-801E-034B8979630B}"/>
-              </a:ext>
-            </a:extLst>
-          </p:cNvPr>
-          <p:cNvSpPr>
-            <a:spLocks noGrp="1"/>
-          </p:cNvSpPr>
-          <p:nvPr>
-            <p:ph idx="1"/>
-          </p:nvPr>
-        </p:nvSpPr>
-        <p:spPr/>
-        <p:txBody>
-          <a:bodyPr/>
-          <a:lstStyle/>
-          <a:p>
-            <a:endParaRPr lang="fr-FR"/>
-          </a:p>
-        </p:txBody>
-      </p:sp>
-      <p:sp>
-        <p:nvSpPr>
           <p:cNvPr id="4" name="Espace réservé du numéro de diapositive 3">
             <a:extLst>
               <a:ext uri="{FF2B5EF4-FFF2-40B4-BE49-F238E27FC236}">
@@ -7568,6 +7588,100 @@
           </a:p>
         </p:txBody>
       </p:sp>
+      <p:pic>
+        <p:nvPicPr>
+          <p:cNvPr id="1026" name="Picture 2" descr="https://cdn.lynda.com/courses/167027-636216270716646230_270x480_thumb.jpg">
+            <a:extLst>
+              <a:ext uri="{FF2B5EF4-FFF2-40B4-BE49-F238E27FC236}">
+                <a16:creationId xmlns:a16="http://schemas.microsoft.com/office/drawing/2014/main" id="{321FF3C2-A1D1-4C5A-AC15-E5B5DE690C0E}"/>
+              </a:ext>
+            </a:extLst>
+          </p:cNvPr>
+          <p:cNvPicPr>
+            <a:picLocks noChangeAspect="1" noChangeArrowheads="1"/>
+          </p:cNvPicPr>
+          <p:nvPr/>
+        </p:nvPicPr>
+        <p:blipFill>
+          <a:blip r:embed="rId2">
+            <a:extLst>
+              <a:ext uri="{28A0092B-C50C-407E-A947-70E740481C1C}">
+                <a14:useLocalDpi xmlns:a14="http://schemas.microsoft.com/office/drawing/2010/main" val="0"/>
+              </a:ext>
+            </a:extLst>
+          </a:blip>
+          <a:srcRect/>
+          <a:stretch>
+            <a:fillRect/>
+          </a:stretch>
+        </p:blipFill>
+        <p:spPr bwMode="auto">
+          <a:xfrm>
+            <a:off x="451090" y="2342626"/>
+            <a:ext cx="4856201" cy="2731613"/>
+          </a:xfrm>
+          <a:prstGeom prst="rect">
+            <a:avLst/>
+          </a:prstGeom>
+          <a:noFill/>
+          <a:extLst>
+            <a:ext uri="{909E8E84-426E-40DD-AFC4-6F175D3DCCD1}">
+              <a14:hiddenFill xmlns:a14="http://schemas.microsoft.com/office/drawing/2010/main">
+                <a:solidFill>
+                  <a:srgbClr val="FFFFFF"/>
+                </a:solidFill>
+              </a14:hiddenFill>
+            </a:ext>
+          </a:extLst>
+        </p:spPr>
+      </p:pic>
+      <p:pic>
+        <p:nvPicPr>
+          <p:cNvPr id="1028" name="Picture 4" descr="https://cdn.lynda.com/course/167028/167028-636270898004155242-16x9.jpg">
+            <a:extLst>
+              <a:ext uri="{FF2B5EF4-FFF2-40B4-BE49-F238E27FC236}">
+                <a16:creationId xmlns:a16="http://schemas.microsoft.com/office/drawing/2014/main" id="{BC5A28F2-1D89-4946-8849-B52CB6FEDF4B}"/>
+              </a:ext>
+            </a:extLst>
+          </p:cNvPr>
+          <p:cNvPicPr>
+            <a:picLocks noChangeAspect="1" noChangeArrowheads="1"/>
+          </p:cNvPicPr>
+          <p:nvPr/>
+        </p:nvPicPr>
+        <p:blipFill>
+          <a:blip r:embed="rId3">
+            <a:extLst>
+              <a:ext uri="{28A0092B-C50C-407E-A947-70E740481C1C}">
+                <a14:useLocalDpi xmlns:a14="http://schemas.microsoft.com/office/drawing/2010/main" val="0"/>
+              </a:ext>
+            </a:extLst>
+          </a:blip>
+          <a:srcRect/>
+          <a:stretch>
+            <a:fillRect/>
+          </a:stretch>
+        </p:blipFill>
+        <p:spPr bwMode="auto">
+          <a:xfrm>
+            <a:off x="6096000" y="2205951"/>
+            <a:ext cx="5342153" cy="3004961"/>
+          </a:xfrm>
+          <a:prstGeom prst="rect">
+            <a:avLst/>
+          </a:prstGeom>
+          <a:noFill/>
+          <a:extLst>
+            <a:ext uri="{909E8E84-426E-40DD-AFC4-6F175D3DCCD1}">
+              <a14:hiddenFill xmlns:a14="http://schemas.microsoft.com/office/drawing/2010/main">
+                <a:solidFill>
+                  <a:srgbClr val="FFFFFF"/>
+                </a:solidFill>
+              </a14:hiddenFill>
+            </a:ext>
+          </a:extLst>
+        </p:spPr>
+      </p:pic>
     </p:spTree>
     <p:extLst>
       <p:ext uri="{BB962C8B-B14F-4D97-AF65-F5344CB8AC3E}">
@@ -8391,13 +8505,8 @@
           <a:p>
             <a:r>
               <a:rPr lang="en-US" dirty="0"/>
-              <a:t>: BDE Website </a:t>
-            </a:r>
-            <a:r>
-              <a:rPr lang="en-US" dirty="0" err="1"/>
-              <a:t>exemple</a:t>
-            </a:r>
-            <a:endParaRPr lang="en-US" dirty="0"/>
+              <a:t>: BDE Website example</a:t>
+            </a:r>
           </a:p>
         </p:txBody>
       </p:sp>

--- a/Project Management.pptx
+++ b/Project Management.pptx
@@ -10,8 +10,8 @@
   <p:sldIdLst>
     <p:sldId id="256" r:id="rId2"/>
     <p:sldId id="257" r:id="rId3"/>
-    <p:sldId id="277" r:id="rId4"/>
-    <p:sldId id="268" r:id="rId5"/>
+    <p:sldId id="268" r:id="rId4"/>
+    <p:sldId id="277" r:id="rId5"/>
     <p:sldId id="269" r:id="rId6"/>
     <p:sldId id="270" r:id="rId7"/>
     <p:sldId id="271" r:id="rId8"/>
@@ -1058,7 +1058,7 @@
           <a:p>
             <a:fld id="{9C9A06B4-3DCC-4F58-A15F-AA22D9ACE553}" type="datetimeFigureOut">
               <a:rPr lang="fr-FR" smtClean="0"/>
-              <a:t>16/04/2018</a:t>
+              <a:t>17/04/2018</a:t>
             </a:fld>
             <a:endParaRPr lang="fr-FR"/>
           </a:p>
@@ -2068,7 +2068,7 @@
           <a:p>
             <a:fld id="{40529B1F-C27C-4B23-B3BE-41905658AD5D}" type="datetime1">
               <a:rPr lang="fr-FR" smtClean="0"/>
-              <a:t>16/04/2018</a:t>
+              <a:t>17/04/2018</a:t>
             </a:fld>
             <a:endParaRPr lang="fr-FR"/>
           </a:p>
@@ -2319,7 +2319,7 @@
           <a:p>
             <a:fld id="{7404385A-D797-4A53-81D6-B5F3D882D474}" type="datetime1">
               <a:rPr lang="fr-FR" smtClean="0"/>
-              <a:t>16/04/2018</a:t>
+              <a:t>17/04/2018</a:t>
             </a:fld>
             <a:endParaRPr lang="fr-FR"/>
           </a:p>
@@ -2633,7 +2633,7 @@
           <a:p>
             <a:fld id="{F0ED1E8E-A90B-40ED-877D-6A21F7291D35}" type="datetime1">
               <a:rPr lang="fr-FR" smtClean="0"/>
-              <a:t>16/04/2018</a:t>
+              <a:t>17/04/2018</a:t>
             </a:fld>
             <a:endParaRPr lang="fr-FR"/>
           </a:p>
@@ -2960,7 +2960,7 @@
           <a:p>
             <a:fld id="{C0648B64-C6AB-49F8-BDCD-352D25C2BD25}" type="datetime1">
               <a:rPr lang="fr-FR" smtClean="0"/>
-              <a:t>16/04/2018</a:t>
+              <a:t>17/04/2018</a:t>
             </a:fld>
             <a:endParaRPr lang="fr-FR"/>
           </a:p>
@@ -3274,7 +3274,7 @@
           <a:p>
             <a:fld id="{43CB025A-C58A-4728-B194-897ABCB5920A}" type="datetime1">
               <a:rPr lang="fr-FR" smtClean="0"/>
-              <a:t>16/04/2018</a:t>
+              <a:t>17/04/2018</a:t>
             </a:fld>
             <a:endParaRPr lang="fr-FR"/>
           </a:p>
@@ -3661,7 +3661,7 @@
           <a:p>
             <a:fld id="{DB67F274-DECB-46A7-BBC1-9F6B5CEC535A}" type="datetime1">
               <a:rPr lang="fr-FR" smtClean="0"/>
-              <a:t>16/04/2018</a:t>
+              <a:t>17/04/2018</a:t>
             </a:fld>
             <a:endParaRPr lang="fr-FR"/>
           </a:p>
@@ -3831,7 +3831,7 @@
           <a:p>
             <a:fld id="{4DB2D6E0-8DA0-4E17-B1AB-E7FA9D213A03}" type="datetime1">
               <a:rPr lang="fr-FR" smtClean="0"/>
-              <a:t>16/04/2018</a:t>
+              <a:t>17/04/2018</a:t>
             </a:fld>
             <a:endParaRPr lang="fr-FR"/>
           </a:p>
@@ -4011,7 +4011,7 @@
           <a:p>
             <a:fld id="{A94A31D0-BD6D-4E49-80A3-7BEDB00205B0}" type="datetime1">
               <a:rPr lang="fr-FR" smtClean="0"/>
-              <a:t>16/04/2018</a:t>
+              <a:t>17/04/2018</a:t>
             </a:fld>
             <a:endParaRPr lang="fr-FR"/>
           </a:p>
@@ -4187,7 +4187,7 @@
           <a:p>
             <a:fld id="{D3320C03-3F1A-4EEA-BD39-44333ED8A4F7}" type="datetime1">
               <a:rPr lang="fr-FR" smtClean="0"/>
-              <a:t>16/04/2018</a:t>
+              <a:t>17/04/2018</a:t>
             </a:fld>
             <a:endParaRPr lang="fr-FR"/>
           </a:p>
@@ -4434,7 +4434,7 @@
           <a:p>
             <a:fld id="{BEAC7541-7250-4DE1-9E12-1F5DCA2D4795}" type="datetime1">
               <a:rPr lang="fr-FR" smtClean="0"/>
-              <a:t>16/04/2018</a:t>
+              <a:t>17/04/2018</a:t>
             </a:fld>
             <a:endParaRPr lang="fr-FR"/>
           </a:p>
@@ -4666,7 +4666,7 @@
           <a:p>
             <a:fld id="{379B32C4-1436-4F95-A36B-1B37361CD94C}" type="datetime1">
               <a:rPr lang="fr-FR" smtClean="0"/>
-              <a:t>16/04/2018</a:t>
+              <a:t>17/04/2018</a:t>
             </a:fld>
             <a:endParaRPr lang="fr-FR"/>
           </a:p>
@@ -5040,7 +5040,7 @@
           <a:p>
             <a:fld id="{E99F59B1-4B59-455E-9050-891673957A7D}" type="datetime1">
               <a:rPr lang="fr-FR" smtClean="0"/>
-              <a:t>16/04/2018</a:t>
+              <a:t>17/04/2018</a:t>
             </a:fld>
             <a:endParaRPr lang="fr-FR"/>
           </a:p>
@@ -5163,7 +5163,7 @@
           <a:p>
             <a:fld id="{2FE0031A-0058-46A3-B913-911EA595CCB3}" type="datetime1">
               <a:rPr lang="fr-FR" smtClean="0"/>
-              <a:t>16/04/2018</a:t>
+              <a:t>17/04/2018</a:t>
             </a:fld>
             <a:endParaRPr lang="fr-FR"/>
           </a:p>
@@ -5258,7 +5258,7 @@
           <a:p>
             <a:fld id="{7774076D-8A75-4182-A737-926C86D590BA}" type="datetime1">
               <a:rPr lang="fr-FR" smtClean="0"/>
-              <a:t>16/04/2018</a:t>
+              <a:t>17/04/2018</a:t>
             </a:fld>
             <a:endParaRPr lang="fr-FR"/>
           </a:p>
@@ -5513,7 +5513,7 @@
           <a:p>
             <a:fld id="{D19B65F7-8E7C-44FE-989D-ACFA1CE49E65}" type="datetime1">
               <a:rPr lang="fr-FR" smtClean="0"/>
-              <a:t>16/04/2018</a:t>
+              <a:t>17/04/2018</a:t>
             </a:fld>
             <a:endParaRPr lang="fr-FR"/>
           </a:p>
@@ -5776,7 +5776,7 @@
           <a:p>
             <a:fld id="{DC910EE1-570B-49F1-B0F7-C4064D5413AA}" type="datetime1">
               <a:rPr lang="fr-FR" smtClean="0"/>
-              <a:t>16/04/2018</a:t>
+              <a:t>17/04/2018</a:t>
             </a:fld>
             <a:endParaRPr lang="fr-FR"/>
           </a:p>
@@ -6521,7 +6521,7 @@
           <a:p>
             <a:fld id="{86A6A5FA-E15C-4C32-8A58-1B8944A16E83}" type="datetime1">
               <a:rPr lang="fr-FR" smtClean="0"/>
-              <a:t>16/04/2018</a:t>
+              <a:t>17/04/2018</a:t>
             </a:fld>
             <a:endParaRPr lang="fr-FR"/>
           </a:p>
@@ -7196,7 +7196,7 @@
             </a:r>
             <a:r>
               <a:rPr lang="en-US" dirty="0"/>
-              <a:t>achieved</a:t>
+              <a:t>done</a:t>
             </a:r>
             <a:br>
               <a:rPr lang="en-US" dirty="0"/>
@@ -7277,7 +7277,7 @@
         <p:spPr>
           <a:xfrm>
             <a:off x="6509494" y="4742935"/>
-            <a:ext cx="2582823" cy="369332"/>
+            <a:ext cx="3259290" cy="369332"/>
           </a:xfrm>
           <a:prstGeom prst="rect">
             <a:avLst/>
@@ -7300,7 +7300,15 @@
             </a:r>
             <a:r>
               <a:rPr lang="fr-FR" dirty="0"/>
-              <a:t> to end : ~25h</a:t>
+              <a:t> </a:t>
+            </a:r>
+            <a:r>
+              <a:rPr lang="fr-FR" dirty="0" err="1"/>
+              <a:t>until</a:t>
+            </a:r>
+            <a:r>
+              <a:rPr lang="fr-FR" dirty="0"/>
+              <a:t> the end: ~25h</a:t>
             </a:r>
           </a:p>
         </p:txBody>
@@ -7859,8 +7867,8 @@
           <a:lstStyle/>
           <a:p>
             <a:r>
-              <a:rPr lang="fr-FR" dirty="0"/>
-              <a:t>Sommaire</a:t>
+              <a:rPr lang="en-US" dirty="0"/>
+              <a:t>Summary</a:t>
             </a:r>
           </a:p>
         </p:txBody>
@@ -7954,7 +7962,7 @@
             </a:r>
             <a:r>
               <a:rPr lang="en-US" dirty="0"/>
-              <a:t>achieved</a:t>
+              <a:t>done</a:t>
             </a:r>
           </a:p>
           <a:p>
@@ -8035,6 +8043,241 @@
           <p:cNvPr id="2" name="Titre 1">
             <a:extLst>
               <a:ext uri="{FF2B5EF4-FFF2-40B4-BE49-F238E27FC236}">
+                <a16:creationId xmlns:a16="http://schemas.microsoft.com/office/drawing/2014/main" id="{4DD28A30-3E0D-4489-B8FB-CCA8D3C6ABD1}"/>
+              </a:ext>
+            </a:extLst>
+          </p:cNvPr>
+          <p:cNvSpPr>
+            <a:spLocks noGrp="1"/>
+          </p:cNvSpPr>
+          <p:nvPr>
+            <p:ph type="title"/>
+          </p:nvPr>
+        </p:nvSpPr>
+        <p:spPr/>
+        <p:txBody>
+          <a:bodyPr/>
+          <a:lstStyle/>
+          <a:p>
+            <a:r>
+              <a:rPr lang="fr-FR" dirty="0" err="1"/>
+              <a:t>Context</a:t>
+            </a:r>
+            <a:br>
+              <a:rPr lang="fr-FR" dirty="0"/>
+            </a:br>
+            <a:endParaRPr lang="fr-FR" dirty="0"/>
+          </a:p>
+        </p:txBody>
+      </p:sp>
+      <p:sp>
+        <p:nvSpPr>
+          <p:cNvPr id="4" name="Espace réservé du numéro de diapositive 3">
+            <a:extLst>
+              <a:ext uri="{FF2B5EF4-FFF2-40B4-BE49-F238E27FC236}">
+                <a16:creationId xmlns:a16="http://schemas.microsoft.com/office/drawing/2014/main" id="{33A594AA-5349-46B5-A38A-CF2397517546}"/>
+              </a:ext>
+            </a:extLst>
+          </p:cNvPr>
+          <p:cNvSpPr>
+            <a:spLocks noGrp="1"/>
+          </p:cNvSpPr>
+          <p:nvPr>
+            <p:ph type="sldNum" sz="quarter" idx="12"/>
+          </p:nvPr>
+        </p:nvSpPr>
+        <p:spPr/>
+        <p:txBody>
+          <a:bodyPr/>
+          <a:lstStyle/>
+          <a:p>
+            <a:fld id="{20349530-0765-43BE-AE06-F37D29958822}" type="slidenum">
+              <a:rPr lang="fr-FR" smtClean="0"/>
+              <a:t>3</a:t>
+            </a:fld>
+            <a:endParaRPr lang="fr-FR"/>
+          </a:p>
+        </p:txBody>
+      </p:sp>
+      <p:pic>
+        <p:nvPicPr>
+          <p:cNvPr id="5" name="Picture 2" descr="Résultat de recherche d'images pour &quot;BDE CESI EXIA&quot;">
+            <a:hlinkClick r:id="rId2"/>
+            <a:extLst>
+              <a:ext uri="{FF2B5EF4-FFF2-40B4-BE49-F238E27FC236}">
+                <a16:creationId xmlns:a16="http://schemas.microsoft.com/office/drawing/2014/main" id="{E1237AD6-CF79-4395-A64D-109193255E97}"/>
+              </a:ext>
+            </a:extLst>
+          </p:cNvPr>
+          <p:cNvPicPr/>
+          <p:nvPr/>
+        </p:nvPicPr>
+        <p:blipFill>
+          <a:blip r:embed="rId3" cstate="print">
+            <a:extLst>
+              <a:ext uri="{28A0092B-C50C-407E-A947-70E740481C1C}">
+                <a14:useLocalDpi xmlns:a14="http://schemas.microsoft.com/office/drawing/2010/main" val="0"/>
+              </a:ext>
+            </a:extLst>
+          </a:blip>
+          <a:srcRect/>
+          <a:stretch>
+            <a:fillRect/>
+          </a:stretch>
+        </p:blipFill>
+        <p:spPr bwMode="auto">
+          <a:xfrm>
+            <a:off x="1589417" y="3269478"/>
+            <a:ext cx="5739765" cy="3228975"/>
+          </a:xfrm>
+          <a:prstGeom prst="rect">
+            <a:avLst/>
+          </a:prstGeom>
+          <a:noFill/>
+          <a:extLst/>
+        </p:spPr>
+      </p:pic>
+      <p:sp>
+        <p:nvSpPr>
+          <p:cNvPr id="6" name="ZoneTexte 5">
+            <a:extLst>
+              <a:ext uri="{FF2B5EF4-FFF2-40B4-BE49-F238E27FC236}">
+                <a16:creationId xmlns:a16="http://schemas.microsoft.com/office/drawing/2014/main" id="{7F5947FB-EDD6-4152-AD63-5B69CF0D5DDA}"/>
+              </a:ext>
+            </a:extLst>
+          </p:cNvPr>
+          <p:cNvSpPr txBox="1"/>
+          <p:nvPr/>
+        </p:nvSpPr>
+        <p:spPr>
+          <a:xfrm>
+            <a:off x="1743695" y="1636677"/>
+            <a:ext cx="2241319" cy="369332"/>
+          </a:xfrm>
+          <a:prstGeom prst="rect">
+            <a:avLst/>
+          </a:prstGeom>
+          <a:noFill/>
+        </p:spPr>
+        <p:txBody>
+          <a:bodyPr wrap="none" rtlCol="0">
+            <a:spAutoFit/>
+          </a:bodyPr>
+          <a:lstStyle/>
+          <a:p>
+            <a:r>
+              <a:rPr lang="en-US" dirty="0"/>
+              <a:t>Our navigation bar :</a:t>
+            </a:r>
+          </a:p>
+        </p:txBody>
+      </p:sp>
+      <p:pic>
+        <p:nvPicPr>
+          <p:cNvPr id="9" name="Image 8">
+            <a:extLst>
+              <a:ext uri="{FF2B5EF4-FFF2-40B4-BE49-F238E27FC236}">
+                <a16:creationId xmlns:a16="http://schemas.microsoft.com/office/drawing/2014/main" id="{09401A67-1BDE-4B12-952C-EDF259F8D33A}"/>
+              </a:ext>
+            </a:extLst>
+          </p:cNvPr>
+          <p:cNvPicPr>
+            <a:picLocks noChangeAspect="1"/>
+          </p:cNvPicPr>
+          <p:nvPr/>
+        </p:nvPicPr>
+        <p:blipFill>
+          <a:blip r:embed="rId4">
+            <a:extLst>
+              <a:ext uri="{28A0092B-C50C-407E-A947-70E740481C1C}">
+                <a14:useLocalDpi xmlns:a14="http://schemas.microsoft.com/office/drawing/2010/main" val="0"/>
+              </a:ext>
+            </a:extLst>
+          </a:blip>
+          <a:stretch>
+            <a:fillRect/>
+          </a:stretch>
+        </p:blipFill>
+        <p:spPr>
+          <a:xfrm>
+            <a:off x="4279506" y="1681117"/>
+            <a:ext cx="4752019" cy="1096205"/>
+          </a:xfrm>
+          <a:prstGeom prst="rect">
+            <a:avLst/>
+          </a:prstGeom>
+        </p:spPr>
+      </p:pic>
+      <p:sp>
+        <p:nvSpPr>
+          <p:cNvPr id="10" name="ZoneTexte 9">
+            <a:extLst>
+              <a:ext uri="{FF2B5EF4-FFF2-40B4-BE49-F238E27FC236}">
+                <a16:creationId xmlns:a16="http://schemas.microsoft.com/office/drawing/2014/main" id="{FC917E9B-FD77-499A-BD41-E736F1343F20}"/>
+              </a:ext>
+            </a:extLst>
+          </p:cNvPr>
+          <p:cNvSpPr txBox="1"/>
+          <p:nvPr/>
+        </p:nvSpPr>
+        <p:spPr>
+          <a:xfrm>
+            <a:off x="7526060" y="5221323"/>
+            <a:ext cx="2572179" cy="369332"/>
+          </a:xfrm>
+          <a:prstGeom prst="rect">
+            <a:avLst/>
+          </a:prstGeom>
+          <a:noFill/>
+        </p:spPr>
+        <p:txBody>
+          <a:bodyPr wrap="none" rtlCol="0">
+            <a:spAutoFit/>
+          </a:bodyPr>
+          <a:lstStyle/>
+          <a:p>
+            <a:r>
+              <a:rPr lang="en-US" dirty="0"/>
+              <a:t>: BDE Website example</a:t>
+            </a:r>
+          </a:p>
+        </p:txBody>
+      </p:sp>
+    </p:spTree>
+    <p:extLst>
+      <p:ext uri="{BB962C8B-B14F-4D97-AF65-F5344CB8AC3E}">
+        <p14:creationId xmlns:p14="http://schemas.microsoft.com/office/powerpoint/2010/main" val="2232710690"/>
+      </p:ext>
+    </p:extLst>
+  </p:cSld>
+  <p:clrMapOvr>
+    <a:masterClrMapping/>
+  </p:clrMapOvr>
+</p:sld>
+</file>
+
+<file path=ppt/slides/slide4.xml><?xml version="1.0" encoding="utf-8"?>
+<p:sld xmlns:a="http://schemas.openxmlformats.org/drawingml/2006/main" xmlns:r="http://schemas.openxmlformats.org/officeDocument/2006/relationships" xmlns:p="http://schemas.openxmlformats.org/presentationml/2006/main">
+  <p:cSld>
+    <p:spTree>
+      <p:nvGrpSpPr>
+        <p:cNvPr id="1" name=""/>
+        <p:cNvGrpSpPr/>
+        <p:nvPr/>
+      </p:nvGrpSpPr>
+      <p:grpSpPr>
+        <a:xfrm>
+          <a:off x="0" y="0"/>
+          <a:ext cx="0" cy="0"/>
+          <a:chOff x="0" y="0"/>
+          <a:chExt cx="0" cy="0"/>
+        </a:xfrm>
+      </p:grpSpPr>
+      <p:sp>
+        <p:nvSpPr>
+          <p:cNvPr id="2" name="Titre 1">
+            <a:extLst>
+              <a:ext uri="{FF2B5EF4-FFF2-40B4-BE49-F238E27FC236}">
                 <a16:creationId xmlns:a16="http://schemas.microsoft.com/office/drawing/2014/main" id="{F121EAEF-3D39-436C-B748-4B9CD05CCEFA}"/>
               </a:ext>
             </a:extLst>
@@ -8046,7 +8289,12 @@
             <p:ph type="title"/>
           </p:nvPr>
         </p:nvSpPr>
-        <p:spPr/>
+        <p:spPr>
+          <a:xfrm>
+            <a:off x="677334" y="610534"/>
+            <a:ext cx="8596668" cy="1320800"/>
+          </a:xfrm>
+        </p:spPr>
         <p:txBody>
           <a:bodyPr/>
           <a:lstStyle/>
@@ -8074,14 +8322,19 @@
             <p:ph type="sldNum" sz="quarter" idx="12"/>
           </p:nvPr>
         </p:nvSpPr>
-        <p:spPr/>
+        <p:spPr>
+          <a:xfrm>
+            <a:off x="8590663" y="6041362"/>
+            <a:ext cx="683339" cy="365125"/>
+          </a:xfrm>
+        </p:spPr>
         <p:txBody>
           <a:bodyPr/>
           <a:lstStyle/>
           <a:p>
             <a:fld id="{20349530-0765-43BE-AE06-F37D29958822}" type="slidenum">
               <a:rPr lang="fr-FR" smtClean="0"/>
-              <a:t>3</a:t>
+              <a:t>4</a:t>
             </a:fld>
             <a:endParaRPr lang="fr-FR"/>
           </a:p>
@@ -8116,8 +8369,8 @@
         </p:blipFill>
         <p:spPr bwMode="auto">
           <a:xfrm>
-            <a:off x="6905024" y="2029715"/>
-            <a:ext cx="1407319" cy="1573247"/>
+            <a:off x="2717492" y="2233020"/>
+            <a:ext cx="839119" cy="938054"/>
           </a:xfrm>
           <a:prstGeom prst="rect">
             <a:avLst/>
@@ -8163,8 +8416,8 @@
         </p:blipFill>
         <p:spPr bwMode="auto">
           <a:xfrm>
-            <a:off x="5637639" y="4281668"/>
-            <a:ext cx="3093676" cy="1291865"/>
+            <a:off x="1910361" y="3883660"/>
+            <a:ext cx="1844616" cy="770279"/>
           </a:xfrm>
           <a:prstGeom prst="rect">
             <a:avLst/>
@@ -8210,8 +8463,8 @@
         </p:blipFill>
         <p:spPr bwMode="auto">
           <a:xfrm>
-            <a:off x="2525868" y="1738763"/>
-            <a:ext cx="1491359" cy="1864199"/>
+            <a:off x="360812" y="2146280"/>
+            <a:ext cx="889228" cy="1111535"/>
           </a:xfrm>
           <a:prstGeom prst="rect">
             <a:avLst/>
@@ -8257,8 +8510,8 @@
         </p:blipFill>
         <p:spPr bwMode="auto">
           <a:xfrm>
-            <a:off x="2382138" y="3602962"/>
-            <a:ext cx="2438400" cy="2438400"/>
+            <a:off x="255304" y="3472762"/>
+            <a:ext cx="1453905" cy="1453905"/>
           </a:xfrm>
           <a:prstGeom prst="rect">
             <a:avLst/>
@@ -8275,176 +8528,12 @@
           </a:extLst>
         </p:spPr>
       </p:pic>
-    </p:spTree>
-    <p:extLst>
-      <p:ext uri="{BB962C8B-B14F-4D97-AF65-F5344CB8AC3E}">
-        <p14:creationId xmlns:p14="http://schemas.microsoft.com/office/powerpoint/2010/main" val="1085475483"/>
-      </p:ext>
-    </p:extLst>
-  </p:cSld>
-  <p:clrMapOvr>
-    <a:masterClrMapping/>
-  </p:clrMapOvr>
-</p:sld>
-</file>
-
-<file path=ppt/slides/slide4.xml><?xml version="1.0" encoding="utf-8"?>
-<p:sld xmlns:a="http://schemas.openxmlformats.org/drawingml/2006/main" xmlns:r="http://schemas.openxmlformats.org/officeDocument/2006/relationships" xmlns:p="http://schemas.openxmlformats.org/presentationml/2006/main">
-  <p:cSld>
-    <p:spTree>
-      <p:nvGrpSpPr>
-        <p:cNvPr id="1" name=""/>
-        <p:cNvGrpSpPr/>
-        <p:nvPr/>
-      </p:nvGrpSpPr>
-      <p:grpSpPr>
-        <a:xfrm>
-          <a:off x="0" y="0"/>
-          <a:ext cx="0" cy="0"/>
-          <a:chOff x="0" y="0"/>
-          <a:chExt cx="0" cy="0"/>
-        </a:xfrm>
-      </p:grpSpPr>
-      <p:sp>
-        <p:nvSpPr>
-          <p:cNvPr id="2" name="Titre 1">
+      <p:pic>
+        <p:nvPicPr>
+          <p:cNvPr id="3" name="Image 2">
             <a:extLst>
               <a:ext uri="{FF2B5EF4-FFF2-40B4-BE49-F238E27FC236}">
-                <a16:creationId xmlns:a16="http://schemas.microsoft.com/office/drawing/2014/main" id="{4DD28A30-3E0D-4489-B8FB-CCA8D3C6ABD1}"/>
-              </a:ext>
-            </a:extLst>
-          </p:cNvPr>
-          <p:cNvSpPr>
-            <a:spLocks noGrp="1"/>
-          </p:cNvSpPr>
-          <p:nvPr>
-            <p:ph type="title"/>
-          </p:nvPr>
-        </p:nvSpPr>
-        <p:spPr/>
-        <p:txBody>
-          <a:bodyPr/>
-          <a:lstStyle/>
-          <a:p>
-            <a:r>
-              <a:rPr lang="fr-FR" dirty="0" err="1"/>
-              <a:t>Context</a:t>
-            </a:r>
-            <a:br>
-              <a:rPr lang="fr-FR" dirty="0"/>
-            </a:br>
-            <a:endParaRPr lang="fr-FR" dirty="0"/>
-          </a:p>
-        </p:txBody>
-      </p:sp>
-      <p:sp>
-        <p:nvSpPr>
-          <p:cNvPr id="4" name="Espace réservé du numéro de diapositive 3">
-            <a:extLst>
-              <a:ext uri="{FF2B5EF4-FFF2-40B4-BE49-F238E27FC236}">
-                <a16:creationId xmlns:a16="http://schemas.microsoft.com/office/drawing/2014/main" id="{33A594AA-5349-46B5-A38A-CF2397517546}"/>
-              </a:ext>
-            </a:extLst>
-          </p:cNvPr>
-          <p:cNvSpPr>
-            <a:spLocks noGrp="1"/>
-          </p:cNvSpPr>
-          <p:nvPr>
-            <p:ph type="sldNum" sz="quarter" idx="12"/>
-          </p:nvPr>
-        </p:nvSpPr>
-        <p:spPr/>
-        <p:txBody>
-          <a:bodyPr/>
-          <a:lstStyle/>
-          <a:p>
-            <a:fld id="{20349530-0765-43BE-AE06-F37D29958822}" type="slidenum">
-              <a:rPr lang="fr-FR" smtClean="0"/>
-              <a:t>4</a:t>
-            </a:fld>
-            <a:endParaRPr lang="fr-FR"/>
-          </a:p>
-        </p:txBody>
-      </p:sp>
-      <p:pic>
-        <p:nvPicPr>
-          <p:cNvPr id="5" name="Picture 2" descr="Résultat de recherche d'images pour &quot;BDE CESI EXIA&quot;">
-            <a:hlinkClick r:id="rId2"/>
-            <a:extLst>
-              <a:ext uri="{FF2B5EF4-FFF2-40B4-BE49-F238E27FC236}">
-                <a16:creationId xmlns:a16="http://schemas.microsoft.com/office/drawing/2014/main" id="{E1237AD6-CF79-4395-A64D-109193255E97}"/>
-              </a:ext>
-            </a:extLst>
-          </p:cNvPr>
-          <p:cNvPicPr/>
-          <p:nvPr/>
-        </p:nvPicPr>
-        <p:blipFill>
-          <a:blip r:embed="rId3" cstate="print">
-            <a:extLst>
-              <a:ext uri="{28A0092B-C50C-407E-A947-70E740481C1C}">
-                <a14:useLocalDpi xmlns:a14="http://schemas.microsoft.com/office/drawing/2010/main" val="0"/>
-              </a:ext>
-            </a:extLst>
-          </a:blip>
-          <a:srcRect/>
-          <a:stretch>
-            <a:fillRect/>
-          </a:stretch>
-        </p:blipFill>
-        <p:spPr bwMode="auto">
-          <a:xfrm>
-            <a:off x="1589417" y="3269478"/>
-            <a:ext cx="5739765" cy="3228975"/>
-          </a:xfrm>
-          <a:prstGeom prst="rect">
-            <a:avLst/>
-          </a:prstGeom>
-          <a:noFill/>
-          <a:extLst/>
-        </p:spPr>
-      </p:pic>
-      <p:sp>
-        <p:nvSpPr>
-          <p:cNvPr id="6" name="ZoneTexte 5">
-            <a:extLst>
-              <a:ext uri="{FF2B5EF4-FFF2-40B4-BE49-F238E27FC236}">
-                <a16:creationId xmlns:a16="http://schemas.microsoft.com/office/drawing/2014/main" id="{7F5947FB-EDD6-4152-AD63-5B69CF0D5DDA}"/>
-              </a:ext>
-            </a:extLst>
-          </p:cNvPr>
-          <p:cNvSpPr txBox="1"/>
-          <p:nvPr/>
-        </p:nvSpPr>
-        <p:spPr>
-          <a:xfrm>
-            <a:off x="1743695" y="1636677"/>
-            <a:ext cx="2241319" cy="369332"/>
-          </a:xfrm>
-          <a:prstGeom prst="rect">
-            <a:avLst/>
-          </a:prstGeom>
-          <a:noFill/>
-        </p:spPr>
-        <p:txBody>
-          <a:bodyPr wrap="none" rtlCol="0">
-            <a:spAutoFit/>
-          </a:bodyPr>
-          <a:lstStyle/>
-          <a:p>
-            <a:r>
-              <a:rPr lang="en-US" dirty="0"/>
-              <a:t>Our navigation bar :</a:t>
-            </a:r>
-          </a:p>
-        </p:txBody>
-      </p:sp>
-      <p:pic>
-        <p:nvPicPr>
-          <p:cNvPr id="9" name="Image 8">
-            <a:extLst>
-              <a:ext uri="{FF2B5EF4-FFF2-40B4-BE49-F238E27FC236}">
-                <a16:creationId xmlns:a16="http://schemas.microsoft.com/office/drawing/2014/main" id="{09401A67-1BDE-4B12-952C-EDF259F8D33A}"/>
+                <a16:creationId xmlns:a16="http://schemas.microsoft.com/office/drawing/2014/main" id="{81518286-4799-42DA-A721-2D6E6EF87D49}"/>
               </a:ext>
             </a:extLst>
           </p:cNvPr>
@@ -8453,22 +8542,15 @@
           </p:cNvPicPr>
           <p:nvPr/>
         </p:nvPicPr>
-        <p:blipFill>
-          <a:blip r:embed="rId4">
-            <a:extLst>
-              <a:ext uri="{28A0092B-C50C-407E-A947-70E740481C1C}">
-                <a14:useLocalDpi xmlns:a14="http://schemas.microsoft.com/office/drawing/2010/main" val="0"/>
-              </a:ext>
-            </a:extLst>
-          </a:blip>
-          <a:stretch>
-            <a:fillRect/>
-          </a:stretch>
+        <p:blipFill rotWithShape="1">
+          <a:blip r:embed="rId6"/>
+          <a:srcRect l="1592" t="2145" b="2020"/>
+          <a:stretch/>
         </p:blipFill>
         <p:spPr>
           <a:xfrm>
-            <a:off x="4279506" y="1681117"/>
-            <a:ext cx="4752019" cy="1096205"/>
+            <a:off x="4689446" y="1449345"/>
+            <a:ext cx="6566718" cy="3204594"/>
           </a:xfrm>
           <a:prstGeom prst="rect">
             <a:avLst/>
@@ -8477,10 +8559,10 @@
       </p:pic>
       <p:sp>
         <p:nvSpPr>
-          <p:cNvPr id="10" name="ZoneTexte 9">
+          <p:cNvPr id="5" name="ZoneTexte 4">
             <a:extLst>
               <a:ext uri="{FF2B5EF4-FFF2-40B4-BE49-F238E27FC236}">
-                <a16:creationId xmlns:a16="http://schemas.microsoft.com/office/drawing/2014/main" id="{FC917E9B-FD77-499A-BD41-E736F1343F20}"/>
+                <a16:creationId xmlns:a16="http://schemas.microsoft.com/office/drawing/2014/main" id="{1CAC78E3-827B-47A9-A0CF-DCC74AEE7CED}"/>
               </a:ext>
             </a:extLst>
           </p:cNvPr>
@@ -8489,8 +8571,8 @@
         </p:nvSpPr>
         <p:spPr>
           <a:xfrm>
-            <a:off x="7526060" y="5221323"/>
-            <a:ext cx="2572179" cy="369332"/>
+            <a:off x="6645082" y="4912218"/>
+            <a:ext cx="3325206" cy="369332"/>
           </a:xfrm>
           <a:prstGeom prst="rect">
             <a:avLst/>
@@ -8504,8 +8586,8 @@
           <a:lstStyle/>
           <a:p>
             <a:r>
-              <a:rPr lang="en-US" dirty="0"/>
-              <a:t>: BDE Website example</a:t>
+              <a:rPr lang="en-US"/>
+              <a:t>Trafic of our project on github</a:t>
             </a:r>
           </a:p>
         </p:txBody>
@@ -8513,7 +8595,7 @@
     </p:spTree>
     <p:extLst>
       <p:ext uri="{BB962C8B-B14F-4D97-AF65-F5344CB8AC3E}">
-        <p14:creationId xmlns:p14="http://schemas.microsoft.com/office/powerpoint/2010/main" val="2232710690"/>
+        <p14:creationId xmlns:p14="http://schemas.microsoft.com/office/powerpoint/2010/main" val="1085475483"/>
       </p:ext>
     </p:extLst>
   </p:cSld>
